--- a/Slides/Unit 4/CS8392-U4-Multithreading.pptx
+++ b/Slides/Unit 4/CS8392-U4-Multithreading.pptx
@@ -5,7 +5,7 @@
     <p:sldMasterId id="2147483648" r:id="rId1"/>
   </p:sldMasterIdLst>
   <p:notesMasterIdLst>
-    <p:notesMasterId r:id="rId14"/>
+    <p:notesMasterId r:id="rId18"/>
   </p:notesMasterIdLst>
   <p:sldIdLst>
     <p:sldId id="256" r:id="rId2"/>
@@ -13,13 +13,17 @@
     <p:sldId id="275" r:id="rId4"/>
     <p:sldId id="276" r:id="rId5"/>
     <p:sldId id="277" r:id="rId6"/>
-    <p:sldId id="278" r:id="rId7"/>
-    <p:sldId id="279" r:id="rId8"/>
-    <p:sldId id="280" r:id="rId9"/>
-    <p:sldId id="281" r:id="rId10"/>
-    <p:sldId id="282" r:id="rId11"/>
-    <p:sldId id="283" r:id="rId12"/>
-    <p:sldId id="272" r:id="rId13"/>
+    <p:sldId id="286" r:id="rId7"/>
+    <p:sldId id="287" r:id="rId8"/>
+    <p:sldId id="278" r:id="rId9"/>
+    <p:sldId id="279" r:id="rId10"/>
+    <p:sldId id="280" r:id="rId11"/>
+    <p:sldId id="281" r:id="rId12"/>
+    <p:sldId id="282" r:id="rId13"/>
+    <p:sldId id="283" r:id="rId14"/>
+    <p:sldId id="284" r:id="rId15"/>
+    <p:sldId id="285" r:id="rId16"/>
+    <p:sldId id="272" r:id="rId17"/>
   </p:sldIdLst>
   <p:sldSz cx="9144000" cy="6858000" type="screen4x3"/>
   <p:notesSz cx="6858000" cy="9144000"/>
@@ -204,7 +208,7 @@
             <a:fld id="{9515075B-F3F0-4441-A1BD-B7B515B708FF}" type="datetimeFigureOut">
               <a:rPr lang="en-US" smtClean="0"/>
               <a:pPr/>
-              <a:t>8/27/2018</a:t>
+              <a:t>8/29/2018</a:t>
             </a:fld>
             <a:endParaRPr lang="en-US"/>
           </a:p>
@@ -659,7 +663,7 @@
             <a:fld id="{6E658DF8-B8C0-4C7F-85EB-B53A2DDD44A9}" type="datetimeFigureOut">
               <a:rPr lang="en-US" smtClean="0"/>
               <a:pPr/>
-              <a:t>8/27/2018</a:t>
+              <a:t>8/29/2018</a:t>
             </a:fld>
             <a:endParaRPr lang="en-US"/>
           </a:p>
@@ -826,7 +830,7 @@
             <a:fld id="{6E658DF8-B8C0-4C7F-85EB-B53A2DDD44A9}" type="datetimeFigureOut">
               <a:rPr lang="en-US" smtClean="0"/>
               <a:pPr/>
-              <a:t>8/27/2018</a:t>
+              <a:t>8/29/2018</a:t>
             </a:fld>
             <a:endParaRPr lang="en-US"/>
           </a:p>
@@ -1003,7 +1007,7 @@
             <a:fld id="{6E658DF8-B8C0-4C7F-85EB-B53A2DDD44A9}" type="datetimeFigureOut">
               <a:rPr lang="en-US" smtClean="0"/>
               <a:pPr/>
-              <a:t>8/27/2018</a:t>
+              <a:t>8/29/2018</a:t>
             </a:fld>
             <a:endParaRPr lang="en-US"/>
           </a:p>
@@ -1202,7 +1206,7 @@
             <a:fld id="{6E658DF8-B8C0-4C7F-85EB-B53A2DDD44A9}" type="datetimeFigureOut">
               <a:rPr lang="en-US" smtClean="0"/>
               <a:pPr/>
-              <a:t>8/27/2018</a:t>
+              <a:t>8/29/2018</a:t>
             </a:fld>
             <a:endParaRPr lang="en-US"/>
           </a:p>
@@ -1445,7 +1449,7 @@
             <a:fld id="{6E658DF8-B8C0-4C7F-85EB-B53A2DDD44A9}" type="datetimeFigureOut">
               <a:rPr lang="en-US" smtClean="0"/>
               <a:pPr/>
-              <a:t>8/27/2018</a:t>
+              <a:t>8/29/2018</a:t>
             </a:fld>
             <a:endParaRPr lang="en-US"/>
           </a:p>
@@ -1730,7 +1734,7 @@
             <a:fld id="{6E658DF8-B8C0-4C7F-85EB-B53A2DDD44A9}" type="datetimeFigureOut">
               <a:rPr lang="en-US" smtClean="0"/>
               <a:pPr/>
-              <a:t>8/27/2018</a:t>
+              <a:t>8/29/2018</a:t>
             </a:fld>
             <a:endParaRPr lang="en-US"/>
           </a:p>
@@ -2149,7 +2153,7 @@
             <a:fld id="{6E658DF8-B8C0-4C7F-85EB-B53A2DDD44A9}" type="datetimeFigureOut">
               <a:rPr lang="en-US" smtClean="0"/>
               <a:pPr/>
-              <a:t>8/27/2018</a:t>
+              <a:t>8/29/2018</a:t>
             </a:fld>
             <a:endParaRPr lang="en-US"/>
           </a:p>
@@ -2264,7 +2268,7 @@
             <a:fld id="{6E658DF8-B8C0-4C7F-85EB-B53A2DDD44A9}" type="datetimeFigureOut">
               <a:rPr lang="en-US" smtClean="0"/>
               <a:pPr/>
-              <a:t>8/27/2018</a:t>
+              <a:t>8/29/2018</a:t>
             </a:fld>
             <a:endParaRPr lang="en-US"/>
           </a:p>
@@ -2356,7 +2360,7 @@
             <a:fld id="{6E658DF8-B8C0-4C7F-85EB-B53A2DDD44A9}" type="datetimeFigureOut">
               <a:rPr lang="en-US" smtClean="0"/>
               <a:pPr/>
-              <a:t>8/27/2018</a:t>
+              <a:t>8/29/2018</a:t>
             </a:fld>
             <a:endParaRPr lang="en-US"/>
           </a:p>
@@ -2630,7 +2634,7 @@
             <a:fld id="{6E658DF8-B8C0-4C7F-85EB-B53A2DDD44A9}" type="datetimeFigureOut">
               <a:rPr lang="en-US" smtClean="0"/>
               <a:pPr/>
-              <a:t>8/27/2018</a:t>
+              <a:t>8/29/2018</a:t>
             </a:fld>
             <a:endParaRPr lang="en-US"/>
           </a:p>
@@ -2880,7 +2884,7 @@
             <a:fld id="{6E658DF8-B8C0-4C7F-85EB-B53A2DDD44A9}" type="datetimeFigureOut">
               <a:rPr lang="en-US" smtClean="0"/>
               <a:pPr/>
-              <a:t>8/27/2018</a:t>
+              <a:t>8/29/2018</a:t>
             </a:fld>
             <a:endParaRPr lang="en-US"/>
           </a:p>
@@ -3096,7 +3100,7 @@
             <a:fld id="{6E658DF8-B8C0-4C7F-85EB-B53A2DDD44A9}" type="datetimeFigureOut">
               <a:rPr lang="en-US" smtClean="0"/>
               <a:pPr/>
-              <a:t>8/27/2018</a:t>
+              <a:t>8/29/2018</a:t>
             </a:fld>
             <a:endParaRPr lang="en-US"/>
           </a:p>
@@ -3690,6 +3694,274 @@
         </p:nvSpPr>
         <p:spPr/>
         <p:txBody>
+          <a:bodyPr/>
+          <a:lstStyle/>
+          <a:p>
+            <a:r>
+              <a:rPr lang="en-IN" dirty="0" smtClean="0"/>
+              <a:t>Sates of Thread</a:t>
+            </a:r>
+            <a:endParaRPr lang="en-US" dirty="0"/>
+          </a:p>
+        </p:txBody>
+      </p:sp>
+      <p:sp>
+        <p:nvSpPr>
+          <p:cNvPr id="3" name="Content Placeholder 2"/>
+          <p:cNvSpPr>
+            <a:spLocks noGrp="1"/>
+          </p:cNvSpPr>
+          <p:nvPr>
+            <p:ph idx="1"/>
+          </p:nvPr>
+        </p:nvSpPr>
+        <p:spPr/>
+        <p:txBody>
+          <a:bodyPr>
+            <a:normAutofit fontScale="92500" lnSpcReduction="10000"/>
+          </a:bodyPr>
+          <a:lstStyle/>
+          <a:p>
+            <a:r>
+              <a:rPr lang="en-IN" dirty="0" smtClean="0"/>
+              <a:t>Running</a:t>
+            </a:r>
+          </a:p>
+          <a:p>
+            <a:pPr lvl="1"/>
+            <a:r>
+              <a:rPr lang="en-US" dirty="0" smtClean="0"/>
+              <a:t>The thread is in running state if the thread scheduler has selected it.</a:t>
+            </a:r>
+          </a:p>
+          <a:p>
+            <a:r>
+              <a:rPr lang="en-IN" dirty="0" smtClean="0"/>
+              <a:t>Non-</a:t>
+            </a:r>
+            <a:r>
+              <a:rPr lang="en-IN" dirty="0" err="1" smtClean="0"/>
+              <a:t>Runnable</a:t>
+            </a:r>
+            <a:r>
+              <a:rPr lang="en-IN" dirty="0" smtClean="0"/>
+              <a:t>/Blocked/Waiting</a:t>
+            </a:r>
+          </a:p>
+          <a:p>
+            <a:pPr lvl="1"/>
+            <a:r>
+              <a:rPr lang="en-US" dirty="0" smtClean="0"/>
+              <a:t>This is the state when the thread is still alive, but is currently not eligible to run.</a:t>
+            </a:r>
+          </a:p>
+          <a:p>
+            <a:r>
+              <a:rPr lang="en-US" dirty="0" smtClean="0"/>
+              <a:t>Terminated</a:t>
+            </a:r>
+          </a:p>
+          <a:p>
+            <a:pPr lvl="1"/>
+            <a:r>
+              <a:rPr lang="en-US" dirty="0" smtClean="0"/>
+              <a:t>A thread is in terminated or dead state when its run() method exits.</a:t>
+            </a:r>
+          </a:p>
+          <a:p>
+            <a:pPr lvl="1"/>
+            <a:r>
+              <a:rPr lang="en-IN" dirty="0" smtClean="0"/>
+              <a:t>It is no longer available to execute. </a:t>
+            </a:r>
+            <a:endParaRPr lang="en-US" dirty="0" smtClean="0"/>
+          </a:p>
+        </p:txBody>
+      </p:sp>
+    </p:spTree>
+  </p:cSld>
+  <p:clrMapOvr>
+    <a:masterClrMapping/>
+  </p:clrMapOvr>
+  <p:timing>
+    <p:tnLst>
+      <p:par>
+        <p:cTn id="1" dur="indefinite" restart="never" nodeType="tmRoot"/>
+      </p:par>
+    </p:tnLst>
+  </p:timing>
+</p:sld>
+</file>
+
+<file path=ppt/slides/slide11.xml><?xml version="1.0" encoding="utf-8"?>
+<p:sld xmlns:a="http://schemas.openxmlformats.org/drawingml/2006/main" xmlns:r="http://schemas.openxmlformats.org/officeDocument/2006/relationships" xmlns:p="http://schemas.openxmlformats.org/presentationml/2006/main">
+  <p:cSld>
+    <p:spTree>
+      <p:nvGrpSpPr>
+        <p:cNvPr id="1" name=""/>
+        <p:cNvGrpSpPr/>
+        <p:nvPr/>
+      </p:nvGrpSpPr>
+      <p:grpSpPr>
+        <a:xfrm>
+          <a:off x="0" y="0"/>
+          <a:ext cx="0" cy="0"/>
+          <a:chOff x="0" y="0"/>
+          <a:chExt cx="0" cy="0"/>
+        </a:xfrm>
+      </p:grpSpPr>
+      <p:sp>
+        <p:nvSpPr>
+          <p:cNvPr id="2" name="Title 1"/>
+          <p:cNvSpPr>
+            <a:spLocks noGrp="1"/>
+          </p:cNvSpPr>
+          <p:nvPr>
+            <p:ph type="title"/>
+          </p:nvPr>
+        </p:nvSpPr>
+        <p:spPr/>
+        <p:txBody>
+          <a:bodyPr/>
+          <a:lstStyle/>
+          <a:p>
+            <a:r>
+              <a:rPr lang="en-IN" dirty="0" smtClean="0"/>
+              <a:t>Creating Threads in Java</a:t>
+            </a:r>
+            <a:endParaRPr lang="en-US" dirty="0"/>
+          </a:p>
+        </p:txBody>
+      </p:sp>
+      <p:sp>
+        <p:nvSpPr>
+          <p:cNvPr id="3" name="Content Placeholder 2"/>
+          <p:cNvSpPr>
+            <a:spLocks noGrp="1"/>
+          </p:cNvSpPr>
+          <p:nvPr>
+            <p:ph idx="1"/>
+          </p:nvPr>
+        </p:nvSpPr>
+        <p:spPr/>
+        <p:txBody>
+          <a:bodyPr>
+            <a:normAutofit fontScale="92500" lnSpcReduction="10000"/>
+          </a:bodyPr>
+          <a:lstStyle/>
+          <a:p>
+            <a:r>
+              <a:rPr lang="en-IN" dirty="0" smtClean="0"/>
+              <a:t>A class must extend form Thread.</a:t>
+            </a:r>
+          </a:p>
+          <a:p>
+            <a:r>
+              <a:rPr lang="en-IN" dirty="0" smtClean="0"/>
+              <a:t>Override run() method of Thread class.</a:t>
+            </a:r>
+          </a:p>
+          <a:p>
+            <a:r>
+              <a:rPr lang="en-IN" dirty="0" smtClean="0"/>
+              <a:t>Create an instance for user thread class .</a:t>
+            </a:r>
+          </a:p>
+          <a:p>
+            <a:r>
+              <a:rPr lang="en-IN" dirty="0" smtClean="0"/>
+              <a:t>Call the start method to invoke the thread.</a:t>
+            </a:r>
+          </a:p>
+          <a:p>
+            <a:r>
+              <a:rPr lang="en-IN" dirty="0" err="1" smtClean="0"/>
+              <a:t>LifeCycle</a:t>
+            </a:r>
+            <a:r>
+              <a:rPr lang="en-IN" dirty="0" smtClean="0"/>
+              <a:t> Methods</a:t>
+            </a:r>
+          </a:p>
+          <a:p>
+            <a:pPr lvl="1"/>
+            <a:r>
+              <a:rPr lang="en-IN" dirty="0" smtClean="0"/>
+              <a:t>void start()</a:t>
+            </a:r>
+          </a:p>
+          <a:p>
+            <a:pPr lvl="1"/>
+            <a:r>
+              <a:rPr lang="en-IN" dirty="0" smtClean="0"/>
+              <a:t>void run()</a:t>
+            </a:r>
+          </a:p>
+          <a:p>
+            <a:pPr lvl="1"/>
+            <a:r>
+              <a:rPr lang="en-IN" dirty="0" smtClean="0"/>
+              <a:t>void wait()</a:t>
+            </a:r>
+          </a:p>
+          <a:p>
+            <a:pPr lvl="1"/>
+            <a:r>
+              <a:rPr lang="en-IN" dirty="0" smtClean="0"/>
+              <a:t>void stop()</a:t>
+            </a:r>
+            <a:endParaRPr lang="en-US" dirty="0" smtClean="0"/>
+          </a:p>
+          <a:p>
+            <a:pPr lvl="1"/>
+            <a:endParaRPr lang="en-US" dirty="0"/>
+          </a:p>
+        </p:txBody>
+      </p:sp>
+    </p:spTree>
+  </p:cSld>
+  <p:clrMapOvr>
+    <a:masterClrMapping/>
+  </p:clrMapOvr>
+  <p:timing>
+    <p:tnLst>
+      <p:par>
+        <p:cTn id="1" dur="indefinite" restart="never" nodeType="tmRoot"/>
+      </p:par>
+    </p:tnLst>
+  </p:timing>
+</p:sld>
+</file>
+
+<file path=ppt/slides/slide12.xml><?xml version="1.0" encoding="utf-8"?>
+<p:sld xmlns:a="http://schemas.openxmlformats.org/drawingml/2006/main" xmlns:r="http://schemas.openxmlformats.org/officeDocument/2006/relationships" xmlns:p="http://schemas.openxmlformats.org/presentationml/2006/main">
+  <p:cSld>
+    <p:spTree>
+      <p:nvGrpSpPr>
+        <p:cNvPr id="1" name=""/>
+        <p:cNvGrpSpPr/>
+        <p:nvPr/>
+      </p:nvGrpSpPr>
+      <p:grpSpPr>
+        <a:xfrm>
+          <a:off x="0" y="0"/>
+          <a:ext cx="0" cy="0"/>
+          <a:chOff x="0" y="0"/>
+          <a:chExt cx="0" cy="0"/>
+        </a:xfrm>
+      </p:grpSpPr>
+      <p:sp>
+        <p:nvSpPr>
+          <p:cNvPr id="2" name="Title 1"/>
+          <p:cNvSpPr>
+            <a:spLocks noGrp="1"/>
+          </p:cNvSpPr>
+          <p:nvPr>
+            <p:ph type="title"/>
+          </p:nvPr>
+        </p:nvSpPr>
+        <p:spPr/>
+        <p:txBody>
           <a:bodyPr>
             <a:normAutofit fontScale="90000"/>
           </a:bodyPr>
@@ -3749,10 +4021,17 @@
   <p:clrMapOvr>
     <a:masterClrMapping/>
   </p:clrMapOvr>
+  <p:timing>
+    <p:tnLst>
+      <p:par>
+        <p:cTn id="1" dur="indefinite" restart="never" nodeType="tmRoot"/>
+      </p:par>
+    </p:tnLst>
+  </p:timing>
 </p:sld>
 </file>
 
-<file path=ppt/slides/slide11.xml><?xml version="1.0" encoding="utf-8"?>
+<file path=ppt/slides/slide13.xml><?xml version="1.0" encoding="utf-8"?>
 <p:sld xmlns:a="http://schemas.openxmlformats.org/drawingml/2006/main" xmlns:r="http://schemas.openxmlformats.org/officeDocument/2006/relationships" xmlns:p="http://schemas.openxmlformats.org/presentationml/2006/main">
   <p:cSld>
     <p:spTree>
@@ -3833,7 +4112,187 @@
 </p:sld>
 </file>
 
-<file path=ppt/slides/slide12.xml><?xml version="1.0" encoding="utf-8"?>
+<file path=ppt/slides/slide14.xml><?xml version="1.0" encoding="utf-8"?>
+<p:sld xmlns:a="http://schemas.openxmlformats.org/drawingml/2006/main" xmlns:r="http://schemas.openxmlformats.org/officeDocument/2006/relationships" xmlns:p="http://schemas.openxmlformats.org/presentationml/2006/main">
+  <p:cSld>
+    <p:spTree>
+      <p:nvGrpSpPr>
+        <p:cNvPr id="1" name=""/>
+        <p:cNvGrpSpPr/>
+        <p:nvPr/>
+      </p:nvGrpSpPr>
+      <p:grpSpPr>
+        <a:xfrm>
+          <a:off x="0" y="0"/>
+          <a:ext cx="0" cy="0"/>
+          <a:chOff x="0" y="0"/>
+          <a:chExt cx="0" cy="0"/>
+        </a:xfrm>
+      </p:grpSpPr>
+      <p:sp>
+        <p:nvSpPr>
+          <p:cNvPr id="2" name="Title 1"/>
+          <p:cNvSpPr>
+            <a:spLocks noGrp="1"/>
+          </p:cNvSpPr>
+          <p:nvPr>
+            <p:ph type="title"/>
+          </p:nvPr>
+        </p:nvSpPr>
+        <p:spPr/>
+        <p:txBody>
+          <a:bodyPr>
+            <a:normAutofit/>
+          </a:bodyPr>
+          <a:lstStyle/>
+          <a:p>
+            <a:r>
+              <a:rPr lang="en-IN" sz="3200" dirty="0" smtClean="0"/>
+              <a:t>Fibonacci and Prime </a:t>
+            </a:r>
+            <a:br>
+              <a:rPr lang="en-IN" sz="3200" dirty="0" smtClean="0"/>
+            </a:br>
+            <a:r>
+              <a:rPr lang="en-IN" sz="2800" b="1" i="1" dirty="0" smtClean="0"/>
+              <a:t>[Non Threading Approach] </a:t>
+            </a:r>
+            <a:endParaRPr lang="en-US" sz="2800" b="1" i="1" dirty="0"/>
+          </a:p>
+        </p:txBody>
+      </p:sp>
+      <p:pic>
+        <p:nvPicPr>
+          <p:cNvPr id="1026" name="Picture 2"/>
+          <p:cNvPicPr>
+            <a:picLocks noChangeAspect="1" noChangeArrowheads="1"/>
+          </p:cNvPicPr>
+          <p:nvPr/>
+        </p:nvPicPr>
+        <p:blipFill>
+          <a:blip r:embed="rId2"/>
+          <a:srcRect/>
+          <a:stretch>
+            <a:fillRect/>
+          </a:stretch>
+        </p:blipFill>
+        <p:spPr bwMode="auto">
+          <a:xfrm>
+            <a:off x="579901" y="1543050"/>
+            <a:ext cx="7990976" cy="4629150"/>
+          </a:xfrm>
+          <a:prstGeom prst="rect">
+            <a:avLst/>
+          </a:prstGeom>
+          <a:noFill/>
+          <a:ln w="9525">
+            <a:noFill/>
+            <a:miter lim="800000"/>
+            <a:headEnd/>
+            <a:tailEnd/>
+          </a:ln>
+          <a:effectLst/>
+        </p:spPr>
+      </p:pic>
+    </p:spTree>
+  </p:cSld>
+  <p:clrMapOvr>
+    <a:masterClrMapping/>
+  </p:clrMapOvr>
+</p:sld>
+</file>
+
+<file path=ppt/slides/slide15.xml><?xml version="1.0" encoding="utf-8"?>
+<p:sld xmlns:a="http://schemas.openxmlformats.org/drawingml/2006/main" xmlns:r="http://schemas.openxmlformats.org/officeDocument/2006/relationships" xmlns:p="http://schemas.openxmlformats.org/presentationml/2006/main">
+  <p:cSld>
+    <p:spTree>
+      <p:nvGrpSpPr>
+        <p:cNvPr id="1" name=""/>
+        <p:cNvGrpSpPr/>
+        <p:nvPr/>
+      </p:nvGrpSpPr>
+      <p:grpSpPr>
+        <a:xfrm>
+          <a:off x="0" y="0"/>
+          <a:ext cx="0" cy="0"/>
+          <a:chOff x="0" y="0"/>
+          <a:chExt cx="0" cy="0"/>
+        </a:xfrm>
+      </p:grpSpPr>
+      <p:sp>
+        <p:nvSpPr>
+          <p:cNvPr id="2" name="Title 1"/>
+          <p:cNvSpPr>
+            <a:spLocks noGrp="1"/>
+          </p:cNvSpPr>
+          <p:nvPr>
+            <p:ph type="title"/>
+          </p:nvPr>
+        </p:nvSpPr>
+        <p:spPr/>
+        <p:txBody>
+          <a:bodyPr>
+            <a:noAutofit/>
+          </a:bodyPr>
+          <a:lstStyle/>
+          <a:p>
+            <a:r>
+              <a:rPr lang="en-IN" sz="3600" dirty="0" smtClean="0"/>
+              <a:t>Fibonacci and Prime </a:t>
+            </a:r>
+            <a:br>
+              <a:rPr lang="en-IN" sz="3600" dirty="0" smtClean="0"/>
+            </a:br>
+            <a:r>
+              <a:rPr lang="en-IN" sz="3200" b="1" i="1" dirty="0" smtClean="0"/>
+              <a:t>[Threading Approach] </a:t>
+            </a:r>
+            <a:endParaRPr lang="en-US" sz="3200" dirty="0"/>
+          </a:p>
+        </p:txBody>
+      </p:sp>
+      <p:pic>
+        <p:nvPicPr>
+          <p:cNvPr id="2050" name="Picture 2"/>
+          <p:cNvPicPr>
+            <a:picLocks noChangeAspect="1" noChangeArrowheads="1"/>
+          </p:cNvPicPr>
+          <p:nvPr/>
+        </p:nvPicPr>
+        <p:blipFill>
+          <a:blip r:embed="rId2"/>
+          <a:srcRect/>
+          <a:stretch>
+            <a:fillRect/>
+          </a:stretch>
+        </p:blipFill>
+        <p:spPr bwMode="auto">
+          <a:xfrm>
+            <a:off x="533400" y="1828800"/>
+            <a:ext cx="8191500" cy="4404864"/>
+          </a:xfrm>
+          <a:prstGeom prst="rect">
+            <a:avLst/>
+          </a:prstGeom>
+          <a:noFill/>
+          <a:ln w="9525">
+            <a:noFill/>
+            <a:miter lim="800000"/>
+            <a:headEnd/>
+            <a:tailEnd/>
+          </a:ln>
+          <a:effectLst/>
+        </p:spPr>
+      </p:pic>
+    </p:spTree>
+  </p:cSld>
+  <p:clrMapOvr>
+    <a:masterClrMapping/>
+  </p:clrMapOvr>
+</p:sld>
+</file>
+
+<file path=ppt/slides/slide16.xml><?xml version="1.0" encoding="utf-8"?>
 <p:sld xmlns:a="http://schemas.openxmlformats.org/drawingml/2006/main" xmlns:r="http://schemas.openxmlformats.org/officeDocument/2006/relationships" xmlns:p="http://schemas.openxmlformats.org/presentationml/2006/main">
   <p:cSld>
     <p:spTree>
@@ -4273,6 +4732,13 @@
             <a:pPr lvl="1"/>
             <a:r>
               <a:rPr lang="en-IN" dirty="0" smtClean="0"/>
+              <a:t>Only one CPU is available.</a:t>
+            </a:r>
+          </a:p>
+          <a:p>
+            <a:pPr lvl="1"/>
+            <a:r>
+              <a:rPr lang="en-IN" dirty="0" smtClean="0"/>
               <a:t>It can run one program at a time.</a:t>
             </a:r>
           </a:p>
@@ -4302,7 +4768,6 @@
               <a:rPr lang="en-IN" dirty="0" smtClean="0"/>
               <a:t>It can run programs parallel.</a:t>
             </a:r>
-            <a:endParaRPr lang="en-IN" dirty="0" smtClean="0"/>
           </a:p>
           <a:p>
             <a:pPr lvl="1"/>
@@ -4318,6 +4783,13 @@
   <p:clrMapOvr>
     <a:masterClrMapping/>
   </p:clrMapOvr>
+  <p:timing>
+    <p:tnLst>
+      <p:par>
+        <p:cTn id="1" dur="indefinite" restart="never" nodeType="tmRoot"/>
+      </p:par>
+    </p:tnLst>
+  </p:timing>
 </p:sld>
 </file>
 
@@ -4422,6 +4894,13 @@
   <p:clrMapOvr>
     <a:masterClrMapping/>
   </p:clrMapOvr>
+  <p:timing>
+    <p:tnLst>
+      <p:par>
+        <p:cTn id="1" dur="indefinite" restart="never" nodeType="tmRoot"/>
+      </p:par>
+    </p:tnLst>
+  </p:timing>
 </p:sld>
 </file>
 
@@ -4484,7 +4963,6 @@
               <a:rPr lang="en-IN" dirty="0" smtClean="0"/>
               <a:t>Multitasking</a:t>
             </a:r>
-            <a:endParaRPr lang="en-IN" dirty="0" smtClean="0"/>
           </a:p>
           <a:p>
             <a:pPr lvl="1"/>
@@ -4521,6 +4999,13 @@
   <p:clrMapOvr>
     <a:masterClrMapping/>
   </p:clrMapOvr>
+  <p:timing>
+    <p:tnLst>
+      <p:par>
+        <p:cTn id="1" dur="indefinite" restart="never" nodeType="tmRoot"/>
+      </p:par>
+    </p:tnLst>
+  </p:timing>
 </p:sld>
 </file>
 
@@ -4624,10 +5109,233 @@
   <p:clrMapOvr>
     <a:masterClrMapping/>
   </p:clrMapOvr>
+  <p:timing>
+    <p:tnLst>
+      <p:par>
+        <p:cTn id="1" dur="indefinite" restart="never" nodeType="tmRoot"/>
+      </p:par>
+    </p:tnLst>
+  </p:timing>
 </p:sld>
 </file>
 
 <file path=ppt/slides/slide6.xml><?xml version="1.0" encoding="utf-8"?>
+<p:sld xmlns:a="http://schemas.openxmlformats.org/drawingml/2006/main" xmlns:r="http://schemas.openxmlformats.org/officeDocument/2006/relationships" xmlns:p="http://schemas.openxmlformats.org/presentationml/2006/main">
+  <p:cSld>
+    <p:spTree>
+      <p:nvGrpSpPr>
+        <p:cNvPr id="1" name=""/>
+        <p:cNvGrpSpPr/>
+        <p:nvPr/>
+      </p:nvGrpSpPr>
+      <p:grpSpPr>
+        <a:xfrm>
+          <a:off x="0" y="0"/>
+          <a:ext cx="0" cy="0"/>
+          <a:chOff x="0" y="0"/>
+          <a:chExt cx="0" cy="0"/>
+        </a:xfrm>
+      </p:grpSpPr>
+      <p:sp>
+        <p:nvSpPr>
+          <p:cNvPr id="2" name="Title 1"/>
+          <p:cNvSpPr>
+            <a:spLocks noGrp="1"/>
+          </p:cNvSpPr>
+          <p:nvPr>
+            <p:ph type="title"/>
+          </p:nvPr>
+        </p:nvSpPr>
+        <p:spPr/>
+        <p:txBody>
+          <a:bodyPr/>
+          <a:lstStyle/>
+          <a:p>
+            <a:r>
+              <a:rPr lang="en-IN" dirty="0" smtClean="0"/>
+              <a:t>Threads</a:t>
+            </a:r>
+            <a:endParaRPr lang="en-US" dirty="0"/>
+          </a:p>
+        </p:txBody>
+      </p:sp>
+      <p:sp>
+        <p:nvSpPr>
+          <p:cNvPr id="3" name="Content Placeholder 2"/>
+          <p:cNvSpPr>
+            <a:spLocks noGrp="1"/>
+          </p:cNvSpPr>
+          <p:nvPr>
+            <p:ph idx="1"/>
+          </p:nvPr>
+        </p:nvSpPr>
+        <p:spPr/>
+        <p:txBody>
+          <a:bodyPr/>
+          <a:lstStyle/>
+          <a:p>
+            <a:r>
+              <a:rPr lang="en-US" dirty="0" smtClean="0"/>
+              <a:t>A thread is a lightweight sub-process, the smallest unit of processing. </a:t>
+            </a:r>
+          </a:p>
+          <a:p>
+            <a:r>
+              <a:rPr lang="en-US" dirty="0" smtClean="0"/>
+              <a:t>Multiprocessing and multithreading, both are used to achieve multitasking.</a:t>
+            </a:r>
+          </a:p>
+          <a:p>
+            <a:r>
+              <a:rPr lang="en-IN" dirty="0" smtClean="0"/>
+              <a:t>It shares the same memory area.</a:t>
+            </a:r>
+          </a:p>
+          <a:p>
+            <a:r>
+              <a:rPr lang="en-IN" dirty="0" smtClean="0"/>
+              <a:t> Context switching between thread is faster.</a:t>
+            </a:r>
+            <a:endParaRPr lang="en-US" dirty="0"/>
+          </a:p>
+        </p:txBody>
+      </p:sp>
+    </p:spTree>
+  </p:cSld>
+  <p:clrMapOvr>
+    <a:masterClrMapping/>
+  </p:clrMapOvr>
+  <p:timing>
+    <p:tnLst>
+      <p:par>
+        <p:cTn id="1" dur="indefinite" restart="never" nodeType="tmRoot"/>
+      </p:par>
+    </p:tnLst>
+  </p:timing>
+</p:sld>
+</file>
+
+<file path=ppt/slides/slide7.xml><?xml version="1.0" encoding="utf-8"?>
+<p:sld xmlns:a="http://schemas.openxmlformats.org/drawingml/2006/main" xmlns:r="http://schemas.openxmlformats.org/officeDocument/2006/relationships" xmlns:p="http://schemas.openxmlformats.org/presentationml/2006/main">
+  <p:cSld>
+    <p:spTree>
+      <p:nvGrpSpPr>
+        <p:cNvPr id="1" name=""/>
+        <p:cNvGrpSpPr/>
+        <p:nvPr/>
+      </p:nvGrpSpPr>
+      <p:grpSpPr>
+        <a:xfrm>
+          <a:off x="0" y="0"/>
+          <a:ext cx="0" cy="0"/>
+          <a:chOff x="0" y="0"/>
+          <a:chExt cx="0" cy="0"/>
+        </a:xfrm>
+      </p:grpSpPr>
+      <p:sp>
+        <p:nvSpPr>
+          <p:cNvPr id="2" name="Title 1"/>
+          <p:cNvSpPr>
+            <a:spLocks noGrp="1"/>
+          </p:cNvSpPr>
+          <p:nvPr>
+            <p:ph type="title"/>
+          </p:nvPr>
+        </p:nvSpPr>
+        <p:spPr/>
+        <p:txBody>
+          <a:bodyPr/>
+          <a:lstStyle/>
+          <a:p>
+            <a:r>
+              <a:rPr lang="en-IN" dirty="0" smtClean="0"/>
+              <a:t>Advantages</a:t>
+            </a:r>
+            <a:endParaRPr lang="en-US" dirty="0"/>
+          </a:p>
+        </p:txBody>
+      </p:sp>
+      <p:sp>
+        <p:nvSpPr>
+          <p:cNvPr id="3" name="Content Placeholder 2"/>
+          <p:cNvSpPr>
+            <a:spLocks noGrp="1"/>
+          </p:cNvSpPr>
+          <p:nvPr>
+            <p:ph idx="1"/>
+          </p:nvPr>
+        </p:nvSpPr>
+        <p:spPr/>
+        <p:txBody>
+          <a:bodyPr/>
+          <a:lstStyle/>
+          <a:p>
+            <a:r>
+              <a:rPr lang="en-US" dirty="0" smtClean="0"/>
+              <a:t>It </a:t>
+            </a:r>
+            <a:r>
+              <a:rPr lang="en-US" b="1" dirty="0" smtClean="0"/>
+              <a:t>doesn't block the user</a:t>
+            </a:r>
+            <a:r>
+              <a:rPr lang="en-US" dirty="0" smtClean="0"/>
+              <a:t> because threads are independent and you can perform multiple operations at the same time.</a:t>
+            </a:r>
+          </a:p>
+          <a:p>
+            <a:r>
+              <a:rPr lang="en-US" smtClean="0"/>
+              <a:t>We</a:t>
+            </a:r>
+            <a:r>
+              <a:rPr lang="en-US" dirty="0" smtClean="0"/>
+              <a:t> </a:t>
+            </a:r>
+            <a:r>
+              <a:rPr lang="en-US" b="1" dirty="0" smtClean="0"/>
+              <a:t>can perform many operations together, so it saves time</a:t>
+            </a:r>
+            <a:r>
+              <a:rPr lang="en-US" dirty="0" smtClean="0"/>
+              <a:t>.</a:t>
+            </a:r>
+          </a:p>
+          <a:p>
+            <a:r>
+              <a:rPr lang="en-US" dirty="0" smtClean="0"/>
+              <a:t>Threads are </a:t>
+            </a:r>
+            <a:r>
+              <a:rPr lang="en-US" b="1" dirty="0" smtClean="0"/>
+              <a:t>independent</a:t>
+            </a:r>
+            <a:r>
+              <a:rPr lang="en-US" dirty="0" smtClean="0"/>
+              <a:t>, so it doesn't affect other threads if an exception occurs in a single thread.</a:t>
+            </a:r>
+          </a:p>
+          <a:p>
+            <a:endParaRPr lang="en-US" dirty="0"/>
+          </a:p>
+        </p:txBody>
+      </p:sp>
+    </p:spTree>
+  </p:cSld>
+  <p:clrMapOvr>
+    <a:masterClrMapping/>
+  </p:clrMapOvr>
+  <p:timing>
+    <p:tnLst>
+      <p:par>
+        <p:cTn id="1" dur="indefinite" restart="never" nodeType="tmRoot"/>
+      </p:par>
+    </p:tnLst>
+  </p:timing>
+</p:sld>
+</file>
+
+<file path=ppt/slides/slide8.xml><?xml version="1.0" encoding="utf-8"?>
 <p:sld xmlns:a="http://schemas.openxmlformats.org/drawingml/2006/main" xmlns:r="http://schemas.openxmlformats.org/officeDocument/2006/relationships" xmlns:p="http://schemas.openxmlformats.org/presentationml/2006/main">
   <p:cSld>
     <p:spTree>
@@ -4740,243 +5448,13 @@
   <p:clrMapOvr>
     <a:masterClrMapping/>
   </p:clrMapOvr>
-</p:sld>
-</file>
-
-<file path=ppt/slides/slide7.xml><?xml version="1.0" encoding="utf-8"?>
-<p:sld xmlns:a="http://schemas.openxmlformats.org/drawingml/2006/main" xmlns:r="http://schemas.openxmlformats.org/officeDocument/2006/relationships" xmlns:p="http://schemas.openxmlformats.org/presentationml/2006/main">
-  <p:cSld>
-    <p:spTree>
-      <p:nvGrpSpPr>
-        <p:cNvPr id="1" name=""/>
-        <p:cNvGrpSpPr/>
-        <p:nvPr/>
-      </p:nvGrpSpPr>
-      <p:grpSpPr>
-        <a:xfrm>
-          <a:off x="0" y="0"/>
-          <a:ext cx="0" cy="0"/>
-          <a:chOff x="0" y="0"/>
-          <a:chExt cx="0" cy="0"/>
-        </a:xfrm>
-      </p:grpSpPr>
-      <p:sp>
-        <p:nvSpPr>
-          <p:cNvPr id="2" name="Title 1"/>
-          <p:cNvSpPr>
-            <a:spLocks noGrp="1"/>
-          </p:cNvSpPr>
-          <p:nvPr>
-            <p:ph type="title"/>
-          </p:nvPr>
-        </p:nvSpPr>
-        <p:spPr/>
-        <p:txBody>
-          <a:bodyPr/>
-          <a:lstStyle/>
-          <a:p>
-            <a:r>
-              <a:rPr lang="en-IN" dirty="0" smtClean="0"/>
-              <a:t>Sates of Thread</a:t>
-            </a:r>
-            <a:endParaRPr lang="en-US" dirty="0"/>
-          </a:p>
-        </p:txBody>
-      </p:sp>
-      <p:sp>
-        <p:nvSpPr>
-          <p:cNvPr id="3" name="Content Placeholder 2"/>
-          <p:cNvSpPr>
-            <a:spLocks noGrp="1"/>
-          </p:cNvSpPr>
-          <p:nvPr>
-            <p:ph idx="1"/>
-          </p:nvPr>
-        </p:nvSpPr>
-        <p:spPr/>
-        <p:txBody>
-          <a:bodyPr/>
-          <a:lstStyle/>
-          <a:p>
-            <a:r>
-              <a:rPr lang="en-IN" dirty="0" smtClean="0"/>
-              <a:t>New</a:t>
-            </a:r>
-          </a:p>
-          <a:p>
-            <a:pPr lvl="1"/>
-            <a:r>
-              <a:rPr lang="en-US" dirty="0" smtClean="0"/>
-              <a:t>The thread is in new state if you create an instance of Thread class but before the invocation of start() method</a:t>
-            </a:r>
-            <a:r>
-              <a:rPr lang="en-US" dirty="0" smtClean="0"/>
-              <a:t>.</a:t>
-            </a:r>
-          </a:p>
-          <a:p>
-            <a:r>
-              <a:rPr lang="en-IN" dirty="0" err="1" smtClean="0"/>
-              <a:t>Runnable</a:t>
-            </a:r>
-            <a:endParaRPr lang="en-IN" dirty="0" smtClean="0"/>
-          </a:p>
-          <a:p>
-            <a:pPr lvl="1"/>
-            <a:r>
-              <a:rPr lang="en-US" dirty="0" smtClean="0"/>
-              <a:t>The thread is in </a:t>
-            </a:r>
-            <a:r>
-              <a:rPr lang="en-US" dirty="0" err="1" smtClean="0"/>
-              <a:t>runnable</a:t>
-            </a:r>
-            <a:r>
-              <a:rPr lang="en-US" dirty="0" smtClean="0"/>
-              <a:t> state after invocation of start() method, but the thread scheduler has not selected it to be the running thread.</a:t>
-            </a:r>
-            <a:endParaRPr lang="en-US" dirty="0"/>
-          </a:p>
-        </p:txBody>
-      </p:sp>
-    </p:spTree>
-  </p:cSld>
-  <p:clrMapOvr>
-    <a:masterClrMapping/>
-  </p:clrMapOvr>
-</p:sld>
-</file>
-
-<file path=ppt/slides/slide8.xml><?xml version="1.0" encoding="utf-8"?>
-<p:sld xmlns:a="http://schemas.openxmlformats.org/drawingml/2006/main" xmlns:r="http://schemas.openxmlformats.org/officeDocument/2006/relationships" xmlns:p="http://schemas.openxmlformats.org/presentationml/2006/main">
-  <p:cSld>
-    <p:spTree>
-      <p:nvGrpSpPr>
-        <p:cNvPr id="1" name=""/>
-        <p:cNvGrpSpPr/>
-        <p:nvPr/>
-      </p:nvGrpSpPr>
-      <p:grpSpPr>
-        <a:xfrm>
-          <a:off x="0" y="0"/>
-          <a:ext cx="0" cy="0"/>
-          <a:chOff x="0" y="0"/>
-          <a:chExt cx="0" cy="0"/>
-        </a:xfrm>
-      </p:grpSpPr>
-      <p:sp>
-        <p:nvSpPr>
-          <p:cNvPr id="2" name="Title 1"/>
-          <p:cNvSpPr>
-            <a:spLocks noGrp="1"/>
-          </p:cNvSpPr>
-          <p:nvPr>
-            <p:ph type="title"/>
-          </p:nvPr>
-        </p:nvSpPr>
-        <p:spPr/>
-        <p:txBody>
-          <a:bodyPr/>
-          <a:lstStyle/>
-          <a:p>
-            <a:r>
-              <a:rPr lang="en-IN" dirty="0" smtClean="0"/>
-              <a:t>Sates of Thread</a:t>
-            </a:r>
-            <a:endParaRPr lang="en-US" dirty="0"/>
-          </a:p>
-        </p:txBody>
-      </p:sp>
-      <p:sp>
-        <p:nvSpPr>
-          <p:cNvPr id="3" name="Content Placeholder 2"/>
-          <p:cNvSpPr>
-            <a:spLocks noGrp="1"/>
-          </p:cNvSpPr>
-          <p:nvPr>
-            <p:ph idx="1"/>
-          </p:nvPr>
-        </p:nvSpPr>
-        <p:spPr/>
-        <p:txBody>
-          <a:bodyPr>
-            <a:normAutofit fontScale="92500" lnSpcReduction="10000"/>
-          </a:bodyPr>
-          <a:lstStyle/>
-          <a:p>
-            <a:r>
-              <a:rPr lang="en-IN" dirty="0" smtClean="0"/>
-              <a:t>Running</a:t>
-            </a:r>
-          </a:p>
-          <a:p>
-            <a:pPr lvl="1"/>
-            <a:r>
-              <a:rPr lang="en-US" dirty="0" smtClean="0"/>
-              <a:t>The thread is in running state if the thread scheduler has selected it</a:t>
-            </a:r>
-            <a:r>
-              <a:rPr lang="en-US" dirty="0" smtClean="0"/>
-              <a:t>.</a:t>
-            </a:r>
-          </a:p>
-          <a:p>
-            <a:r>
-              <a:rPr lang="en-IN" dirty="0" smtClean="0"/>
-              <a:t>Non-</a:t>
-            </a:r>
-            <a:r>
-              <a:rPr lang="en-IN" dirty="0" err="1" smtClean="0"/>
-              <a:t>Runnable</a:t>
-            </a:r>
-            <a:r>
-              <a:rPr lang="en-IN" dirty="0" smtClean="0"/>
-              <a:t>/Blocked/Waiting</a:t>
-            </a:r>
-          </a:p>
-          <a:p>
-            <a:pPr lvl="1"/>
-            <a:r>
-              <a:rPr lang="en-US" dirty="0" smtClean="0"/>
-              <a:t>This is the state when the thread is still alive, but is currently not eligible to run</a:t>
-            </a:r>
-            <a:r>
-              <a:rPr lang="en-US" dirty="0" smtClean="0"/>
-              <a:t>.</a:t>
-            </a:r>
-          </a:p>
-          <a:p>
-            <a:r>
-              <a:rPr lang="en-US" dirty="0" smtClean="0"/>
-              <a:t>Terminated</a:t>
-            </a:r>
-          </a:p>
-          <a:p>
-            <a:pPr lvl="1"/>
-            <a:r>
-              <a:rPr lang="en-US" dirty="0" smtClean="0"/>
-              <a:t>A thread is in terminated or dead state when its run() method exits</a:t>
-            </a:r>
-            <a:r>
-              <a:rPr lang="en-US" dirty="0" smtClean="0"/>
-              <a:t>.</a:t>
-            </a:r>
-          </a:p>
-          <a:p>
-            <a:pPr lvl="1"/>
-            <a:r>
-              <a:rPr lang="en-IN" dirty="0" smtClean="0"/>
-              <a:t>It is no longer available to execute. </a:t>
-            </a:r>
-            <a:endParaRPr lang="en-US" dirty="0" smtClean="0"/>
-          </a:p>
-        </p:txBody>
-      </p:sp>
-    </p:spTree>
-  </p:cSld>
-  <p:clrMapOvr>
-    <a:masterClrMapping/>
-  </p:clrMapOvr>
+  <p:timing>
+    <p:tnLst>
+      <p:par>
+        <p:cTn id="1" dur="indefinite" restart="never" nodeType="tmRoot"/>
+      </p:par>
+    </p:tnLst>
+  </p:timing>
 </p:sld>
 </file>
 
@@ -5014,7 +5492,7 @@
           <a:p>
             <a:r>
               <a:rPr lang="en-IN" dirty="0" smtClean="0"/>
-              <a:t>Creating Threads in Java</a:t>
+              <a:t>Sates of Thread</a:t>
             </a:r>
             <a:endParaRPr lang="en-US" dirty="0"/>
           </a:p>
@@ -5032,87 +5510,42 @@
         </p:nvSpPr>
         <p:spPr/>
         <p:txBody>
-          <a:bodyPr>
-            <a:normAutofit fontScale="92500" lnSpcReduction="10000"/>
-          </a:bodyPr>
+          <a:bodyPr/>
           <a:lstStyle/>
           <a:p>
             <a:r>
               <a:rPr lang="en-IN" dirty="0" smtClean="0"/>
-              <a:t>A class must extend form Thread.</a:t>
-            </a:r>
-          </a:p>
-          <a:p>
-            <a:r>
-              <a:rPr lang="en-IN" dirty="0" smtClean="0"/>
-              <a:t>Override run() method of Thread class.</a:t>
-            </a:r>
-          </a:p>
-          <a:p>
-            <a:r>
-              <a:rPr lang="en-IN" dirty="0" smtClean="0"/>
-              <a:t>Create an instance for user thread class .</a:t>
-            </a:r>
-          </a:p>
-          <a:p>
-            <a:r>
-              <a:rPr lang="en-IN" dirty="0" smtClean="0"/>
-              <a:t>Call the start method to invoke the thread.</a:t>
+              <a:t>New</a:t>
+            </a:r>
+          </a:p>
+          <a:p>
+            <a:pPr lvl="1"/>
+            <a:r>
+              <a:rPr lang="en-US" dirty="0" smtClean="0"/>
+              <a:t>The thread is in new state if you create an instance of Thread class but before the invocation of start() method.</a:t>
             </a:r>
           </a:p>
           <a:p>
             <a:r>
               <a:rPr lang="en-IN" dirty="0" err="1" smtClean="0"/>
-              <a:t>LifeCycle</a:t>
-            </a:r>
-            <a:r>
-              <a:rPr lang="en-IN" dirty="0" smtClean="0"/>
-              <a:t> Methods</a:t>
-            </a:r>
+              <a:t>Runnable</a:t>
+            </a:r>
+            <a:endParaRPr lang="en-IN" dirty="0" smtClean="0"/>
           </a:p>
           <a:p>
             <a:pPr lvl="1"/>
             <a:r>
-              <a:rPr lang="en-IN" dirty="0" smtClean="0"/>
-              <a:t>v</a:t>
-            </a:r>
-            <a:r>
-              <a:rPr lang="en-IN" dirty="0" smtClean="0"/>
-              <a:t>oid start()</a:t>
-            </a:r>
-          </a:p>
-          <a:p>
-            <a:pPr lvl="1"/>
-            <a:r>
-              <a:rPr lang="en-IN" dirty="0" smtClean="0"/>
-              <a:t>void </a:t>
-            </a:r>
-            <a:r>
-              <a:rPr lang="en-IN" dirty="0" smtClean="0"/>
-              <a:t>run()</a:t>
-            </a:r>
-          </a:p>
-          <a:p>
-            <a:pPr lvl="1"/>
-            <a:r>
-              <a:rPr lang="en-IN" dirty="0" smtClean="0"/>
-              <a:t>v</a:t>
-            </a:r>
-            <a:r>
-              <a:rPr lang="en-IN" dirty="0" smtClean="0"/>
-              <a:t>oid wait()</a:t>
-            </a:r>
-          </a:p>
-          <a:p>
-            <a:pPr lvl="1"/>
-            <a:r>
-              <a:rPr lang="en-IN" dirty="0" smtClean="0"/>
-              <a:t>void stop()</a:t>
-            </a:r>
-            <a:endParaRPr lang="en-US" dirty="0" smtClean="0"/>
-          </a:p>
-          <a:p>
-            <a:pPr lvl="1"/>
+              <a:rPr lang="en-US" dirty="0" smtClean="0"/>
+              <a:t>The thread is in </a:t>
+            </a:r>
+            <a:r>
+              <a:rPr lang="en-US" dirty="0" err="1" smtClean="0"/>
+              <a:t>runnable</a:t>
+            </a:r>
+            <a:r>
+              <a:rPr lang="en-US" dirty="0" smtClean="0"/>
+              <a:t> state after invocation of start() method, but the thread scheduler has not selected it to be the running thread.</a:t>
+            </a:r>
             <a:endParaRPr lang="en-US" dirty="0"/>
           </a:p>
         </p:txBody>
@@ -5122,6 +5555,13 @@
   <p:clrMapOvr>
     <a:masterClrMapping/>
   </p:clrMapOvr>
+  <p:timing>
+    <p:tnLst>
+      <p:par>
+        <p:cTn id="1" dur="indefinite" restart="never" nodeType="tmRoot"/>
+      </p:par>
+    </p:tnLst>
+  </p:timing>
 </p:sld>
 </file>
 

--- a/Slides/Unit 4/CS8392-U4-Multithreading.pptx
+++ b/Slides/Unit 4/CS8392-U4-Multithreading.pptx
@@ -5,7 +5,7 @@
     <p:sldMasterId id="2147483648" r:id="rId1"/>
   </p:sldMasterIdLst>
   <p:notesMasterIdLst>
-    <p:notesMasterId r:id="rId18"/>
+    <p:notesMasterId r:id="rId32"/>
   </p:notesMasterIdLst>
   <p:sldIdLst>
     <p:sldId id="256" r:id="rId2"/>
@@ -23,7 +23,21 @@
     <p:sldId id="283" r:id="rId14"/>
     <p:sldId id="284" r:id="rId15"/>
     <p:sldId id="285" r:id="rId16"/>
-    <p:sldId id="272" r:id="rId17"/>
+    <p:sldId id="288" r:id="rId17"/>
+    <p:sldId id="294" r:id="rId18"/>
+    <p:sldId id="295" r:id="rId19"/>
+    <p:sldId id="297" r:id="rId20"/>
+    <p:sldId id="298" r:id="rId21"/>
+    <p:sldId id="296" r:id="rId22"/>
+    <p:sldId id="299" r:id="rId23"/>
+    <p:sldId id="289" r:id="rId24"/>
+    <p:sldId id="290" r:id="rId25"/>
+    <p:sldId id="293" r:id="rId26"/>
+    <p:sldId id="291" r:id="rId27"/>
+    <p:sldId id="292" r:id="rId28"/>
+    <p:sldId id="301" r:id="rId29"/>
+    <p:sldId id="300" r:id="rId30"/>
+    <p:sldId id="272" r:id="rId31"/>
   </p:sldIdLst>
   <p:sldSz cx="9144000" cy="6858000" type="screen4x3"/>
   <p:notesSz cx="6858000" cy="9144000"/>
@@ -208,7 +222,7 @@
             <a:fld id="{9515075B-F3F0-4441-A1BD-B7B515B708FF}" type="datetimeFigureOut">
               <a:rPr lang="en-US" smtClean="0"/>
               <a:pPr/>
-              <a:t>8/29/2018</a:t>
+              <a:t>8/31/2018</a:t>
             </a:fld>
             <a:endParaRPr lang="en-US"/>
           </a:p>
@@ -663,7 +677,7 @@
             <a:fld id="{6E658DF8-B8C0-4C7F-85EB-B53A2DDD44A9}" type="datetimeFigureOut">
               <a:rPr lang="en-US" smtClean="0"/>
               <a:pPr/>
-              <a:t>8/29/2018</a:t>
+              <a:t>8/31/2018</a:t>
             </a:fld>
             <a:endParaRPr lang="en-US"/>
           </a:p>
@@ -830,7 +844,7 @@
             <a:fld id="{6E658DF8-B8C0-4C7F-85EB-B53A2DDD44A9}" type="datetimeFigureOut">
               <a:rPr lang="en-US" smtClean="0"/>
               <a:pPr/>
-              <a:t>8/29/2018</a:t>
+              <a:t>8/31/2018</a:t>
             </a:fld>
             <a:endParaRPr lang="en-US"/>
           </a:p>
@@ -1007,7 +1021,7 @@
             <a:fld id="{6E658DF8-B8C0-4C7F-85EB-B53A2DDD44A9}" type="datetimeFigureOut">
               <a:rPr lang="en-US" smtClean="0"/>
               <a:pPr/>
-              <a:t>8/29/2018</a:t>
+              <a:t>8/31/2018</a:t>
             </a:fld>
             <a:endParaRPr lang="en-US"/>
           </a:p>
@@ -1206,7 +1220,7 @@
             <a:fld id="{6E658DF8-B8C0-4C7F-85EB-B53A2DDD44A9}" type="datetimeFigureOut">
               <a:rPr lang="en-US" smtClean="0"/>
               <a:pPr/>
-              <a:t>8/29/2018</a:t>
+              <a:t>8/31/2018</a:t>
             </a:fld>
             <a:endParaRPr lang="en-US"/>
           </a:p>
@@ -1449,7 +1463,7 @@
             <a:fld id="{6E658DF8-B8C0-4C7F-85EB-B53A2DDD44A9}" type="datetimeFigureOut">
               <a:rPr lang="en-US" smtClean="0"/>
               <a:pPr/>
-              <a:t>8/29/2018</a:t>
+              <a:t>8/31/2018</a:t>
             </a:fld>
             <a:endParaRPr lang="en-US"/>
           </a:p>
@@ -1734,7 +1748,7 @@
             <a:fld id="{6E658DF8-B8C0-4C7F-85EB-B53A2DDD44A9}" type="datetimeFigureOut">
               <a:rPr lang="en-US" smtClean="0"/>
               <a:pPr/>
-              <a:t>8/29/2018</a:t>
+              <a:t>8/31/2018</a:t>
             </a:fld>
             <a:endParaRPr lang="en-US"/>
           </a:p>
@@ -2153,7 +2167,7 @@
             <a:fld id="{6E658DF8-B8C0-4C7F-85EB-B53A2DDD44A9}" type="datetimeFigureOut">
               <a:rPr lang="en-US" smtClean="0"/>
               <a:pPr/>
-              <a:t>8/29/2018</a:t>
+              <a:t>8/31/2018</a:t>
             </a:fld>
             <a:endParaRPr lang="en-US"/>
           </a:p>
@@ -2268,7 +2282,7 @@
             <a:fld id="{6E658DF8-B8C0-4C7F-85EB-B53A2DDD44A9}" type="datetimeFigureOut">
               <a:rPr lang="en-US" smtClean="0"/>
               <a:pPr/>
-              <a:t>8/29/2018</a:t>
+              <a:t>8/31/2018</a:t>
             </a:fld>
             <a:endParaRPr lang="en-US"/>
           </a:p>
@@ -2360,7 +2374,7 @@
             <a:fld id="{6E658DF8-B8C0-4C7F-85EB-B53A2DDD44A9}" type="datetimeFigureOut">
               <a:rPr lang="en-US" smtClean="0"/>
               <a:pPr/>
-              <a:t>8/29/2018</a:t>
+              <a:t>8/31/2018</a:t>
             </a:fld>
             <a:endParaRPr lang="en-US"/>
           </a:p>
@@ -2634,7 +2648,7 @@
             <a:fld id="{6E658DF8-B8C0-4C7F-85EB-B53A2DDD44A9}" type="datetimeFigureOut">
               <a:rPr lang="en-US" smtClean="0"/>
               <a:pPr/>
-              <a:t>8/29/2018</a:t>
+              <a:t>8/31/2018</a:t>
             </a:fld>
             <a:endParaRPr lang="en-US"/>
           </a:p>
@@ -2884,7 +2898,7 @@
             <a:fld id="{6E658DF8-B8C0-4C7F-85EB-B53A2DDD44A9}" type="datetimeFigureOut">
               <a:rPr lang="en-US" smtClean="0"/>
               <a:pPr/>
-              <a:t>8/29/2018</a:t>
+              <a:t>8/31/2018</a:t>
             </a:fld>
             <a:endParaRPr lang="en-US"/>
           </a:p>
@@ -3100,7 +3114,7 @@
             <a:fld id="{6E658DF8-B8C0-4C7F-85EB-B53A2DDD44A9}" type="datetimeFigureOut">
               <a:rPr lang="en-US" smtClean="0"/>
               <a:pPr/>
-              <a:t>8/29/2018</a:t>
+              <a:t>8/31/2018</a:t>
             </a:fld>
             <a:endParaRPr lang="en-US"/>
           </a:p>
@@ -4109,6 +4123,13 @@
   <p:clrMapOvr>
     <a:masterClrMapping/>
   </p:clrMapOvr>
+  <p:timing>
+    <p:tnLst>
+      <p:par>
+        <p:cTn id="1" dur="indefinite" restart="never" nodeType="tmRoot"/>
+      </p:par>
+    </p:tnLst>
+  </p:timing>
 </p:sld>
 </file>
 
@@ -4199,6 +4220,13 @@
   <p:clrMapOvr>
     <a:masterClrMapping/>
   </p:clrMapOvr>
+  <p:timing>
+    <p:tnLst>
+      <p:par>
+        <p:cTn id="1" dur="indefinite" restart="never" nodeType="tmRoot"/>
+      </p:par>
+    </p:tnLst>
+  </p:timing>
 </p:sld>
 </file>
 
@@ -4289,6 +4317,13 @@
   <p:clrMapOvr>
     <a:masterClrMapping/>
   </p:clrMapOvr>
+  <p:timing>
+    <p:tnLst>
+      <p:par>
+        <p:cTn id="1" dur="indefinite" restart="never" nodeType="tmRoot"/>
+      </p:par>
+    </p:tnLst>
+  </p:timing>
 </p:sld>
 </file>
 
@@ -4319,19 +4354,105 @@
             <p:ph type="title"/>
           </p:nvPr>
         </p:nvSpPr>
-        <p:spPr>
-          <a:xfrm>
-            <a:off x="457200" y="1981200"/>
-            <a:ext cx="8229600" cy="1143000"/>
-          </a:xfrm>
-        </p:spPr>
+        <p:spPr/>
         <p:txBody>
           <a:bodyPr/>
           <a:lstStyle/>
           <a:p>
             <a:r>
+              <a:rPr lang="en-IN" dirty="0" smtClean="0"/>
+              <a:t>Synchronization in Thread</a:t>
+            </a:r>
+            <a:endParaRPr lang="en-US" dirty="0"/>
+          </a:p>
+        </p:txBody>
+      </p:sp>
+      <p:sp>
+        <p:nvSpPr>
+          <p:cNvPr id="3" name="Content Placeholder 2"/>
+          <p:cNvSpPr>
+            <a:spLocks noGrp="1"/>
+          </p:cNvSpPr>
+          <p:nvPr>
+            <p:ph idx="1"/>
+          </p:nvPr>
+        </p:nvSpPr>
+        <p:spPr/>
+        <p:txBody>
+          <a:bodyPr>
+            <a:normAutofit lnSpcReduction="10000"/>
+          </a:bodyPr>
+          <a:lstStyle/>
+          <a:p>
+            <a:r>
               <a:rPr lang="en-US" dirty="0" smtClean="0"/>
-              <a:t>Thank You</a:t>
+              <a:t>Multi-threaded programs may often come to a situation where multiple threads try to access the same resources and finally produce erroneous and unforeseen results.</a:t>
+            </a:r>
+          </a:p>
+          <a:p>
+            <a:r>
+              <a:rPr lang="en-IN" dirty="0" smtClean="0"/>
+              <a:t>This is known as problem of synchronization we need take care and impose some regulation for accessing shared resource.</a:t>
+            </a:r>
+          </a:p>
+          <a:p>
+            <a:r>
+              <a:rPr lang="en-IN" dirty="0" smtClean="0"/>
+              <a:t>This situation is referred to race condition.</a:t>
+            </a:r>
+          </a:p>
+        </p:txBody>
+      </p:sp>
+    </p:spTree>
+  </p:cSld>
+  <p:clrMapOvr>
+    <a:masterClrMapping/>
+  </p:clrMapOvr>
+  <p:timing>
+    <p:tnLst>
+      <p:par>
+        <p:cTn id="1" dur="indefinite" restart="never" nodeType="tmRoot"/>
+      </p:par>
+    </p:tnLst>
+  </p:timing>
+</p:sld>
+</file>
+
+<file path=ppt/slides/slide17.xml><?xml version="1.0" encoding="utf-8"?>
+<p:sld xmlns:a="http://schemas.openxmlformats.org/drawingml/2006/main" xmlns:r="http://schemas.openxmlformats.org/officeDocument/2006/relationships" xmlns:p="http://schemas.openxmlformats.org/presentationml/2006/main">
+  <p:cSld>
+    <p:spTree>
+      <p:nvGrpSpPr>
+        <p:cNvPr id="1" name=""/>
+        <p:cNvGrpSpPr/>
+        <p:nvPr/>
+      </p:nvGrpSpPr>
+      <p:grpSpPr>
+        <a:xfrm>
+          <a:off x="0" y="0"/>
+          <a:ext cx="0" cy="0"/>
+          <a:chOff x="0" y="0"/>
+          <a:chExt cx="0" cy="0"/>
+        </a:xfrm>
+      </p:grpSpPr>
+      <p:sp>
+        <p:nvSpPr>
+          <p:cNvPr id="2" name="Title 1"/>
+          <p:cNvSpPr>
+            <a:spLocks noGrp="1"/>
+          </p:cNvSpPr>
+          <p:nvPr>
+            <p:ph type="title"/>
+          </p:nvPr>
+        </p:nvSpPr>
+        <p:spPr/>
+        <p:txBody>
+          <a:bodyPr/>
+          <a:lstStyle/>
+          <a:p>
+            <a:r>
+              <a:rPr lang="en-IN" dirty="0" smtClean="0"/>
+              <a:t>Ways to Synchronization in Java</a:t>
             </a:r>
             <a:endParaRPr lang="en-US" dirty="0"/>
           </a:p>
@@ -4339,320 +4460,253 @@
       </p:sp>
       <p:sp>
         <p:nvSpPr>
-          <p:cNvPr id="4" name="Subtitle 2"/>
-          <p:cNvSpPr txBox="1">
-            <a:spLocks/>
-          </p:cNvSpPr>
+          <p:cNvPr id="3" name="Content Placeholder 2"/>
+          <p:cNvSpPr>
+            <a:spLocks noGrp="1"/>
+          </p:cNvSpPr>
+          <p:nvPr>
+            <p:ph idx="1"/>
+          </p:nvPr>
+        </p:nvSpPr>
+        <p:spPr/>
+        <p:txBody>
+          <a:bodyPr>
+            <a:normAutofit fontScale="92500" lnSpcReduction="20000"/>
+          </a:bodyPr>
+          <a:lstStyle/>
+          <a:p>
+            <a:r>
+              <a:rPr lang="en-IN" dirty="0" smtClean="0"/>
+              <a:t>In java synchronization is a block of code that uses the shared resources [critical part] is declared as synchronized and only one thread is allowed to access at a time.</a:t>
+            </a:r>
+          </a:p>
+          <a:p>
+            <a:r>
+              <a:rPr lang="en-IN" dirty="0" smtClean="0"/>
+              <a:t>Monitor monitors the shared resource.</a:t>
+            </a:r>
+          </a:p>
+          <a:p>
+            <a:r>
+              <a:rPr lang="en-IN" dirty="0" smtClean="0"/>
+              <a:t>If a thread need to access a shared resource first it must acquire a lock.</a:t>
+            </a:r>
+          </a:p>
+          <a:p>
+            <a:r>
+              <a:rPr lang="en-IN" dirty="0" smtClean="0"/>
+              <a:t>Then proceed to critical block execution.</a:t>
+            </a:r>
+          </a:p>
+          <a:p>
+            <a:r>
+              <a:rPr lang="en-IN" dirty="0" smtClean="0"/>
+              <a:t>Then releases the lock and allows other thread to acquire a lock .</a:t>
+            </a:r>
+            <a:endParaRPr lang="en-US" dirty="0"/>
+          </a:p>
+        </p:txBody>
+      </p:sp>
+    </p:spTree>
+  </p:cSld>
+  <p:clrMapOvr>
+    <a:masterClrMapping/>
+  </p:clrMapOvr>
+  <p:timing>
+    <p:tnLst>
+      <p:par>
+        <p:cTn id="1" dur="indefinite" restart="never" nodeType="tmRoot"/>
+      </p:par>
+    </p:tnLst>
+  </p:timing>
+</p:sld>
+</file>
+
+<file path=ppt/slides/slide18.xml><?xml version="1.0" encoding="utf-8"?>
+<p:sld xmlns:a="http://schemas.openxmlformats.org/drawingml/2006/main" xmlns:r="http://schemas.openxmlformats.org/officeDocument/2006/relationships" xmlns:p="http://schemas.openxmlformats.org/presentationml/2006/main">
+  <p:cSld>
+    <p:spTree>
+      <p:nvGrpSpPr>
+        <p:cNvPr id="1" name=""/>
+        <p:cNvGrpSpPr/>
+        <p:nvPr/>
+      </p:nvGrpSpPr>
+      <p:grpSpPr>
+        <a:xfrm>
+          <a:off x="0" y="0"/>
+          <a:ext cx="0" cy="0"/>
+          <a:chOff x="0" y="0"/>
+          <a:chExt cx="0" cy="0"/>
+        </a:xfrm>
+      </p:grpSpPr>
+      <p:sp>
+        <p:nvSpPr>
+          <p:cNvPr id="2" name="Title 1"/>
+          <p:cNvSpPr>
+            <a:spLocks noGrp="1"/>
+          </p:cNvSpPr>
+          <p:nvPr>
+            <p:ph type="title"/>
+          </p:nvPr>
+        </p:nvSpPr>
+        <p:spPr/>
+        <p:txBody>
+          <a:bodyPr/>
+          <a:lstStyle/>
+          <a:p>
+            <a:r>
+              <a:rPr lang="en-IN" dirty="0" smtClean="0"/>
+              <a:t>Types of Synchronization</a:t>
+            </a:r>
+            <a:endParaRPr lang="en-US" dirty="0"/>
+          </a:p>
+        </p:txBody>
+      </p:sp>
+      <p:sp>
+        <p:nvSpPr>
+          <p:cNvPr id="3" name="Content Placeholder 2"/>
+          <p:cNvSpPr>
+            <a:spLocks noGrp="1"/>
+          </p:cNvSpPr>
+          <p:nvPr>
+            <p:ph idx="1"/>
+          </p:nvPr>
+        </p:nvSpPr>
+        <p:spPr/>
+        <p:txBody>
+          <a:bodyPr/>
+          <a:lstStyle/>
+          <a:p>
+            <a:r>
+              <a:rPr lang="en-IN" dirty="0" smtClean="0"/>
+              <a:t>Mutual Exclusion</a:t>
+            </a:r>
+          </a:p>
+          <a:p>
+            <a:pPr lvl="1"/>
+            <a:r>
+              <a:rPr lang="en-IN" dirty="0" smtClean="0"/>
+              <a:t>Synchronized Methods.</a:t>
+            </a:r>
+          </a:p>
+          <a:p>
+            <a:pPr lvl="1"/>
+            <a:r>
+              <a:rPr lang="en-IN" dirty="0" smtClean="0"/>
+              <a:t>Synchronized Block.</a:t>
+            </a:r>
+          </a:p>
+          <a:p>
+            <a:pPr lvl="1"/>
+            <a:r>
+              <a:rPr lang="en-IN" dirty="0" smtClean="0"/>
+              <a:t>Static Synchronization.</a:t>
+            </a:r>
+          </a:p>
+          <a:p>
+            <a:r>
+              <a:rPr lang="en-IN" dirty="0" smtClean="0"/>
+              <a:t>Cooperation</a:t>
+            </a:r>
+          </a:p>
+          <a:p>
+            <a:pPr lvl="1"/>
+            <a:r>
+              <a:rPr lang="en-IN" dirty="0" smtClean="0"/>
+              <a:t>Inter thread communication</a:t>
+            </a:r>
+            <a:endParaRPr lang="en-US" dirty="0"/>
+          </a:p>
+        </p:txBody>
+      </p:sp>
+    </p:spTree>
+  </p:cSld>
+  <p:clrMapOvr>
+    <a:masterClrMapping/>
+  </p:clrMapOvr>
+  <p:timing>
+    <p:tnLst>
+      <p:par>
+        <p:cTn id="1" dur="indefinite" restart="never" nodeType="tmRoot"/>
+      </p:par>
+    </p:tnLst>
+  </p:timing>
+</p:sld>
+</file>
+
+<file path=ppt/slides/slide19.xml><?xml version="1.0" encoding="utf-8"?>
+<p:sld xmlns:a="http://schemas.openxmlformats.org/drawingml/2006/main" xmlns:r="http://schemas.openxmlformats.org/officeDocument/2006/relationships" xmlns:p="http://schemas.openxmlformats.org/presentationml/2006/main">
+  <p:cSld>
+    <p:spTree>
+      <p:nvGrpSpPr>
+        <p:cNvPr id="1" name=""/>
+        <p:cNvGrpSpPr/>
+        <p:nvPr/>
+      </p:nvGrpSpPr>
+      <p:grpSpPr>
+        <a:xfrm>
+          <a:off x="0" y="0"/>
+          <a:ext cx="0" cy="0"/>
+          <a:chOff x="0" y="0"/>
+          <a:chExt cx="0" cy="0"/>
+        </a:xfrm>
+      </p:grpSpPr>
+      <p:sp>
+        <p:nvSpPr>
+          <p:cNvPr id="2" name="Title 1"/>
+          <p:cNvSpPr>
+            <a:spLocks noGrp="1"/>
+          </p:cNvSpPr>
+          <p:nvPr>
+            <p:ph type="title"/>
+          </p:nvPr>
+        </p:nvSpPr>
+        <p:spPr/>
+        <p:txBody>
+          <a:bodyPr/>
+          <a:lstStyle/>
+          <a:p>
+            <a:r>
+              <a:rPr lang="en-IN" dirty="0" smtClean="0"/>
+              <a:t>Process without Synchronization</a:t>
+            </a:r>
+            <a:endParaRPr lang="en-US" dirty="0"/>
+          </a:p>
+        </p:txBody>
+      </p:sp>
+      <p:pic>
+        <p:nvPicPr>
+          <p:cNvPr id="1026" name="Picture 2"/>
+          <p:cNvPicPr>
+            <a:picLocks noChangeAspect="1" noChangeArrowheads="1"/>
+          </p:cNvPicPr>
           <p:nvPr/>
-        </p:nvSpPr>
-        <p:spPr>
+        </p:nvPicPr>
+        <p:blipFill>
+          <a:blip r:embed="rId2"/>
+          <a:srcRect/>
+          <a:stretch>
+            <a:fillRect/>
+          </a:stretch>
+        </p:blipFill>
+        <p:spPr bwMode="auto">
           <a:xfrm>
-            <a:off x="4038600" y="4191000"/>
-            <a:ext cx="4191000" cy="1752600"/>
+            <a:off x="533400" y="1524000"/>
+            <a:ext cx="6915150" cy="4676775"/>
           </a:xfrm>
           <a:prstGeom prst="rect">
             <a:avLst/>
           </a:prstGeom>
+          <a:noFill/>
+          <a:ln w="9525">
+            <a:noFill/>
+            <a:miter lim="800000"/>
+            <a:headEnd/>
+            <a:tailEnd/>
+          </a:ln>
+          <a:effectLst/>
         </p:spPr>
-        <p:txBody>
-          <a:bodyPr vert="horz" lIns="91440" tIns="45720" rIns="91440" bIns="45720" rtlCol="0">
-            <a:normAutofit fontScale="92500" lnSpcReduction="10000"/>
-          </a:bodyPr>
-          <a:lstStyle/>
-          <a:p>
-            <a:pPr marL="342900" marR="0" lvl="0" indent="-342900" algn="r" defTabSz="914400" rtl="0" eaLnBrk="1" fontAlgn="auto" latinLnBrk="0" hangingPunct="1">
-              <a:lnSpc>
-                <a:spcPct val="100000"/>
-              </a:lnSpc>
-              <a:spcBef>
-                <a:spcPct val="20000"/>
-              </a:spcBef>
-              <a:spcAft>
-                <a:spcPts val="0"/>
-              </a:spcAft>
-              <a:buClrTx/>
-              <a:buSzTx/>
-              <a:tabLst/>
-              <a:defRPr/>
-            </a:pPr>
-            <a:r>
-              <a:rPr kumimoji="0" lang="en-US" sz="2200" b="0" i="0" u="none" strike="noStrike" kern="1200" cap="none" spc="0" normalizeH="0" baseline="0" noProof="0" dirty="0" err="1" smtClean="0">
-                <a:ln>
-                  <a:noFill/>
-                </a:ln>
-                <a:solidFill>
-                  <a:schemeClr val="tx1"/>
-                </a:solidFill>
-                <a:effectLst/>
-                <a:uLnTx/>
-                <a:uFillTx/>
-                <a:latin typeface="Cambria" pitchFamily="18" charset="0"/>
-                <a:ea typeface="+mn-ea"/>
-                <a:cs typeface="+mn-cs"/>
-              </a:rPr>
-              <a:t>Rajasekaran</a:t>
-            </a:r>
-            <a:r>
-              <a:rPr kumimoji="0" lang="en-US" sz="2200" b="0" i="0" u="none" strike="noStrike" kern="1200" cap="none" spc="0" normalizeH="0" baseline="0" noProof="0" dirty="0" smtClean="0">
-                <a:ln>
-                  <a:noFill/>
-                </a:ln>
-                <a:solidFill>
-                  <a:schemeClr val="tx1"/>
-                </a:solidFill>
-                <a:effectLst/>
-                <a:uLnTx/>
-                <a:uFillTx/>
-                <a:latin typeface="Cambria" pitchFamily="18" charset="0"/>
-                <a:ea typeface="+mn-ea"/>
-                <a:cs typeface="+mn-cs"/>
-              </a:rPr>
-              <a:t> S</a:t>
-            </a:r>
-          </a:p>
-          <a:p>
-            <a:pPr marL="342900" marR="0" lvl="0" indent="-342900" algn="r" defTabSz="914400" rtl="0" eaLnBrk="1" fontAlgn="auto" latinLnBrk="0" hangingPunct="1">
-              <a:lnSpc>
-                <a:spcPct val="100000"/>
-              </a:lnSpc>
-              <a:spcBef>
-                <a:spcPct val="20000"/>
-              </a:spcBef>
-              <a:spcAft>
-                <a:spcPts val="0"/>
-              </a:spcAft>
-              <a:buClrTx/>
-              <a:buSzTx/>
-              <a:tabLst/>
-              <a:defRPr/>
-            </a:pPr>
-            <a:r>
-              <a:rPr kumimoji="0" lang="en-US" sz="1600" b="0" i="0" u="none" strike="noStrike" kern="1200" cap="none" spc="0" normalizeH="0" baseline="0" noProof="0" dirty="0" smtClean="0">
-                <a:ln>
-                  <a:noFill/>
-                </a:ln>
-                <a:solidFill>
-                  <a:schemeClr val="tx1"/>
-                </a:solidFill>
-                <a:effectLst/>
-                <a:uLnTx/>
-                <a:uFillTx/>
-                <a:latin typeface="Cambria" pitchFamily="18" charset="0"/>
-                <a:ea typeface="+mn-ea"/>
-                <a:cs typeface="+mn-cs"/>
-              </a:rPr>
-              <a:t>Assistant Professor,</a:t>
-            </a:r>
-          </a:p>
-          <a:p>
-            <a:pPr marL="342900" marR="0" lvl="0" indent="-342900" algn="r" defTabSz="914400" rtl="0" eaLnBrk="1" fontAlgn="auto" latinLnBrk="0" hangingPunct="1">
-              <a:lnSpc>
-                <a:spcPct val="100000"/>
-              </a:lnSpc>
-              <a:spcBef>
-                <a:spcPct val="20000"/>
-              </a:spcBef>
-              <a:spcAft>
-                <a:spcPts val="0"/>
-              </a:spcAft>
-              <a:buClrTx/>
-              <a:buSzTx/>
-              <a:tabLst/>
-              <a:defRPr/>
-            </a:pPr>
-            <a:r>
-              <a:rPr kumimoji="0" lang="en-US" sz="1600" b="0" i="0" u="none" strike="noStrike" kern="1200" cap="none" spc="0" normalizeH="0" baseline="0" noProof="0" dirty="0" smtClean="0">
-                <a:ln>
-                  <a:noFill/>
-                </a:ln>
-                <a:solidFill>
-                  <a:schemeClr val="tx1"/>
-                </a:solidFill>
-                <a:effectLst/>
-                <a:uLnTx/>
-                <a:uFillTx/>
-                <a:latin typeface="Cambria" pitchFamily="18" charset="0"/>
-                <a:ea typeface="+mn-ea"/>
-                <a:cs typeface="+mn-cs"/>
-              </a:rPr>
-              <a:t>Department of Information Technology,</a:t>
-            </a:r>
-          </a:p>
-          <a:p>
-            <a:pPr marL="342900" marR="0" lvl="0" indent="-342900" algn="r" defTabSz="914400" rtl="0" eaLnBrk="1" fontAlgn="auto" latinLnBrk="0" hangingPunct="1">
-              <a:lnSpc>
-                <a:spcPct val="100000"/>
-              </a:lnSpc>
-              <a:spcBef>
-                <a:spcPct val="20000"/>
-              </a:spcBef>
-              <a:spcAft>
-                <a:spcPts val="0"/>
-              </a:spcAft>
-              <a:buClrTx/>
-              <a:buSzTx/>
-              <a:tabLst/>
-              <a:defRPr/>
-            </a:pPr>
-            <a:r>
-              <a:rPr kumimoji="0" lang="en-US" sz="1600" b="0" i="0" u="none" strike="noStrike" kern="1200" cap="none" spc="0" normalizeH="0" baseline="0" noProof="0" dirty="0" err="1" smtClean="0">
-                <a:ln>
-                  <a:noFill/>
-                </a:ln>
-                <a:solidFill>
-                  <a:schemeClr val="tx1"/>
-                </a:solidFill>
-                <a:effectLst/>
-                <a:uLnTx/>
-                <a:uFillTx/>
-                <a:latin typeface="Cambria" pitchFamily="18" charset="0"/>
-                <a:ea typeface="+mn-ea"/>
-                <a:cs typeface="+mn-cs"/>
-              </a:rPr>
-              <a:t>KGiSL</a:t>
-            </a:r>
-            <a:r>
-              <a:rPr kumimoji="0" lang="en-US" sz="1600" b="0" i="0" u="none" strike="noStrike" kern="1200" cap="none" spc="0" normalizeH="0" baseline="0" noProof="0" dirty="0" smtClean="0">
-                <a:ln>
-                  <a:noFill/>
-                </a:ln>
-                <a:solidFill>
-                  <a:schemeClr val="tx1"/>
-                </a:solidFill>
-                <a:effectLst/>
-                <a:uLnTx/>
-                <a:uFillTx/>
-                <a:latin typeface="Cambria" pitchFamily="18" charset="0"/>
-                <a:ea typeface="+mn-ea"/>
-                <a:cs typeface="+mn-cs"/>
-              </a:rPr>
-              <a:t> Institute of Technology,</a:t>
-            </a:r>
-          </a:p>
-          <a:p>
-            <a:pPr marL="342900" marR="0" lvl="0" indent="-342900" algn="r" defTabSz="914400" rtl="0" eaLnBrk="1" fontAlgn="auto" latinLnBrk="0" hangingPunct="1">
-              <a:lnSpc>
-                <a:spcPct val="100000"/>
-              </a:lnSpc>
-              <a:spcBef>
-                <a:spcPct val="20000"/>
-              </a:spcBef>
-              <a:spcAft>
-                <a:spcPts val="0"/>
-              </a:spcAft>
-              <a:buClrTx/>
-              <a:buSzTx/>
-              <a:tabLst/>
-              <a:defRPr/>
-            </a:pPr>
-            <a:r>
-              <a:rPr kumimoji="0" lang="en-US" sz="1600" b="0" i="0" u="none" strike="noStrike" kern="1200" cap="none" spc="0" normalizeH="0" baseline="0" noProof="0" dirty="0" smtClean="0">
-                <a:ln>
-                  <a:noFill/>
-                </a:ln>
-                <a:solidFill>
-                  <a:schemeClr val="tx1"/>
-                </a:solidFill>
-                <a:effectLst/>
-                <a:uLnTx/>
-                <a:uFillTx/>
-                <a:latin typeface="Cambria" pitchFamily="18" charset="0"/>
-                <a:ea typeface="+mn-ea"/>
-                <a:cs typeface="+mn-cs"/>
-              </a:rPr>
-              <a:t>email: </a:t>
-            </a:r>
-            <a:r>
-              <a:rPr kumimoji="0" lang="en-US" sz="1600" b="0" i="0" u="none" strike="noStrike" kern="1200" cap="none" spc="0" normalizeH="0" baseline="0" noProof="0" dirty="0" smtClean="0">
-                <a:ln>
-                  <a:noFill/>
-                </a:ln>
-                <a:solidFill>
-                  <a:schemeClr val="tx1"/>
-                </a:solidFill>
-                <a:effectLst/>
-                <a:uLnTx/>
-                <a:uFillTx/>
-                <a:latin typeface="Cambria" pitchFamily="18" charset="0"/>
-                <a:ea typeface="+mn-ea"/>
-                <a:cs typeface="+mn-cs"/>
-                <a:hlinkClick r:id="rId2"/>
-              </a:rPr>
-              <a:t>proffraja@gmail.com</a:t>
-            </a:r>
-            <a:endParaRPr lang="en-US" sz="1600" dirty="0" smtClean="0">
-              <a:latin typeface="Cambria" pitchFamily="18" charset="0"/>
-            </a:endParaRPr>
-          </a:p>
-          <a:p>
-            <a:pPr marL="342900" marR="0" lvl="0" indent="-342900" algn="r" defTabSz="914400" rtl="0" eaLnBrk="1" fontAlgn="auto" latinLnBrk="0" hangingPunct="1">
-              <a:lnSpc>
-                <a:spcPct val="100000"/>
-              </a:lnSpc>
-              <a:spcBef>
-                <a:spcPct val="20000"/>
-              </a:spcBef>
-              <a:spcAft>
-                <a:spcPts val="0"/>
-              </a:spcAft>
-              <a:buClrTx/>
-              <a:buSzTx/>
-              <a:tabLst/>
-              <a:defRPr/>
-            </a:pPr>
-            <a:r>
-              <a:rPr lang="en-US" sz="1600" dirty="0" err="1" smtClean="0">
-                <a:latin typeface="Cambria" pitchFamily="18" charset="0"/>
-              </a:rPr>
-              <a:t>Github:</a:t>
-            </a:r>
-            <a:r>
-              <a:rPr lang="en-US" sz="1600" dirty="0" err="1" smtClean="0">
-                <a:latin typeface="Cambria" pitchFamily="18" charset="0"/>
-                <a:hlinkClick r:id="rId3"/>
-              </a:rPr>
-              <a:t>www.github.com</a:t>
-            </a:r>
-            <a:r>
-              <a:rPr lang="en-US" sz="1600" dirty="0" smtClean="0">
-                <a:latin typeface="Cambria" pitchFamily="18" charset="0"/>
-                <a:hlinkClick r:id="rId3"/>
-              </a:rPr>
-              <a:t>/</a:t>
-            </a:r>
-            <a:r>
-              <a:rPr lang="en-US" sz="1600" dirty="0" err="1" smtClean="0">
-                <a:latin typeface="Cambria" pitchFamily="18" charset="0"/>
-                <a:hlinkClick r:id="rId3"/>
-              </a:rPr>
-              <a:t>rajasekaranap</a:t>
-            </a:r>
-            <a:endParaRPr lang="en-US" sz="1600" dirty="0" smtClean="0">
-              <a:latin typeface="Cambria" pitchFamily="18" charset="0"/>
-            </a:endParaRPr>
-          </a:p>
-          <a:p>
-            <a:pPr marL="342900" marR="0" lvl="0" indent="-342900" algn="r" defTabSz="914400" rtl="0" eaLnBrk="1" fontAlgn="auto" latinLnBrk="0" hangingPunct="1">
-              <a:lnSpc>
-                <a:spcPct val="100000"/>
-              </a:lnSpc>
-              <a:spcBef>
-                <a:spcPct val="20000"/>
-              </a:spcBef>
-              <a:spcAft>
-                <a:spcPts val="0"/>
-              </a:spcAft>
-              <a:buClrTx/>
-              <a:buSzTx/>
-              <a:tabLst/>
-              <a:defRPr/>
-            </a:pPr>
-            <a:endParaRPr lang="en-US" sz="1600" dirty="0" smtClean="0">
-              <a:latin typeface="Cambria" pitchFamily="18" charset="0"/>
-            </a:endParaRPr>
-          </a:p>
-        </p:txBody>
-      </p:sp>
+      </p:pic>
     </p:spTree>
   </p:cSld>
   <p:clrMapOvr>
@@ -4793,6 +4847,4808 @@
 </p:sld>
 </file>
 
+<file path=ppt/slides/slide20.xml><?xml version="1.0" encoding="utf-8"?>
+<p:sld xmlns:a="http://schemas.openxmlformats.org/drawingml/2006/main" xmlns:r="http://schemas.openxmlformats.org/officeDocument/2006/relationships" xmlns:p="http://schemas.openxmlformats.org/presentationml/2006/main">
+  <p:cSld>
+    <p:spTree>
+      <p:nvGrpSpPr>
+        <p:cNvPr id="1" name=""/>
+        <p:cNvGrpSpPr/>
+        <p:nvPr/>
+      </p:nvGrpSpPr>
+      <p:grpSpPr>
+        <a:xfrm>
+          <a:off x="0" y="0"/>
+          <a:ext cx="0" cy="0"/>
+          <a:chOff x="0" y="0"/>
+          <a:chExt cx="0" cy="0"/>
+        </a:xfrm>
+      </p:grpSpPr>
+      <p:sp>
+        <p:nvSpPr>
+          <p:cNvPr id="2" name="Title 1"/>
+          <p:cNvSpPr>
+            <a:spLocks noGrp="1"/>
+          </p:cNvSpPr>
+          <p:nvPr>
+            <p:ph type="title"/>
+          </p:nvPr>
+        </p:nvSpPr>
+        <p:spPr/>
+        <p:txBody>
+          <a:bodyPr/>
+          <a:lstStyle/>
+          <a:p>
+            <a:r>
+              <a:rPr lang="en-IN" dirty="0" smtClean="0"/>
+              <a:t>Non Synchronized Table Printing</a:t>
+            </a:r>
+            <a:endParaRPr lang="en-US" dirty="0"/>
+          </a:p>
+        </p:txBody>
+      </p:sp>
+      <p:sp>
+        <p:nvSpPr>
+          <p:cNvPr id="4" name="Rectangle 3"/>
+          <p:cNvSpPr/>
+          <p:nvPr/>
+        </p:nvSpPr>
+        <p:spPr>
+          <a:xfrm>
+            <a:off x="6400800" y="3276600"/>
+            <a:ext cx="1371600" cy="838200"/>
+          </a:xfrm>
+          <a:prstGeom prst="rect">
+            <a:avLst/>
+          </a:prstGeom>
+        </p:spPr>
+        <p:style>
+          <a:lnRef idx="2">
+            <a:schemeClr val="accent5"/>
+          </a:lnRef>
+          <a:fillRef idx="1">
+            <a:schemeClr val="lt1"/>
+          </a:fillRef>
+          <a:effectRef idx="0">
+            <a:schemeClr val="accent5"/>
+          </a:effectRef>
+          <a:fontRef idx="minor">
+            <a:schemeClr val="dk1"/>
+          </a:fontRef>
+        </p:style>
+        <p:txBody>
+          <a:bodyPr rtlCol="0" anchor="ctr"/>
+          <a:lstStyle/>
+          <a:p>
+            <a:pPr algn="ctr"/>
+            <a:r>
+              <a:rPr lang="en-IN" dirty="0" err="1" smtClean="0"/>
+              <a:t>printTable</a:t>
+            </a:r>
+            <a:r>
+              <a:rPr lang="en-IN" dirty="0" smtClean="0"/>
+              <a:t>()</a:t>
+            </a:r>
+            <a:endParaRPr lang="en-US" dirty="0"/>
+          </a:p>
+        </p:txBody>
+      </p:sp>
+      <p:sp>
+        <p:nvSpPr>
+          <p:cNvPr id="5" name="Rectangle 4"/>
+          <p:cNvSpPr/>
+          <p:nvPr/>
+        </p:nvSpPr>
+        <p:spPr>
+          <a:xfrm>
+            <a:off x="6400800" y="2743200"/>
+            <a:ext cx="1371600" cy="457200"/>
+          </a:xfrm>
+          <a:prstGeom prst="rect">
+            <a:avLst/>
+          </a:prstGeom>
+        </p:spPr>
+        <p:style>
+          <a:lnRef idx="2">
+            <a:schemeClr val="accent5"/>
+          </a:lnRef>
+          <a:fillRef idx="1">
+            <a:schemeClr val="lt1"/>
+          </a:fillRef>
+          <a:effectRef idx="0">
+            <a:schemeClr val="accent5"/>
+          </a:effectRef>
+          <a:fontRef idx="minor">
+            <a:schemeClr val="dk1"/>
+          </a:fontRef>
+        </p:style>
+        <p:txBody>
+          <a:bodyPr rtlCol="0" anchor="ctr"/>
+          <a:lstStyle/>
+          <a:p>
+            <a:pPr algn="ctr"/>
+            <a:r>
+              <a:rPr lang="en-IN" dirty="0" smtClean="0"/>
+              <a:t>Table</a:t>
+            </a:r>
+            <a:endParaRPr lang="en-US" dirty="0"/>
+          </a:p>
+        </p:txBody>
+      </p:sp>
+      <p:sp>
+        <p:nvSpPr>
+          <p:cNvPr id="6" name="Rectangle 5"/>
+          <p:cNvSpPr/>
+          <p:nvPr/>
+        </p:nvSpPr>
+        <p:spPr>
+          <a:xfrm>
+            <a:off x="3048000" y="2667000"/>
+            <a:ext cx="1371600" cy="838200"/>
+          </a:xfrm>
+          <a:prstGeom prst="rect">
+            <a:avLst/>
+          </a:prstGeom>
+        </p:spPr>
+        <p:style>
+          <a:lnRef idx="2">
+            <a:schemeClr val="accent6"/>
+          </a:lnRef>
+          <a:fillRef idx="1">
+            <a:schemeClr val="lt1"/>
+          </a:fillRef>
+          <a:effectRef idx="0">
+            <a:schemeClr val="accent6"/>
+          </a:effectRef>
+          <a:fontRef idx="minor">
+            <a:schemeClr val="dk1"/>
+          </a:fontRef>
+        </p:style>
+        <p:txBody>
+          <a:bodyPr rtlCol="0" anchor="ctr"/>
+          <a:lstStyle/>
+          <a:p>
+            <a:pPr algn="ctr"/>
+            <a:r>
+              <a:rPr lang="en-IN" dirty="0" smtClean="0"/>
+              <a:t>run()</a:t>
+            </a:r>
+          </a:p>
+          <a:p>
+            <a:pPr algn="ctr"/>
+            <a:endParaRPr lang="en-US" dirty="0"/>
+          </a:p>
+        </p:txBody>
+      </p:sp>
+      <p:sp>
+        <p:nvSpPr>
+          <p:cNvPr id="7" name="Rectangle 6"/>
+          <p:cNvSpPr/>
+          <p:nvPr/>
+        </p:nvSpPr>
+        <p:spPr>
+          <a:xfrm>
+            <a:off x="3048000" y="2133600"/>
+            <a:ext cx="1371600" cy="457200"/>
+          </a:xfrm>
+          <a:prstGeom prst="rect">
+            <a:avLst/>
+          </a:prstGeom>
+        </p:spPr>
+        <p:style>
+          <a:lnRef idx="2">
+            <a:schemeClr val="accent6"/>
+          </a:lnRef>
+          <a:fillRef idx="1">
+            <a:schemeClr val="lt1"/>
+          </a:fillRef>
+          <a:effectRef idx="0">
+            <a:schemeClr val="accent6"/>
+          </a:effectRef>
+          <a:fontRef idx="minor">
+            <a:schemeClr val="dk1"/>
+          </a:fontRef>
+        </p:style>
+        <p:txBody>
+          <a:bodyPr rtlCol="0" anchor="ctr"/>
+          <a:lstStyle/>
+          <a:p>
+            <a:pPr algn="ctr"/>
+            <a:r>
+              <a:rPr lang="en-IN" sz="1500" dirty="0" smtClean="0"/>
+              <a:t>Printing5th Table</a:t>
+            </a:r>
+            <a:endParaRPr lang="en-US" sz="1500" dirty="0"/>
+          </a:p>
+        </p:txBody>
+      </p:sp>
+      <p:sp>
+        <p:nvSpPr>
+          <p:cNvPr id="8" name="Rectangle 7"/>
+          <p:cNvSpPr/>
+          <p:nvPr/>
+        </p:nvSpPr>
+        <p:spPr>
+          <a:xfrm>
+            <a:off x="3124200" y="4419600"/>
+            <a:ext cx="1371600" cy="838200"/>
+          </a:xfrm>
+          <a:prstGeom prst="rect">
+            <a:avLst/>
+          </a:prstGeom>
+        </p:spPr>
+        <p:style>
+          <a:lnRef idx="2">
+            <a:schemeClr val="accent6"/>
+          </a:lnRef>
+          <a:fillRef idx="1">
+            <a:schemeClr val="lt1"/>
+          </a:fillRef>
+          <a:effectRef idx="0">
+            <a:schemeClr val="accent6"/>
+          </a:effectRef>
+          <a:fontRef idx="minor">
+            <a:schemeClr val="dk1"/>
+          </a:fontRef>
+        </p:style>
+        <p:txBody>
+          <a:bodyPr rtlCol="0" anchor="ctr"/>
+          <a:lstStyle/>
+          <a:p>
+            <a:pPr algn="ctr"/>
+            <a:r>
+              <a:rPr lang="en-IN" dirty="0" smtClean="0"/>
+              <a:t>run()</a:t>
+            </a:r>
+            <a:endParaRPr lang="en-US" dirty="0"/>
+          </a:p>
+        </p:txBody>
+      </p:sp>
+      <p:sp>
+        <p:nvSpPr>
+          <p:cNvPr id="9" name="Rectangle 8"/>
+          <p:cNvSpPr/>
+          <p:nvPr/>
+        </p:nvSpPr>
+        <p:spPr>
+          <a:xfrm>
+            <a:off x="3124200" y="3886200"/>
+            <a:ext cx="1371600" cy="457200"/>
+          </a:xfrm>
+          <a:prstGeom prst="rect">
+            <a:avLst/>
+          </a:prstGeom>
+        </p:spPr>
+        <p:style>
+          <a:lnRef idx="2">
+            <a:schemeClr val="accent6"/>
+          </a:lnRef>
+          <a:fillRef idx="1">
+            <a:schemeClr val="lt1"/>
+          </a:fillRef>
+          <a:effectRef idx="0">
+            <a:schemeClr val="accent6"/>
+          </a:effectRef>
+          <a:fontRef idx="minor">
+            <a:schemeClr val="dk1"/>
+          </a:fontRef>
+        </p:style>
+        <p:txBody>
+          <a:bodyPr rtlCol="0" anchor="ctr"/>
+          <a:lstStyle/>
+          <a:p>
+            <a:pPr algn="ctr"/>
+            <a:r>
+              <a:rPr lang="en-IN" sz="1500" dirty="0" smtClean="0"/>
+              <a:t>Printing100th Table</a:t>
+            </a:r>
+            <a:endParaRPr lang="en-US" sz="1500" dirty="0"/>
+          </a:p>
+        </p:txBody>
+      </p:sp>
+      <p:cxnSp>
+        <p:nvCxnSpPr>
+          <p:cNvPr id="11" name="Straight Arrow Connector 10"/>
+          <p:cNvCxnSpPr>
+            <a:stCxn id="6" idx="3"/>
+            <a:endCxn id="4" idx="1"/>
+          </p:cNvCxnSpPr>
+          <p:nvPr/>
+        </p:nvCxnSpPr>
+        <p:spPr>
+          <a:xfrm>
+            <a:off x="4419600" y="3086100"/>
+            <a:ext cx="1981200" cy="609600"/>
+          </a:xfrm>
+          <a:prstGeom prst="straightConnector1">
+            <a:avLst/>
+          </a:prstGeom>
+          <a:ln>
+            <a:tailEnd type="arrow"/>
+          </a:ln>
+        </p:spPr>
+        <p:style>
+          <a:lnRef idx="2">
+            <a:schemeClr val="dk1"/>
+          </a:lnRef>
+          <a:fillRef idx="0">
+            <a:schemeClr val="dk1"/>
+          </a:fillRef>
+          <a:effectRef idx="1">
+            <a:schemeClr val="dk1"/>
+          </a:effectRef>
+          <a:fontRef idx="minor">
+            <a:schemeClr val="tx1"/>
+          </a:fontRef>
+        </p:style>
+      </p:cxnSp>
+      <p:cxnSp>
+        <p:nvCxnSpPr>
+          <p:cNvPr id="14" name="Straight Arrow Connector 13"/>
+          <p:cNvCxnSpPr>
+            <a:stCxn id="8" idx="3"/>
+            <a:endCxn id="4" idx="1"/>
+          </p:cNvCxnSpPr>
+          <p:nvPr/>
+        </p:nvCxnSpPr>
+        <p:spPr>
+          <a:xfrm flipV="1">
+            <a:off x="4495800" y="3695700"/>
+            <a:ext cx="1905000" cy="1143000"/>
+          </a:xfrm>
+          <a:prstGeom prst="straightConnector1">
+            <a:avLst/>
+          </a:prstGeom>
+          <a:ln>
+            <a:tailEnd type="arrow"/>
+          </a:ln>
+        </p:spPr>
+        <p:style>
+          <a:lnRef idx="2">
+            <a:schemeClr val="dk1"/>
+          </a:lnRef>
+          <a:fillRef idx="0">
+            <a:schemeClr val="dk1"/>
+          </a:fillRef>
+          <a:effectRef idx="1">
+            <a:schemeClr val="dk1"/>
+          </a:effectRef>
+          <a:fontRef idx="minor">
+            <a:schemeClr val="tx1"/>
+          </a:fontRef>
+        </p:style>
+      </p:cxnSp>
+      <p:sp>
+        <p:nvSpPr>
+          <p:cNvPr id="15" name="Rectangle 14"/>
+          <p:cNvSpPr/>
+          <p:nvPr/>
+        </p:nvSpPr>
+        <p:spPr>
+          <a:xfrm>
+            <a:off x="1143000" y="3505200"/>
+            <a:ext cx="1371600" cy="838200"/>
+          </a:xfrm>
+          <a:prstGeom prst="rect">
+            <a:avLst/>
+          </a:prstGeom>
+        </p:spPr>
+        <p:style>
+          <a:lnRef idx="2">
+            <a:schemeClr val="accent6"/>
+          </a:lnRef>
+          <a:fillRef idx="1">
+            <a:schemeClr val="lt1"/>
+          </a:fillRef>
+          <a:effectRef idx="0">
+            <a:schemeClr val="accent6"/>
+          </a:effectRef>
+          <a:fontRef idx="minor">
+            <a:schemeClr val="dk1"/>
+          </a:fontRef>
+        </p:style>
+        <p:txBody>
+          <a:bodyPr rtlCol="0" anchor="ctr"/>
+          <a:lstStyle/>
+          <a:p>
+            <a:pPr algn="ctr"/>
+            <a:r>
+              <a:rPr lang="en-IN" dirty="0" smtClean="0"/>
+              <a:t>main()</a:t>
+            </a:r>
+            <a:endParaRPr lang="en-US" dirty="0"/>
+          </a:p>
+        </p:txBody>
+      </p:sp>
+      <p:sp>
+        <p:nvSpPr>
+          <p:cNvPr id="16" name="Rectangle 15"/>
+          <p:cNvSpPr/>
+          <p:nvPr/>
+        </p:nvSpPr>
+        <p:spPr>
+          <a:xfrm>
+            <a:off x="1143000" y="2971800"/>
+            <a:ext cx="1371600" cy="457200"/>
+          </a:xfrm>
+          <a:prstGeom prst="rect">
+            <a:avLst/>
+          </a:prstGeom>
+        </p:spPr>
+        <p:style>
+          <a:lnRef idx="2">
+            <a:schemeClr val="accent6"/>
+          </a:lnRef>
+          <a:fillRef idx="1">
+            <a:schemeClr val="lt1"/>
+          </a:fillRef>
+          <a:effectRef idx="0">
+            <a:schemeClr val="accent6"/>
+          </a:effectRef>
+          <a:fontRef idx="minor">
+            <a:schemeClr val="dk1"/>
+          </a:fontRef>
+        </p:style>
+        <p:txBody>
+          <a:bodyPr rtlCol="0" anchor="ctr"/>
+          <a:lstStyle/>
+          <a:p>
+            <a:pPr algn="ctr"/>
+            <a:r>
+              <a:rPr lang="en-IN" sz="1500" dirty="0" smtClean="0"/>
+              <a:t>Main</a:t>
+            </a:r>
+            <a:endParaRPr lang="en-US" sz="1500" dirty="0"/>
+          </a:p>
+        </p:txBody>
+      </p:sp>
+      <p:cxnSp>
+        <p:nvCxnSpPr>
+          <p:cNvPr id="17" name="Straight Arrow Connector 16"/>
+          <p:cNvCxnSpPr>
+            <a:stCxn id="15" idx="3"/>
+            <a:endCxn id="6" idx="1"/>
+          </p:cNvCxnSpPr>
+          <p:nvPr/>
+        </p:nvCxnSpPr>
+        <p:spPr>
+          <a:xfrm flipV="1">
+            <a:off x="2514600" y="3086100"/>
+            <a:ext cx="533400" cy="838200"/>
+          </a:xfrm>
+          <a:prstGeom prst="straightConnector1">
+            <a:avLst/>
+          </a:prstGeom>
+          <a:ln>
+            <a:tailEnd type="arrow"/>
+          </a:ln>
+        </p:spPr>
+        <p:style>
+          <a:lnRef idx="2">
+            <a:schemeClr val="dk1"/>
+          </a:lnRef>
+          <a:fillRef idx="0">
+            <a:schemeClr val="dk1"/>
+          </a:fillRef>
+          <a:effectRef idx="1">
+            <a:schemeClr val="dk1"/>
+          </a:effectRef>
+          <a:fontRef idx="minor">
+            <a:schemeClr val="tx1"/>
+          </a:fontRef>
+        </p:style>
+      </p:cxnSp>
+      <p:cxnSp>
+        <p:nvCxnSpPr>
+          <p:cNvPr id="20" name="Straight Arrow Connector 19"/>
+          <p:cNvCxnSpPr>
+            <a:stCxn id="15" idx="3"/>
+            <a:endCxn id="8" idx="1"/>
+          </p:cNvCxnSpPr>
+          <p:nvPr/>
+        </p:nvCxnSpPr>
+        <p:spPr>
+          <a:xfrm>
+            <a:off x="2514600" y="3924300"/>
+            <a:ext cx="609600" cy="914400"/>
+          </a:xfrm>
+          <a:prstGeom prst="straightConnector1">
+            <a:avLst/>
+          </a:prstGeom>
+          <a:ln>
+            <a:tailEnd type="arrow"/>
+          </a:ln>
+        </p:spPr>
+        <p:style>
+          <a:lnRef idx="2">
+            <a:schemeClr val="dk1"/>
+          </a:lnRef>
+          <a:fillRef idx="0">
+            <a:schemeClr val="dk1"/>
+          </a:fillRef>
+          <a:effectRef idx="1">
+            <a:schemeClr val="dk1"/>
+          </a:effectRef>
+          <a:fontRef idx="minor">
+            <a:schemeClr val="tx1"/>
+          </a:fontRef>
+        </p:style>
+      </p:cxnSp>
+      <p:sp>
+        <p:nvSpPr>
+          <p:cNvPr id="23" name="Rectangle 22"/>
+          <p:cNvSpPr/>
+          <p:nvPr/>
+        </p:nvSpPr>
+        <p:spPr>
+          <a:xfrm>
+            <a:off x="4953000" y="2743200"/>
+            <a:ext cx="685800" cy="381000"/>
+          </a:xfrm>
+          <a:prstGeom prst="rect">
+            <a:avLst/>
+          </a:prstGeom>
+        </p:spPr>
+        <p:style>
+          <a:lnRef idx="1">
+            <a:schemeClr val="accent6"/>
+          </a:lnRef>
+          <a:fillRef idx="2">
+            <a:schemeClr val="accent6"/>
+          </a:fillRef>
+          <a:effectRef idx="1">
+            <a:schemeClr val="accent6"/>
+          </a:effectRef>
+          <a:fontRef idx="minor">
+            <a:schemeClr val="dk1"/>
+          </a:fontRef>
+        </p:style>
+        <p:txBody>
+          <a:bodyPr rtlCol="0" anchor="ctr"/>
+          <a:lstStyle/>
+          <a:p>
+            <a:pPr algn="ctr"/>
+            <a:r>
+              <a:rPr lang="en-IN" sz="1300" b="1" dirty="0" smtClean="0"/>
+              <a:t>shared</a:t>
+            </a:r>
+            <a:endParaRPr lang="en-US" sz="1300" b="1" dirty="0"/>
+          </a:p>
+        </p:txBody>
+      </p:sp>
+      <p:sp>
+        <p:nvSpPr>
+          <p:cNvPr id="24" name="Rectangle 23"/>
+          <p:cNvSpPr/>
+          <p:nvPr/>
+        </p:nvSpPr>
+        <p:spPr>
+          <a:xfrm>
+            <a:off x="4800600" y="3733800"/>
+            <a:ext cx="685800" cy="381000"/>
+          </a:xfrm>
+          <a:prstGeom prst="rect">
+            <a:avLst/>
+          </a:prstGeom>
+        </p:spPr>
+        <p:style>
+          <a:lnRef idx="1">
+            <a:schemeClr val="accent6"/>
+          </a:lnRef>
+          <a:fillRef idx="2">
+            <a:schemeClr val="accent6"/>
+          </a:fillRef>
+          <a:effectRef idx="1">
+            <a:schemeClr val="accent6"/>
+          </a:effectRef>
+          <a:fontRef idx="minor">
+            <a:schemeClr val="dk1"/>
+          </a:fontRef>
+        </p:style>
+        <p:txBody>
+          <a:bodyPr rtlCol="0" anchor="ctr"/>
+          <a:lstStyle/>
+          <a:p>
+            <a:pPr algn="ctr"/>
+            <a:r>
+              <a:rPr lang="en-IN" sz="1300" b="1" dirty="0" smtClean="0"/>
+              <a:t>shared</a:t>
+            </a:r>
+            <a:endParaRPr lang="en-US" sz="1300" b="1" dirty="0"/>
+          </a:p>
+        </p:txBody>
+      </p:sp>
+      <p:sp>
+        <p:nvSpPr>
+          <p:cNvPr id="25" name="Rectangle 24"/>
+          <p:cNvSpPr/>
+          <p:nvPr/>
+        </p:nvSpPr>
+        <p:spPr>
+          <a:xfrm>
+            <a:off x="6400800" y="4267200"/>
+            <a:ext cx="1371600" cy="381000"/>
+          </a:xfrm>
+          <a:prstGeom prst="rect">
+            <a:avLst/>
+          </a:prstGeom>
+        </p:spPr>
+        <p:style>
+          <a:lnRef idx="1">
+            <a:schemeClr val="accent6"/>
+          </a:lnRef>
+          <a:fillRef idx="2">
+            <a:schemeClr val="accent6"/>
+          </a:fillRef>
+          <a:effectRef idx="1">
+            <a:schemeClr val="accent6"/>
+          </a:effectRef>
+          <a:fontRef idx="minor">
+            <a:schemeClr val="dk1"/>
+          </a:fontRef>
+        </p:style>
+        <p:txBody>
+          <a:bodyPr rtlCol="0" anchor="ctr"/>
+          <a:lstStyle/>
+          <a:p>
+            <a:pPr algn="ctr"/>
+            <a:r>
+              <a:rPr lang="en-IN" sz="1300" b="1" dirty="0" smtClean="0"/>
+              <a:t>Non synchronized </a:t>
+            </a:r>
+            <a:endParaRPr lang="en-US" sz="1300" b="1" dirty="0"/>
+          </a:p>
+        </p:txBody>
+      </p:sp>
+    </p:spTree>
+  </p:cSld>
+  <p:clrMapOvr>
+    <a:masterClrMapping/>
+  </p:clrMapOvr>
+  <p:timing>
+    <p:tnLst>
+      <p:par>
+        <p:cTn id="1" dur="indefinite" restart="never" nodeType="tmRoot"/>
+      </p:par>
+    </p:tnLst>
+  </p:timing>
+</p:sld>
+</file>
+
+<file path=ppt/slides/slide21.xml><?xml version="1.0" encoding="utf-8"?>
+<p:sld xmlns:a="http://schemas.openxmlformats.org/drawingml/2006/main" xmlns:r="http://schemas.openxmlformats.org/officeDocument/2006/relationships" xmlns:p="http://schemas.openxmlformats.org/presentationml/2006/main">
+  <p:cSld>
+    <p:spTree>
+      <p:nvGrpSpPr>
+        <p:cNvPr id="1" name=""/>
+        <p:cNvGrpSpPr/>
+        <p:nvPr/>
+      </p:nvGrpSpPr>
+      <p:grpSpPr>
+        <a:xfrm>
+          <a:off x="0" y="0"/>
+          <a:ext cx="0" cy="0"/>
+          <a:chOff x="0" y="0"/>
+          <a:chExt cx="0" cy="0"/>
+        </a:xfrm>
+      </p:grpSpPr>
+      <p:sp>
+        <p:nvSpPr>
+          <p:cNvPr id="2" name="Title 1"/>
+          <p:cNvSpPr>
+            <a:spLocks noGrp="1"/>
+          </p:cNvSpPr>
+          <p:nvPr>
+            <p:ph type="title"/>
+          </p:nvPr>
+        </p:nvSpPr>
+        <p:spPr/>
+        <p:txBody>
+          <a:bodyPr/>
+          <a:lstStyle/>
+          <a:p>
+            <a:r>
+              <a:rPr lang="en-IN" dirty="0" smtClean="0"/>
+              <a:t>Synchronized Method</a:t>
+            </a:r>
+            <a:endParaRPr lang="en-US" dirty="0"/>
+          </a:p>
+        </p:txBody>
+      </p:sp>
+      <p:sp>
+        <p:nvSpPr>
+          <p:cNvPr id="3" name="Content Placeholder 2"/>
+          <p:cNvSpPr>
+            <a:spLocks noGrp="1"/>
+          </p:cNvSpPr>
+          <p:nvPr>
+            <p:ph idx="1"/>
+          </p:nvPr>
+        </p:nvSpPr>
+        <p:spPr/>
+        <p:txBody>
+          <a:bodyPr/>
+          <a:lstStyle/>
+          <a:p>
+            <a:r>
+              <a:rPr lang="en-IN" dirty="0" smtClean="0"/>
+              <a:t>A method that is shared among the threads need’s to be declared as synchronized.</a:t>
+            </a:r>
+          </a:p>
+          <a:p>
+            <a:r>
+              <a:rPr lang="en-IN" dirty="0" smtClean="0"/>
+              <a:t> Syntax</a:t>
+            </a:r>
+          </a:p>
+          <a:p>
+            <a:pPr lvl="1">
+              <a:buNone/>
+            </a:pPr>
+            <a:r>
+              <a:rPr lang="en-IN" dirty="0" smtClean="0"/>
+              <a:t>Synchronized </a:t>
+            </a:r>
+            <a:r>
+              <a:rPr lang="en-IN" dirty="0" err="1" smtClean="0"/>
+              <a:t>return_type</a:t>
+            </a:r>
+            <a:r>
+              <a:rPr lang="en-IN" dirty="0" smtClean="0"/>
+              <a:t> </a:t>
+            </a:r>
+            <a:r>
+              <a:rPr lang="en-IN" dirty="0" err="1" smtClean="0"/>
+              <a:t>method_name</a:t>
+            </a:r>
+            <a:r>
+              <a:rPr lang="en-IN" dirty="0" smtClean="0"/>
+              <a:t>(</a:t>
+            </a:r>
+            <a:r>
+              <a:rPr lang="en-IN" dirty="0" err="1" smtClean="0"/>
+              <a:t>args</a:t>
+            </a:r>
+            <a:r>
+              <a:rPr lang="en-IN" dirty="0" smtClean="0"/>
+              <a:t>){</a:t>
+            </a:r>
+          </a:p>
+          <a:p>
+            <a:pPr lvl="1">
+              <a:buNone/>
+            </a:pPr>
+            <a:r>
+              <a:rPr lang="en-IN" dirty="0" smtClean="0"/>
+              <a:t>	//block </a:t>
+            </a:r>
+            <a:r>
+              <a:rPr lang="en-IN" smtClean="0"/>
+              <a:t>of code</a:t>
+            </a:r>
+            <a:endParaRPr lang="en-IN" dirty="0" smtClean="0"/>
+          </a:p>
+          <a:p>
+            <a:pPr lvl="1">
+              <a:buNone/>
+            </a:pPr>
+            <a:r>
+              <a:rPr lang="en-IN" dirty="0" smtClean="0"/>
+              <a:t>}</a:t>
+            </a:r>
+            <a:endParaRPr lang="en-US" dirty="0"/>
+          </a:p>
+        </p:txBody>
+      </p:sp>
+    </p:spTree>
+  </p:cSld>
+  <p:clrMapOvr>
+    <a:masterClrMapping/>
+  </p:clrMapOvr>
+  <p:timing>
+    <p:tnLst>
+      <p:par>
+        <p:cTn id="1" dur="indefinite" restart="never" nodeType="tmRoot"/>
+      </p:par>
+    </p:tnLst>
+  </p:timing>
+</p:sld>
+</file>
+
+<file path=ppt/slides/slide22.xml><?xml version="1.0" encoding="utf-8"?>
+<p:sld xmlns:a="http://schemas.openxmlformats.org/drawingml/2006/main" xmlns:r="http://schemas.openxmlformats.org/officeDocument/2006/relationships" xmlns:p="http://schemas.openxmlformats.org/presentationml/2006/main">
+  <p:cSld>
+    <p:spTree>
+      <p:nvGrpSpPr>
+        <p:cNvPr id="1" name=""/>
+        <p:cNvGrpSpPr/>
+        <p:nvPr/>
+      </p:nvGrpSpPr>
+      <p:grpSpPr>
+        <a:xfrm>
+          <a:off x="0" y="0"/>
+          <a:ext cx="0" cy="0"/>
+          <a:chOff x="0" y="0"/>
+          <a:chExt cx="0" cy="0"/>
+        </a:xfrm>
+      </p:grpSpPr>
+      <p:sp>
+        <p:nvSpPr>
+          <p:cNvPr id="2" name="Title 1"/>
+          <p:cNvSpPr>
+            <a:spLocks noGrp="1"/>
+          </p:cNvSpPr>
+          <p:nvPr>
+            <p:ph type="title"/>
+          </p:nvPr>
+        </p:nvSpPr>
+        <p:spPr/>
+        <p:txBody>
+          <a:bodyPr/>
+          <a:lstStyle/>
+          <a:p>
+            <a:r>
+              <a:rPr lang="en-IN" dirty="0" smtClean="0"/>
+              <a:t>Cooperative Threads</a:t>
+            </a:r>
+            <a:endParaRPr lang="en-US" dirty="0"/>
+          </a:p>
+        </p:txBody>
+      </p:sp>
+      <p:sp>
+        <p:nvSpPr>
+          <p:cNvPr id="3" name="Content Placeholder 2"/>
+          <p:cNvSpPr>
+            <a:spLocks noGrp="1"/>
+          </p:cNvSpPr>
+          <p:nvPr>
+            <p:ph idx="1"/>
+          </p:nvPr>
+        </p:nvSpPr>
+        <p:spPr/>
+        <p:txBody>
+          <a:bodyPr>
+            <a:normAutofit lnSpcReduction="10000"/>
+          </a:bodyPr>
+          <a:lstStyle/>
+          <a:p>
+            <a:r>
+              <a:rPr lang="en-IN" dirty="0" smtClean="0"/>
+              <a:t>Two threads responsible for completing one process.</a:t>
+            </a:r>
+          </a:p>
+          <a:p>
+            <a:r>
+              <a:rPr lang="en-IN" dirty="0" smtClean="0"/>
+              <a:t>Two threads must co-operate with each other to avoid race conditions.</a:t>
+            </a:r>
+          </a:p>
+          <a:p>
+            <a:r>
+              <a:rPr lang="en-IN" dirty="0" smtClean="0"/>
+              <a:t> Inter thread communication is a key to achieve this.</a:t>
+            </a:r>
+          </a:p>
+          <a:p>
+            <a:r>
+              <a:rPr lang="en-IN" dirty="0" err="1" smtClean="0"/>
+              <a:t>Eg</a:t>
+            </a:r>
+            <a:r>
+              <a:rPr lang="en-IN" dirty="0" smtClean="0"/>
+              <a:t>:</a:t>
+            </a:r>
+          </a:p>
+          <a:p>
+            <a:pPr lvl="1"/>
+            <a:r>
+              <a:rPr lang="en-IN" dirty="0" smtClean="0"/>
+              <a:t>Producer Consumer Problem [Bounded Buffer Problem]</a:t>
+            </a:r>
+            <a:endParaRPr lang="en-US" dirty="0"/>
+          </a:p>
+        </p:txBody>
+      </p:sp>
+    </p:spTree>
+  </p:cSld>
+  <p:clrMapOvr>
+    <a:masterClrMapping/>
+  </p:clrMapOvr>
+  <p:timing>
+    <p:tnLst>
+      <p:par>
+        <p:cTn id="1" dur="indefinite" restart="never" nodeType="tmRoot"/>
+      </p:par>
+    </p:tnLst>
+  </p:timing>
+</p:sld>
+</file>
+
+<file path=ppt/slides/slide23.xml><?xml version="1.0" encoding="utf-8"?>
+<p:sld xmlns:a="http://schemas.openxmlformats.org/drawingml/2006/main" xmlns:r="http://schemas.openxmlformats.org/officeDocument/2006/relationships" xmlns:p="http://schemas.openxmlformats.org/presentationml/2006/main">
+  <p:cSld>
+    <p:spTree>
+      <p:nvGrpSpPr>
+        <p:cNvPr id="1" name=""/>
+        <p:cNvGrpSpPr/>
+        <p:nvPr/>
+      </p:nvGrpSpPr>
+      <p:grpSpPr>
+        <a:xfrm>
+          <a:off x="0" y="0"/>
+          <a:ext cx="0" cy="0"/>
+          <a:chOff x="0" y="0"/>
+          <a:chExt cx="0" cy="0"/>
+        </a:xfrm>
+      </p:grpSpPr>
+      <p:sp>
+        <p:nvSpPr>
+          <p:cNvPr id="2" name="Title 1"/>
+          <p:cNvSpPr>
+            <a:spLocks noGrp="1"/>
+          </p:cNvSpPr>
+          <p:nvPr>
+            <p:ph type="title"/>
+          </p:nvPr>
+        </p:nvSpPr>
+        <p:spPr/>
+        <p:txBody>
+          <a:bodyPr>
+            <a:normAutofit fontScale="90000"/>
+          </a:bodyPr>
+          <a:lstStyle/>
+          <a:p>
+            <a:r>
+              <a:rPr lang="en-IN" dirty="0" smtClean="0"/>
+              <a:t>Producer Consumer Problem</a:t>
+            </a:r>
+            <a:br>
+              <a:rPr lang="en-IN" dirty="0" smtClean="0"/>
+            </a:br>
+            <a:r>
+              <a:rPr lang="en-IN" sz="3600" b="1" dirty="0" smtClean="0"/>
+              <a:t>[Bounded Buffer Problem]</a:t>
+            </a:r>
+            <a:endParaRPr lang="en-US" b="1" dirty="0"/>
+          </a:p>
+        </p:txBody>
+      </p:sp>
+      <p:sp>
+        <p:nvSpPr>
+          <p:cNvPr id="3" name="Content Placeholder 2"/>
+          <p:cNvSpPr>
+            <a:spLocks noGrp="1"/>
+          </p:cNvSpPr>
+          <p:nvPr>
+            <p:ph idx="1"/>
+          </p:nvPr>
+        </p:nvSpPr>
+        <p:spPr/>
+        <p:txBody>
+          <a:bodyPr>
+            <a:normAutofit lnSpcReduction="10000"/>
+          </a:bodyPr>
+          <a:lstStyle/>
+          <a:p>
+            <a:r>
+              <a:rPr lang="en-IN" dirty="0" smtClean="0"/>
+              <a:t>Here producer produces element’s and stored in buffer [it is bounded or has limit for no of elements to be stored].</a:t>
+            </a:r>
+          </a:p>
+          <a:p>
+            <a:r>
+              <a:rPr lang="en-IN" dirty="0" smtClean="0"/>
+              <a:t>Consumer consumes the elements produced by producer and removes the elements from the buffer.</a:t>
+            </a:r>
+          </a:p>
+          <a:p>
+            <a:r>
+              <a:rPr lang="en-IN" dirty="0" smtClean="0"/>
+              <a:t>This process till continues as long as produces puts the element on time and consumer consumes elements on time.</a:t>
+            </a:r>
+          </a:p>
+          <a:p>
+            <a:endParaRPr lang="en-US" dirty="0"/>
+          </a:p>
+        </p:txBody>
+      </p:sp>
+    </p:spTree>
+  </p:cSld>
+  <p:clrMapOvr>
+    <a:masterClrMapping/>
+  </p:clrMapOvr>
+  <p:timing>
+    <p:tnLst>
+      <p:par>
+        <p:cTn id="1" dur="indefinite" restart="never" nodeType="tmRoot"/>
+      </p:par>
+    </p:tnLst>
+  </p:timing>
+</p:sld>
+</file>
+
+<file path=ppt/slides/slide24.xml><?xml version="1.0" encoding="utf-8"?>
+<p:sld xmlns:a="http://schemas.openxmlformats.org/drawingml/2006/main" xmlns:r="http://schemas.openxmlformats.org/officeDocument/2006/relationships" xmlns:p="http://schemas.openxmlformats.org/presentationml/2006/main">
+  <p:cSld>
+    <p:spTree>
+      <p:nvGrpSpPr>
+        <p:cNvPr id="1" name=""/>
+        <p:cNvGrpSpPr/>
+        <p:nvPr/>
+      </p:nvGrpSpPr>
+      <p:grpSpPr>
+        <a:xfrm>
+          <a:off x="0" y="0"/>
+          <a:ext cx="0" cy="0"/>
+          <a:chOff x="0" y="0"/>
+          <a:chExt cx="0" cy="0"/>
+        </a:xfrm>
+      </p:grpSpPr>
+      <p:sp>
+        <p:nvSpPr>
+          <p:cNvPr id="2" name="Title 1"/>
+          <p:cNvSpPr>
+            <a:spLocks noGrp="1"/>
+          </p:cNvSpPr>
+          <p:nvPr>
+            <p:ph type="title"/>
+          </p:nvPr>
+        </p:nvSpPr>
+        <p:spPr/>
+        <p:txBody>
+          <a:bodyPr>
+            <a:normAutofit fontScale="90000"/>
+          </a:bodyPr>
+          <a:lstStyle/>
+          <a:p>
+            <a:r>
+              <a:rPr lang="en-IN" dirty="0" smtClean="0"/>
+              <a:t>Producer Consumer Problem</a:t>
+            </a:r>
+            <a:br>
+              <a:rPr lang="en-IN" dirty="0" smtClean="0"/>
+            </a:br>
+            <a:r>
+              <a:rPr lang="en-IN" sz="3600" b="1" dirty="0" smtClean="0"/>
+              <a:t>[Bounded Buffer Problem]</a:t>
+            </a:r>
+            <a:endParaRPr lang="en-US" dirty="0"/>
+          </a:p>
+        </p:txBody>
+      </p:sp>
+      <p:sp>
+        <p:nvSpPr>
+          <p:cNvPr id="3" name="Content Placeholder 2"/>
+          <p:cNvSpPr>
+            <a:spLocks noGrp="1"/>
+          </p:cNvSpPr>
+          <p:nvPr>
+            <p:ph idx="1"/>
+          </p:nvPr>
+        </p:nvSpPr>
+        <p:spPr/>
+        <p:txBody>
+          <a:bodyPr/>
+          <a:lstStyle/>
+          <a:p>
+            <a:r>
+              <a:rPr lang="en-IN" dirty="0" smtClean="0"/>
+              <a:t>In reality producer may cause some delay to produce in that situation if buffer is empty then consumer must wait.</a:t>
+            </a:r>
+          </a:p>
+          <a:p>
+            <a:r>
+              <a:rPr lang="en-IN" dirty="0" smtClean="0"/>
+              <a:t>Some times consumer may cause delay to consume the elements in that case if buffer is full then producer must wait.</a:t>
+            </a:r>
+          </a:p>
+          <a:p>
+            <a:endParaRPr lang="en-US" dirty="0"/>
+          </a:p>
+        </p:txBody>
+      </p:sp>
+    </p:spTree>
+  </p:cSld>
+  <p:clrMapOvr>
+    <a:masterClrMapping/>
+  </p:clrMapOvr>
+  <p:timing>
+    <p:tnLst>
+      <p:par>
+        <p:cTn id="1" dur="indefinite" restart="never" nodeType="tmRoot"/>
+      </p:par>
+    </p:tnLst>
+  </p:timing>
+</p:sld>
+</file>
+
+<file path=ppt/slides/slide25.xml><?xml version="1.0" encoding="utf-8"?>
+<p:sld xmlns:a="http://schemas.openxmlformats.org/drawingml/2006/main" xmlns:r="http://schemas.openxmlformats.org/officeDocument/2006/relationships" xmlns:p="http://schemas.openxmlformats.org/presentationml/2006/main">
+  <p:cSld>
+    <p:spTree>
+      <p:nvGrpSpPr>
+        <p:cNvPr id="1" name=""/>
+        <p:cNvGrpSpPr/>
+        <p:nvPr/>
+      </p:nvGrpSpPr>
+      <p:grpSpPr>
+        <a:xfrm>
+          <a:off x="0" y="0"/>
+          <a:ext cx="0" cy="0"/>
+          <a:chOff x="0" y="0"/>
+          <a:chExt cx="0" cy="0"/>
+        </a:xfrm>
+      </p:grpSpPr>
+      <p:sp>
+        <p:nvSpPr>
+          <p:cNvPr id="2" name="Title 1"/>
+          <p:cNvSpPr>
+            <a:spLocks noGrp="1"/>
+          </p:cNvSpPr>
+          <p:nvPr>
+            <p:ph type="title"/>
+          </p:nvPr>
+        </p:nvSpPr>
+        <p:spPr/>
+        <p:txBody>
+          <a:bodyPr/>
+          <a:lstStyle/>
+          <a:p>
+            <a:r>
+              <a:rPr lang="en-IN" dirty="0" smtClean="0"/>
+              <a:t>Without Communication</a:t>
+            </a:r>
+            <a:endParaRPr lang="en-US" dirty="0"/>
+          </a:p>
+        </p:txBody>
+      </p:sp>
+      <p:grpSp>
+        <p:nvGrpSpPr>
+          <p:cNvPr id="5" name="Group 36"/>
+          <p:cNvGrpSpPr/>
+          <p:nvPr/>
+        </p:nvGrpSpPr>
+        <p:grpSpPr>
+          <a:xfrm>
+            <a:off x="1295400" y="2971800"/>
+            <a:ext cx="6096000" cy="990600"/>
+            <a:chOff x="1295400" y="1752600"/>
+            <a:chExt cx="6096000" cy="1181100"/>
+          </a:xfrm>
+        </p:grpSpPr>
+        <p:sp>
+          <p:nvSpPr>
+            <p:cNvPr id="7" name="Rounded Rectangle 6"/>
+            <p:cNvSpPr/>
+            <p:nvPr/>
+          </p:nvSpPr>
+          <p:spPr>
+            <a:xfrm>
+              <a:off x="1295400" y="2171700"/>
+              <a:ext cx="1447800" cy="762000"/>
+            </a:xfrm>
+            <a:prstGeom prst="roundRect">
+              <a:avLst/>
+            </a:prstGeom>
+          </p:spPr>
+          <p:style>
+            <a:lnRef idx="2">
+              <a:schemeClr val="accent2"/>
+            </a:lnRef>
+            <a:fillRef idx="1">
+              <a:schemeClr val="lt1"/>
+            </a:fillRef>
+            <a:effectRef idx="0">
+              <a:schemeClr val="accent2"/>
+            </a:effectRef>
+            <a:fontRef idx="minor">
+              <a:schemeClr val="dk1"/>
+            </a:fontRef>
+          </p:style>
+          <p:txBody>
+            <a:bodyPr rtlCol="0" anchor="ctr"/>
+            <a:lstStyle/>
+            <a:p>
+              <a:pPr algn="ctr"/>
+              <a:r>
+                <a:rPr lang="en-IN" dirty="0" smtClean="0"/>
+                <a:t>PRODUCER</a:t>
+              </a:r>
+              <a:endParaRPr lang="en-US" dirty="0"/>
+            </a:p>
+          </p:txBody>
+        </p:sp>
+        <p:sp>
+          <p:nvSpPr>
+            <p:cNvPr id="8" name="Rounded Rectangle 7"/>
+            <p:cNvSpPr/>
+            <p:nvPr/>
+          </p:nvSpPr>
+          <p:spPr>
+            <a:xfrm>
+              <a:off x="5943600" y="2171700"/>
+              <a:ext cx="1447800" cy="762000"/>
+            </a:xfrm>
+            <a:prstGeom prst="roundRect">
+              <a:avLst/>
+            </a:prstGeom>
+          </p:spPr>
+          <p:style>
+            <a:lnRef idx="2">
+              <a:schemeClr val="accent2"/>
+            </a:lnRef>
+            <a:fillRef idx="1">
+              <a:schemeClr val="lt1"/>
+            </a:fillRef>
+            <a:effectRef idx="0">
+              <a:schemeClr val="accent2"/>
+            </a:effectRef>
+            <a:fontRef idx="minor">
+              <a:schemeClr val="dk1"/>
+            </a:fontRef>
+          </p:style>
+          <p:txBody>
+            <a:bodyPr rtlCol="0" anchor="ctr"/>
+            <a:lstStyle/>
+            <a:p>
+              <a:pPr algn="ctr"/>
+              <a:r>
+                <a:rPr lang="en-IN" dirty="0" smtClean="0"/>
+                <a:t>CONSUMER</a:t>
+              </a:r>
+              <a:endParaRPr lang="en-US" dirty="0"/>
+            </a:p>
+          </p:txBody>
+        </p:sp>
+        <p:sp>
+          <p:nvSpPr>
+            <p:cNvPr id="9" name="Rectangle 8"/>
+            <p:cNvSpPr/>
+            <p:nvPr/>
+          </p:nvSpPr>
+          <p:spPr>
+            <a:xfrm>
+              <a:off x="3200400" y="1752600"/>
+              <a:ext cx="533400" cy="381000"/>
+            </a:xfrm>
+            <a:prstGeom prst="rect">
+              <a:avLst/>
+            </a:prstGeom>
+          </p:spPr>
+          <p:style>
+            <a:lnRef idx="2">
+              <a:schemeClr val="accent3"/>
+            </a:lnRef>
+            <a:fillRef idx="1">
+              <a:schemeClr val="lt1"/>
+            </a:fillRef>
+            <a:effectRef idx="0">
+              <a:schemeClr val="accent3"/>
+            </a:effectRef>
+            <a:fontRef idx="minor">
+              <a:schemeClr val="dk1"/>
+            </a:fontRef>
+          </p:style>
+          <p:txBody>
+            <a:bodyPr rtlCol="0" anchor="ctr"/>
+            <a:lstStyle/>
+            <a:p>
+              <a:pPr algn="ctr"/>
+              <a:r>
+                <a:rPr lang="en-IN" dirty="0" smtClean="0"/>
+                <a:t>1</a:t>
+              </a:r>
+              <a:endParaRPr lang="en-US" dirty="0"/>
+            </a:p>
+          </p:txBody>
+        </p:sp>
+        <p:sp>
+          <p:nvSpPr>
+            <p:cNvPr id="10" name="Rectangle 9"/>
+            <p:cNvSpPr/>
+            <p:nvPr/>
+          </p:nvSpPr>
+          <p:spPr>
+            <a:xfrm>
+              <a:off x="3810000" y="1752600"/>
+              <a:ext cx="533400" cy="381000"/>
+            </a:xfrm>
+            <a:prstGeom prst="rect">
+              <a:avLst/>
+            </a:prstGeom>
+          </p:spPr>
+          <p:style>
+            <a:lnRef idx="2">
+              <a:schemeClr val="accent3"/>
+            </a:lnRef>
+            <a:fillRef idx="1">
+              <a:schemeClr val="lt1"/>
+            </a:fillRef>
+            <a:effectRef idx="0">
+              <a:schemeClr val="accent3"/>
+            </a:effectRef>
+            <a:fontRef idx="minor">
+              <a:schemeClr val="dk1"/>
+            </a:fontRef>
+          </p:style>
+          <p:txBody>
+            <a:bodyPr rtlCol="0" anchor="ctr"/>
+            <a:lstStyle/>
+            <a:p>
+              <a:pPr algn="ctr"/>
+              <a:r>
+                <a:rPr lang="en-IN" dirty="0" smtClean="0"/>
+                <a:t>2</a:t>
+              </a:r>
+            </a:p>
+          </p:txBody>
+        </p:sp>
+        <p:sp>
+          <p:nvSpPr>
+            <p:cNvPr id="11" name="Rectangle 10"/>
+            <p:cNvSpPr/>
+            <p:nvPr/>
+          </p:nvSpPr>
+          <p:spPr>
+            <a:xfrm>
+              <a:off x="4419600" y="1752600"/>
+              <a:ext cx="533400" cy="381000"/>
+            </a:xfrm>
+            <a:prstGeom prst="rect">
+              <a:avLst/>
+            </a:prstGeom>
+          </p:spPr>
+          <p:style>
+            <a:lnRef idx="2">
+              <a:schemeClr val="accent3"/>
+            </a:lnRef>
+            <a:fillRef idx="1">
+              <a:schemeClr val="lt1"/>
+            </a:fillRef>
+            <a:effectRef idx="0">
+              <a:schemeClr val="accent3"/>
+            </a:effectRef>
+            <a:fontRef idx="minor">
+              <a:schemeClr val="dk1"/>
+            </a:fontRef>
+          </p:style>
+          <p:txBody>
+            <a:bodyPr rtlCol="0" anchor="ctr"/>
+            <a:lstStyle/>
+            <a:p>
+              <a:pPr algn="ctr"/>
+              <a:endParaRPr lang="en-US" dirty="0"/>
+            </a:p>
+          </p:txBody>
+        </p:sp>
+        <p:sp>
+          <p:nvSpPr>
+            <p:cNvPr id="12" name="Rectangle 11"/>
+            <p:cNvSpPr/>
+            <p:nvPr/>
+          </p:nvSpPr>
+          <p:spPr>
+            <a:xfrm>
+              <a:off x="5029200" y="1752600"/>
+              <a:ext cx="533400" cy="381000"/>
+            </a:xfrm>
+            <a:prstGeom prst="rect">
+              <a:avLst/>
+            </a:prstGeom>
+          </p:spPr>
+          <p:style>
+            <a:lnRef idx="2">
+              <a:schemeClr val="accent3"/>
+            </a:lnRef>
+            <a:fillRef idx="1">
+              <a:schemeClr val="lt1"/>
+            </a:fillRef>
+            <a:effectRef idx="0">
+              <a:schemeClr val="accent3"/>
+            </a:effectRef>
+            <a:fontRef idx="minor">
+              <a:schemeClr val="dk1"/>
+            </a:fontRef>
+          </p:style>
+          <p:txBody>
+            <a:bodyPr rtlCol="0" anchor="ctr"/>
+            <a:lstStyle/>
+            <a:p>
+              <a:pPr algn="ctr"/>
+              <a:endParaRPr lang="en-US" dirty="0"/>
+            </a:p>
+          </p:txBody>
+        </p:sp>
+        <p:cxnSp>
+          <p:nvCxnSpPr>
+            <p:cNvPr id="13" name="Shape 12"/>
+            <p:cNvCxnSpPr>
+              <a:stCxn id="7" idx="3"/>
+              <a:endCxn id="10" idx="2"/>
+            </p:cNvCxnSpPr>
+            <p:nvPr/>
+          </p:nvCxnSpPr>
+          <p:spPr>
+            <a:xfrm flipV="1">
+              <a:off x="2743200" y="2133600"/>
+              <a:ext cx="1333500" cy="419101"/>
+            </a:xfrm>
+            <a:prstGeom prst="bentConnector2">
+              <a:avLst/>
+            </a:prstGeom>
+            <a:ln>
+              <a:tailEnd type="arrow"/>
+            </a:ln>
+          </p:spPr>
+          <p:style>
+            <a:lnRef idx="2">
+              <a:schemeClr val="dk1"/>
+            </a:lnRef>
+            <a:fillRef idx="0">
+              <a:schemeClr val="dk1"/>
+            </a:fillRef>
+            <a:effectRef idx="1">
+              <a:schemeClr val="dk1"/>
+            </a:effectRef>
+            <a:fontRef idx="minor">
+              <a:schemeClr val="tx1"/>
+            </a:fontRef>
+          </p:style>
+        </p:cxnSp>
+      </p:grpSp>
+      <p:cxnSp>
+        <p:nvCxnSpPr>
+          <p:cNvPr id="16" name="Shape 15"/>
+          <p:cNvCxnSpPr>
+            <a:stCxn id="11" idx="2"/>
+            <a:endCxn id="8" idx="1"/>
+          </p:cNvCxnSpPr>
+          <p:nvPr/>
+        </p:nvCxnSpPr>
+        <p:spPr>
+          <a:xfrm rot="16200000" flipH="1">
+            <a:off x="5139198" y="2838450"/>
+            <a:ext cx="351504" cy="1257300"/>
+          </a:xfrm>
+          <a:prstGeom prst="bentConnector2">
+            <a:avLst/>
+          </a:prstGeom>
+          <a:ln>
+            <a:tailEnd type="arrow"/>
+          </a:ln>
+        </p:spPr>
+        <p:style>
+          <a:lnRef idx="3">
+            <a:schemeClr val="accent6"/>
+          </a:lnRef>
+          <a:fillRef idx="0">
+            <a:schemeClr val="accent6"/>
+          </a:fillRef>
+          <a:effectRef idx="2">
+            <a:schemeClr val="accent6"/>
+          </a:effectRef>
+          <a:fontRef idx="minor">
+            <a:schemeClr val="tx1"/>
+          </a:fontRef>
+        </p:style>
+      </p:cxnSp>
+      <p:cxnSp>
+        <p:nvCxnSpPr>
+          <p:cNvPr id="18" name="Elbow Connector 17"/>
+          <p:cNvCxnSpPr>
+            <a:stCxn id="9" idx="2"/>
+            <a:endCxn id="8" idx="2"/>
+          </p:cNvCxnSpPr>
+          <p:nvPr/>
+        </p:nvCxnSpPr>
+        <p:spPr>
+          <a:xfrm rot="16200000" flipH="1">
+            <a:off x="4731774" y="2026674"/>
+            <a:ext cx="671052" cy="3200400"/>
+          </a:xfrm>
+          <a:prstGeom prst="bentConnector3">
+            <a:avLst>
+              <a:gd name="adj1" fmla="val 134066"/>
+            </a:avLst>
+          </a:prstGeom>
+          <a:ln>
+            <a:prstDash val="dashDot"/>
+            <a:tailEnd type="arrow"/>
+          </a:ln>
+        </p:spPr>
+        <p:style>
+          <a:lnRef idx="2">
+            <a:schemeClr val="dk1"/>
+          </a:lnRef>
+          <a:fillRef idx="0">
+            <a:schemeClr val="dk1"/>
+          </a:fillRef>
+          <a:effectRef idx="1">
+            <a:schemeClr val="dk1"/>
+          </a:effectRef>
+          <a:fontRef idx="minor">
+            <a:schemeClr val="tx1"/>
+          </a:fontRef>
+        </p:style>
+      </p:cxnSp>
+      <p:cxnSp>
+        <p:nvCxnSpPr>
+          <p:cNvPr id="19" name="Elbow Connector 18"/>
+          <p:cNvCxnSpPr>
+            <a:stCxn id="10" idx="2"/>
+            <a:endCxn id="8" idx="2"/>
+          </p:cNvCxnSpPr>
+          <p:nvPr/>
+        </p:nvCxnSpPr>
+        <p:spPr>
+          <a:xfrm rot="16200000" flipH="1">
+            <a:off x="5036574" y="2331474"/>
+            <a:ext cx="671052" cy="2590800"/>
+          </a:xfrm>
+          <a:prstGeom prst="bentConnector3">
+            <a:avLst>
+              <a:gd name="adj1" fmla="val 134066"/>
+            </a:avLst>
+          </a:prstGeom>
+          <a:ln>
+            <a:prstDash val="dashDot"/>
+            <a:tailEnd type="arrow"/>
+          </a:ln>
+        </p:spPr>
+        <p:style>
+          <a:lnRef idx="2">
+            <a:schemeClr val="dk1"/>
+          </a:lnRef>
+          <a:fillRef idx="0">
+            <a:schemeClr val="dk1"/>
+          </a:fillRef>
+          <a:effectRef idx="1">
+            <a:schemeClr val="dk1"/>
+          </a:effectRef>
+          <a:fontRef idx="minor">
+            <a:schemeClr val="tx1"/>
+          </a:fontRef>
+        </p:style>
+      </p:cxnSp>
+      <p:sp>
+        <p:nvSpPr>
+          <p:cNvPr id="22" name="Rounded Rectangle 21"/>
+          <p:cNvSpPr/>
+          <p:nvPr/>
+        </p:nvSpPr>
+        <p:spPr>
+          <a:xfrm>
+            <a:off x="5943600" y="1905000"/>
+            <a:ext cx="1447800" cy="838200"/>
+          </a:xfrm>
+          <a:prstGeom prst="roundRect">
+            <a:avLst/>
+          </a:prstGeom>
+        </p:spPr>
+        <p:style>
+          <a:lnRef idx="2">
+            <a:schemeClr val="accent2"/>
+          </a:lnRef>
+          <a:fillRef idx="1">
+            <a:schemeClr val="lt1"/>
+          </a:fillRef>
+          <a:effectRef idx="0">
+            <a:schemeClr val="accent2"/>
+          </a:effectRef>
+          <a:fontRef idx="minor">
+            <a:schemeClr val="dk1"/>
+          </a:fontRef>
+        </p:style>
+        <p:txBody>
+          <a:bodyPr rtlCol="0" anchor="ctr"/>
+          <a:lstStyle/>
+          <a:p>
+            <a:pPr algn="ctr"/>
+            <a:r>
+              <a:rPr lang="en-IN" dirty="0" smtClean="0"/>
+              <a:t>There is no element to consume</a:t>
+            </a:r>
+            <a:endParaRPr lang="en-US" dirty="0"/>
+          </a:p>
+        </p:txBody>
+      </p:sp>
+      <p:cxnSp>
+        <p:nvCxnSpPr>
+          <p:cNvPr id="25" name="Shape 24"/>
+          <p:cNvCxnSpPr>
+            <a:stCxn id="22" idx="1"/>
+            <a:endCxn id="11" idx="0"/>
+          </p:cNvCxnSpPr>
+          <p:nvPr/>
+        </p:nvCxnSpPr>
+        <p:spPr>
+          <a:xfrm rot="10800000" flipV="1">
+            <a:off x="4686300" y="2324100"/>
+            <a:ext cx="1257300" cy="647700"/>
+          </a:xfrm>
+          <a:prstGeom prst="bentConnector2">
+            <a:avLst/>
+          </a:prstGeom>
+          <a:ln>
+            <a:tailEnd type="arrow"/>
+          </a:ln>
+        </p:spPr>
+        <p:style>
+          <a:lnRef idx="1">
+            <a:schemeClr val="accent1"/>
+          </a:lnRef>
+          <a:fillRef idx="0">
+            <a:schemeClr val="accent1"/>
+          </a:fillRef>
+          <a:effectRef idx="0">
+            <a:schemeClr val="accent1"/>
+          </a:effectRef>
+          <a:fontRef idx="minor">
+            <a:schemeClr val="tx1"/>
+          </a:fontRef>
+        </p:style>
+      </p:cxnSp>
+    </p:spTree>
+  </p:cSld>
+  <p:clrMapOvr>
+    <a:masterClrMapping/>
+  </p:clrMapOvr>
+  <p:timing>
+    <p:tnLst>
+      <p:par>
+        <p:cTn id="1" dur="indefinite" restart="never" nodeType="tmRoot"/>
+      </p:par>
+    </p:tnLst>
+  </p:timing>
+</p:sld>
+</file>
+
+<file path=ppt/slides/slide26.xml><?xml version="1.0" encoding="utf-8"?>
+<p:sld xmlns:a="http://schemas.openxmlformats.org/drawingml/2006/main" xmlns:r="http://schemas.openxmlformats.org/officeDocument/2006/relationships" xmlns:p="http://schemas.openxmlformats.org/presentationml/2006/main">
+  <p:cSld>
+    <p:spTree>
+      <p:nvGrpSpPr>
+        <p:cNvPr id="1" name=""/>
+        <p:cNvGrpSpPr/>
+        <p:nvPr/>
+      </p:nvGrpSpPr>
+      <p:grpSpPr>
+        <a:xfrm>
+          <a:off x="0" y="0"/>
+          <a:ext cx="0" cy="0"/>
+          <a:chOff x="0" y="0"/>
+          <a:chExt cx="0" cy="0"/>
+        </a:xfrm>
+      </p:grpSpPr>
+      <p:sp>
+        <p:nvSpPr>
+          <p:cNvPr id="2" name="Title 1"/>
+          <p:cNvSpPr>
+            <a:spLocks noGrp="1"/>
+          </p:cNvSpPr>
+          <p:nvPr>
+            <p:ph type="title"/>
+          </p:nvPr>
+        </p:nvSpPr>
+        <p:spPr/>
+        <p:txBody>
+          <a:bodyPr/>
+          <a:lstStyle/>
+          <a:p>
+            <a:r>
+              <a:rPr lang="en-IN" dirty="0" smtClean="0"/>
+              <a:t>Producer Produces</a:t>
+            </a:r>
+            <a:endParaRPr lang="en-US" dirty="0"/>
+          </a:p>
+        </p:txBody>
+      </p:sp>
+      <p:grpSp>
+        <p:nvGrpSpPr>
+          <p:cNvPr id="47" name="Group 46"/>
+          <p:cNvGrpSpPr/>
+          <p:nvPr/>
+        </p:nvGrpSpPr>
+        <p:grpSpPr>
+          <a:xfrm>
+            <a:off x="1295400" y="1676401"/>
+            <a:ext cx="6096000" cy="1066799"/>
+            <a:chOff x="1295400" y="1676401"/>
+            <a:chExt cx="6096000" cy="1066799"/>
+          </a:xfrm>
+        </p:grpSpPr>
+        <p:grpSp>
+          <p:nvGrpSpPr>
+            <p:cNvPr id="37" name="Group 36"/>
+            <p:cNvGrpSpPr/>
+            <p:nvPr/>
+          </p:nvGrpSpPr>
+          <p:grpSpPr>
+            <a:xfrm>
+              <a:off x="1295400" y="1752600"/>
+              <a:ext cx="6096000" cy="990600"/>
+              <a:chOff x="1295400" y="1752600"/>
+              <a:chExt cx="6096000" cy="1181100"/>
+            </a:xfrm>
+          </p:grpSpPr>
+          <p:sp>
+            <p:nvSpPr>
+              <p:cNvPr id="5" name="Rounded Rectangle 4"/>
+              <p:cNvSpPr/>
+              <p:nvPr/>
+            </p:nvSpPr>
+            <p:spPr>
+              <a:xfrm>
+                <a:off x="1295400" y="2171700"/>
+                <a:ext cx="1447800" cy="762000"/>
+              </a:xfrm>
+              <a:prstGeom prst="roundRect">
+                <a:avLst/>
+              </a:prstGeom>
+            </p:spPr>
+            <p:style>
+              <a:lnRef idx="2">
+                <a:schemeClr val="accent2"/>
+              </a:lnRef>
+              <a:fillRef idx="1">
+                <a:schemeClr val="lt1"/>
+              </a:fillRef>
+              <a:effectRef idx="0">
+                <a:schemeClr val="accent2"/>
+              </a:effectRef>
+              <a:fontRef idx="minor">
+                <a:schemeClr val="dk1"/>
+              </a:fontRef>
+            </p:style>
+            <p:txBody>
+              <a:bodyPr rtlCol="0" anchor="ctr"/>
+              <a:lstStyle/>
+              <a:p>
+                <a:pPr algn="ctr"/>
+                <a:r>
+                  <a:rPr lang="en-IN" dirty="0" smtClean="0"/>
+                  <a:t>PRODUCER</a:t>
+                </a:r>
+                <a:endParaRPr lang="en-US" dirty="0"/>
+              </a:p>
+            </p:txBody>
+          </p:sp>
+          <p:sp>
+            <p:nvSpPr>
+              <p:cNvPr id="6" name="Rounded Rectangle 5"/>
+              <p:cNvSpPr/>
+              <p:nvPr/>
+            </p:nvSpPr>
+            <p:spPr>
+              <a:xfrm>
+                <a:off x="5943600" y="2171700"/>
+                <a:ext cx="1447800" cy="762000"/>
+              </a:xfrm>
+              <a:prstGeom prst="roundRect">
+                <a:avLst/>
+              </a:prstGeom>
+            </p:spPr>
+            <p:style>
+              <a:lnRef idx="2">
+                <a:schemeClr val="accent2"/>
+              </a:lnRef>
+              <a:fillRef idx="1">
+                <a:schemeClr val="lt1"/>
+              </a:fillRef>
+              <a:effectRef idx="0">
+                <a:schemeClr val="accent2"/>
+              </a:effectRef>
+              <a:fontRef idx="minor">
+                <a:schemeClr val="dk1"/>
+              </a:fontRef>
+            </p:style>
+            <p:txBody>
+              <a:bodyPr rtlCol="0" anchor="ctr"/>
+              <a:lstStyle/>
+              <a:p>
+                <a:pPr algn="ctr"/>
+                <a:r>
+                  <a:rPr lang="en-IN" dirty="0" smtClean="0"/>
+                  <a:t>CONSUMER</a:t>
+                </a:r>
+                <a:endParaRPr lang="en-US" dirty="0"/>
+              </a:p>
+            </p:txBody>
+          </p:sp>
+          <p:sp>
+            <p:nvSpPr>
+              <p:cNvPr id="8" name="Rectangle 7"/>
+              <p:cNvSpPr/>
+              <p:nvPr/>
+            </p:nvSpPr>
+            <p:spPr>
+              <a:xfrm>
+                <a:off x="3200400" y="1752600"/>
+                <a:ext cx="533400" cy="381000"/>
+              </a:xfrm>
+              <a:prstGeom prst="rect">
+                <a:avLst/>
+              </a:prstGeom>
+            </p:spPr>
+            <p:style>
+              <a:lnRef idx="2">
+                <a:schemeClr val="accent3"/>
+              </a:lnRef>
+              <a:fillRef idx="1">
+                <a:schemeClr val="lt1"/>
+              </a:fillRef>
+              <a:effectRef idx="0">
+                <a:schemeClr val="accent3"/>
+              </a:effectRef>
+              <a:fontRef idx="minor">
+                <a:schemeClr val="dk1"/>
+              </a:fontRef>
+            </p:style>
+            <p:txBody>
+              <a:bodyPr rtlCol="0" anchor="ctr"/>
+              <a:lstStyle/>
+              <a:p>
+                <a:pPr algn="ctr"/>
+                <a:r>
+                  <a:rPr lang="en-IN" dirty="0" smtClean="0"/>
+                  <a:t>1</a:t>
+                </a:r>
+                <a:endParaRPr lang="en-US" dirty="0"/>
+              </a:p>
+            </p:txBody>
+          </p:sp>
+          <p:sp>
+            <p:nvSpPr>
+              <p:cNvPr id="9" name="Rectangle 8"/>
+              <p:cNvSpPr/>
+              <p:nvPr/>
+            </p:nvSpPr>
+            <p:spPr>
+              <a:xfrm>
+                <a:off x="3810000" y="1752600"/>
+                <a:ext cx="533400" cy="381000"/>
+              </a:xfrm>
+              <a:prstGeom prst="rect">
+                <a:avLst/>
+              </a:prstGeom>
+            </p:spPr>
+            <p:style>
+              <a:lnRef idx="2">
+                <a:schemeClr val="accent3"/>
+              </a:lnRef>
+              <a:fillRef idx="1">
+                <a:schemeClr val="lt1"/>
+              </a:fillRef>
+              <a:effectRef idx="0">
+                <a:schemeClr val="accent3"/>
+              </a:effectRef>
+              <a:fontRef idx="minor">
+                <a:schemeClr val="dk1"/>
+              </a:fontRef>
+            </p:style>
+            <p:txBody>
+              <a:bodyPr rtlCol="0" anchor="ctr"/>
+              <a:lstStyle/>
+              <a:p>
+                <a:pPr algn="ctr"/>
+                <a:endParaRPr lang="en-US" dirty="0"/>
+              </a:p>
+            </p:txBody>
+          </p:sp>
+          <p:sp>
+            <p:nvSpPr>
+              <p:cNvPr id="10" name="Rectangle 9"/>
+              <p:cNvSpPr/>
+              <p:nvPr/>
+            </p:nvSpPr>
+            <p:spPr>
+              <a:xfrm>
+                <a:off x="4419600" y="1752600"/>
+                <a:ext cx="533400" cy="381000"/>
+              </a:xfrm>
+              <a:prstGeom prst="rect">
+                <a:avLst/>
+              </a:prstGeom>
+            </p:spPr>
+            <p:style>
+              <a:lnRef idx="2">
+                <a:schemeClr val="accent3"/>
+              </a:lnRef>
+              <a:fillRef idx="1">
+                <a:schemeClr val="lt1"/>
+              </a:fillRef>
+              <a:effectRef idx="0">
+                <a:schemeClr val="accent3"/>
+              </a:effectRef>
+              <a:fontRef idx="minor">
+                <a:schemeClr val="dk1"/>
+              </a:fontRef>
+            </p:style>
+            <p:txBody>
+              <a:bodyPr rtlCol="0" anchor="ctr"/>
+              <a:lstStyle/>
+              <a:p>
+                <a:pPr algn="ctr"/>
+                <a:endParaRPr lang="en-US" dirty="0"/>
+              </a:p>
+            </p:txBody>
+          </p:sp>
+          <p:sp>
+            <p:nvSpPr>
+              <p:cNvPr id="11" name="Rectangle 10"/>
+              <p:cNvSpPr/>
+              <p:nvPr/>
+            </p:nvSpPr>
+            <p:spPr>
+              <a:xfrm>
+                <a:off x="5029200" y="1752600"/>
+                <a:ext cx="533400" cy="381000"/>
+              </a:xfrm>
+              <a:prstGeom prst="rect">
+                <a:avLst/>
+              </a:prstGeom>
+            </p:spPr>
+            <p:style>
+              <a:lnRef idx="2">
+                <a:schemeClr val="accent3"/>
+              </a:lnRef>
+              <a:fillRef idx="1">
+                <a:schemeClr val="lt1"/>
+              </a:fillRef>
+              <a:effectRef idx="0">
+                <a:schemeClr val="accent3"/>
+              </a:effectRef>
+              <a:fontRef idx="minor">
+                <a:schemeClr val="dk1"/>
+              </a:fontRef>
+            </p:style>
+            <p:txBody>
+              <a:bodyPr rtlCol="0" anchor="ctr"/>
+              <a:lstStyle/>
+              <a:p>
+                <a:pPr algn="ctr"/>
+                <a:endParaRPr lang="en-US" dirty="0"/>
+              </a:p>
+            </p:txBody>
+          </p:sp>
+          <p:cxnSp>
+            <p:nvCxnSpPr>
+              <p:cNvPr id="13" name="Shape 12"/>
+              <p:cNvCxnSpPr>
+                <a:stCxn id="5" idx="3"/>
+                <a:endCxn id="8" idx="2"/>
+              </p:cNvCxnSpPr>
+              <p:nvPr/>
+            </p:nvCxnSpPr>
+            <p:spPr>
+              <a:xfrm flipV="1">
+                <a:off x="2743200" y="2133600"/>
+                <a:ext cx="723900" cy="419100"/>
+              </a:xfrm>
+              <a:prstGeom prst="bentConnector2">
+                <a:avLst/>
+              </a:prstGeom>
+              <a:ln>
+                <a:tailEnd type="arrow"/>
+              </a:ln>
+            </p:spPr>
+            <p:style>
+              <a:lnRef idx="2">
+                <a:schemeClr val="dk1"/>
+              </a:lnRef>
+              <a:fillRef idx="0">
+                <a:schemeClr val="dk1"/>
+              </a:fillRef>
+              <a:effectRef idx="1">
+                <a:schemeClr val="dk1"/>
+              </a:effectRef>
+              <a:fontRef idx="minor">
+                <a:schemeClr val="tx1"/>
+              </a:fontRef>
+            </p:style>
+          </p:cxnSp>
+        </p:grpSp>
+        <p:sp>
+          <p:nvSpPr>
+            <p:cNvPr id="46" name="Rounded Rectangle 45"/>
+            <p:cNvSpPr/>
+            <p:nvPr/>
+          </p:nvSpPr>
+          <p:spPr>
+            <a:xfrm>
+              <a:off x="6248400" y="1676401"/>
+              <a:ext cx="838200" cy="304799"/>
+            </a:xfrm>
+            <a:prstGeom prst="roundRect">
+              <a:avLst/>
+            </a:prstGeom>
+          </p:spPr>
+          <p:style>
+            <a:lnRef idx="1">
+              <a:schemeClr val="accent6"/>
+            </a:lnRef>
+            <a:fillRef idx="2">
+              <a:schemeClr val="accent6"/>
+            </a:fillRef>
+            <a:effectRef idx="1">
+              <a:schemeClr val="accent6"/>
+            </a:effectRef>
+            <a:fontRef idx="minor">
+              <a:schemeClr val="dk1"/>
+            </a:fontRef>
+          </p:style>
+          <p:txBody>
+            <a:bodyPr rtlCol="0" anchor="ctr"/>
+            <a:lstStyle/>
+            <a:p>
+              <a:pPr algn="ctr"/>
+              <a:r>
+                <a:rPr lang="en-IN" dirty="0" smtClean="0"/>
+                <a:t>Wait</a:t>
+              </a:r>
+              <a:endParaRPr lang="en-US" dirty="0"/>
+            </a:p>
+          </p:txBody>
+        </p:sp>
+      </p:grpSp>
+      <p:grpSp>
+        <p:nvGrpSpPr>
+          <p:cNvPr id="48" name="Group 47"/>
+          <p:cNvGrpSpPr/>
+          <p:nvPr/>
+        </p:nvGrpSpPr>
+        <p:grpSpPr>
+          <a:xfrm>
+            <a:off x="1295400" y="2895601"/>
+            <a:ext cx="6096000" cy="1066799"/>
+            <a:chOff x="1295400" y="1676401"/>
+            <a:chExt cx="6096000" cy="1066799"/>
+          </a:xfrm>
+        </p:grpSpPr>
+        <p:grpSp>
+          <p:nvGrpSpPr>
+            <p:cNvPr id="49" name="Group 36"/>
+            <p:cNvGrpSpPr/>
+            <p:nvPr/>
+          </p:nvGrpSpPr>
+          <p:grpSpPr>
+            <a:xfrm>
+              <a:off x="1295400" y="1752600"/>
+              <a:ext cx="6096000" cy="990600"/>
+              <a:chOff x="1295400" y="1752600"/>
+              <a:chExt cx="6096000" cy="1181100"/>
+            </a:xfrm>
+          </p:grpSpPr>
+          <p:sp>
+            <p:nvSpPr>
+              <p:cNvPr id="51" name="Rounded Rectangle 50"/>
+              <p:cNvSpPr/>
+              <p:nvPr/>
+            </p:nvSpPr>
+            <p:spPr>
+              <a:xfrm>
+                <a:off x="1295400" y="2171700"/>
+                <a:ext cx="1447800" cy="762000"/>
+              </a:xfrm>
+              <a:prstGeom prst="roundRect">
+                <a:avLst/>
+              </a:prstGeom>
+            </p:spPr>
+            <p:style>
+              <a:lnRef idx="2">
+                <a:schemeClr val="accent2"/>
+              </a:lnRef>
+              <a:fillRef idx="1">
+                <a:schemeClr val="lt1"/>
+              </a:fillRef>
+              <a:effectRef idx="0">
+                <a:schemeClr val="accent2"/>
+              </a:effectRef>
+              <a:fontRef idx="minor">
+                <a:schemeClr val="dk1"/>
+              </a:fontRef>
+            </p:style>
+            <p:txBody>
+              <a:bodyPr rtlCol="0" anchor="ctr"/>
+              <a:lstStyle/>
+              <a:p>
+                <a:pPr algn="ctr"/>
+                <a:r>
+                  <a:rPr lang="en-IN" dirty="0" smtClean="0"/>
+                  <a:t>PRODUCER</a:t>
+                </a:r>
+                <a:endParaRPr lang="en-US" dirty="0"/>
+              </a:p>
+            </p:txBody>
+          </p:sp>
+          <p:sp>
+            <p:nvSpPr>
+              <p:cNvPr id="52" name="Rounded Rectangle 51"/>
+              <p:cNvSpPr/>
+              <p:nvPr/>
+            </p:nvSpPr>
+            <p:spPr>
+              <a:xfrm>
+                <a:off x="5943600" y="2171700"/>
+                <a:ext cx="1447800" cy="762000"/>
+              </a:xfrm>
+              <a:prstGeom prst="roundRect">
+                <a:avLst/>
+              </a:prstGeom>
+            </p:spPr>
+            <p:style>
+              <a:lnRef idx="2">
+                <a:schemeClr val="accent2"/>
+              </a:lnRef>
+              <a:fillRef idx="1">
+                <a:schemeClr val="lt1"/>
+              </a:fillRef>
+              <a:effectRef idx="0">
+                <a:schemeClr val="accent2"/>
+              </a:effectRef>
+              <a:fontRef idx="minor">
+                <a:schemeClr val="dk1"/>
+              </a:fontRef>
+            </p:style>
+            <p:txBody>
+              <a:bodyPr rtlCol="0" anchor="ctr"/>
+              <a:lstStyle/>
+              <a:p>
+                <a:pPr algn="ctr"/>
+                <a:r>
+                  <a:rPr lang="en-IN" dirty="0" smtClean="0"/>
+                  <a:t>CONSUMER</a:t>
+                </a:r>
+                <a:endParaRPr lang="en-US" dirty="0"/>
+              </a:p>
+            </p:txBody>
+          </p:sp>
+          <p:sp>
+            <p:nvSpPr>
+              <p:cNvPr id="53" name="Rectangle 52"/>
+              <p:cNvSpPr/>
+              <p:nvPr/>
+            </p:nvSpPr>
+            <p:spPr>
+              <a:xfrm>
+                <a:off x="3200400" y="1752600"/>
+                <a:ext cx="533400" cy="381000"/>
+              </a:xfrm>
+              <a:prstGeom prst="rect">
+                <a:avLst/>
+              </a:prstGeom>
+            </p:spPr>
+            <p:style>
+              <a:lnRef idx="2">
+                <a:schemeClr val="accent3"/>
+              </a:lnRef>
+              <a:fillRef idx="1">
+                <a:schemeClr val="lt1"/>
+              </a:fillRef>
+              <a:effectRef idx="0">
+                <a:schemeClr val="accent3"/>
+              </a:effectRef>
+              <a:fontRef idx="minor">
+                <a:schemeClr val="dk1"/>
+              </a:fontRef>
+            </p:style>
+            <p:txBody>
+              <a:bodyPr rtlCol="0" anchor="ctr"/>
+              <a:lstStyle/>
+              <a:p>
+                <a:pPr algn="ctr"/>
+                <a:r>
+                  <a:rPr lang="en-IN" dirty="0" smtClean="0"/>
+                  <a:t>1</a:t>
+                </a:r>
+                <a:endParaRPr lang="en-US" dirty="0"/>
+              </a:p>
+            </p:txBody>
+          </p:sp>
+          <p:sp>
+            <p:nvSpPr>
+              <p:cNvPr id="54" name="Rectangle 53"/>
+              <p:cNvSpPr/>
+              <p:nvPr/>
+            </p:nvSpPr>
+            <p:spPr>
+              <a:xfrm>
+                <a:off x="3810000" y="1752600"/>
+                <a:ext cx="533400" cy="381000"/>
+              </a:xfrm>
+              <a:prstGeom prst="rect">
+                <a:avLst/>
+              </a:prstGeom>
+            </p:spPr>
+            <p:style>
+              <a:lnRef idx="2">
+                <a:schemeClr val="accent3"/>
+              </a:lnRef>
+              <a:fillRef idx="1">
+                <a:schemeClr val="lt1"/>
+              </a:fillRef>
+              <a:effectRef idx="0">
+                <a:schemeClr val="accent3"/>
+              </a:effectRef>
+              <a:fontRef idx="minor">
+                <a:schemeClr val="dk1"/>
+              </a:fontRef>
+            </p:style>
+            <p:txBody>
+              <a:bodyPr rtlCol="0" anchor="ctr"/>
+              <a:lstStyle/>
+              <a:p>
+                <a:pPr algn="ctr"/>
+                <a:r>
+                  <a:rPr lang="en-IN" dirty="0" smtClean="0"/>
+                  <a:t>2</a:t>
+                </a:r>
+              </a:p>
+            </p:txBody>
+          </p:sp>
+          <p:sp>
+            <p:nvSpPr>
+              <p:cNvPr id="55" name="Rectangle 54"/>
+              <p:cNvSpPr/>
+              <p:nvPr/>
+            </p:nvSpPr>
+            <p:spPr>
+              <a:xfrm>
+                <a:off x="4419600" y="1752600"/>
+                <a:ext cx="533400" cy="381000"/>
+              </a:xfrm>
+              <a:prstGeom prst="rect">
+                <a:avLst/>
+              </a:prstGeom>
+            </p:spPr>
+            <p:style>
+              <a:lnRef idx="2">
+                <a:schemeClr val="accent3"/>
+              </a:lnRef>
+              <a:fillRef idx="1">
+                <a:schemeClr val="lt1"/>
+              </a:fillRef>
+              <a:effectRef idx="0">
+                <a:schemeClr val="accent3"/>
+              </a:effectRef>
+              <a:fontRef idx="minor">
+                <a:schemeClr val="dk1"/>
+              </a:fontRef>
+            </p:style>
+            <p:txBody>
+              <a:bodyPr rtlCol="0" anchor="ctr"/>
+              <a:lstStyle/>
+              <a:p>
+                <a:pPr algn="ctr"/>
+                <a:endParaRPr lang="en-US" dirty="0"/>
+              </a:p>
+            </p:txBody>
+          </p:sp>
+          <p:sp>
+            <p:nvSpPr>
+              <p:cNvPr id="56" name="Rectangle 55"/>
+              <p:cNvSpPr/>
+              <p:nvPr/>
+            </p:nvSpPr>
+            <p:spPr>
+              <a:xfrm>
+                <a:off x="5029200" y="1752600"/>
+                <a:ext cx="533400" cy="381000"/>
+              </a:xfrm>
+              <a:prstGeom prst="rect">
+                <a:avLst/>
+              </a:prstGeom>
+            </p:spPr>
+            <p:style>
+              <a:lnRef idx="2">
+                <a:schemeClr val="accent3"/>
+              </a:lnRef>
+              <a:fillRef idx="1">
+                <a:schemeClr val="lt1"/>
+              </a:fillRef>
+              <a:effectRef idx="0">
+                <a:schemeClr val="accent3"/>
+              </a:effectRef>
+              <a:fontRef idx="minor">
+                <a:schemeClr val="dk1"/>
+              </a:fontRef>
+            </p:style>
+            <p:txBody>
+              <a:bodyPr rtlCol="0" anchor="ctr"/>
+              <a:lstStyle/>
+              <a:p>
+                <a:pPr algn="ctr"/>
+                <a:endParaRPr lang="en-US" dirty="0"/>
+              </a:p>
+            </p:txBody>
+          </p:sp>
+          <p:cxnSp>
+            <p:nvCxnSpPr>
+              <p:cNvPr id="57" name="Shape 56"/>
+              <p:cNvCxnSpPr>
+                <a:stCxn id="51" idx="3"/>
+                <a:endCxn id="54" idx="2"/>
+              </p:cNvCxnSpPr>
+              <p:nvPr/>
+            </p:nvCxnSpPr>
+            <p:spPr>
+              <a:xfrm flipV="1">
+                <a:off x="2743200" y="2133600"/>
+                <a:ext cx="1333500" cy="419101"/>
+              </a:xfrm>
+              <a:prstGeom prst="bentConnector2">
+                <a:avLst/>
+              </a:prstGeom>
+              <a:ln>
+                <a:tailEnd type="arrow"/>
+              </a:ln>
+            </p:spPr>
+            <p:style>
+              <a:lnRef idx="2">
+                <a:schemeClr val="dk1"/>
+              </a:lnRef>
+              <a:fillRef idx="0">
+                <a:schemeClr val="dk1"/>
+              </a:fillRef>
+              <a:effectRef idx="1">
+                <a:schemeClr val="dk1"/>
+              </a:effectRef>
+              <a:fontRef idx="minor">
+                <a:schemeClr val="tx1"/>
+              </a:fontRef>
+            </p:style>
+          </p:cxnSp>
+        </p:grpSp>
+        <p:sp>
+          <p:nvSpPr>
+            <p:cNvPr id="50" name="Rounded Rectangle 49"/>
+            <p:cNvSpPr/>
+            <p:nvPr/>
+          </p:nvSpPr>
+          <p:spPr>
+            <a:xfrm>
+              <a:off x="6248400" y="1676401"/>
+              <a:ext cx="838200" cy="304799"/>
+            </a:xfrm>
+            <a:prstGeom prst="roundRect">
+              <a:avLst/>
+            </a:prstGeom>
+          </p:spPr>
+          <p:style>
+            <a:lnRef idx="1">
+              <a:schemeClr val="accent6"/>
+            </a:lnRef>
+            <a:fillRef idx="2">
+              <a:schemeClr val="accent6"/>
+            </a:fillRef>
+            <a:effectRef idx="1">
+              <a:schemeClr val="accent6"/>
+            </a:effectRef>
+            <a:fontRef idx="minor">
+              <a:schemeClr val="dk1"/>
+            </a:fontRef>
+          </p:style>
+          <p:txBody>
+            <a:bodyPr rtlCol="0" anchor="ctr"/>
+            <a:lstStyle/>
+            <a:p>
+              <a:pPr algn="ctr"/>
+              <a:r>
+                <a:rPr lang="en-IN" dirty="0" smtClean="0"/>
+                <a:t>Wait</a:t>
+              </a:r>
+              <a:endParaRPr lang="en-US" dirty="0"/>
+            </a:p>
+          </p:txBody>
+        </p:sp>
+      </p:grpSp>
+      <p:grpSp>
+        <p:nvGrpSpPr>
+          <p:cNvPr id="59" name="Group 58"/>
+          <p:cNvGrpSpPr/>
+          <p:nvPr/>
+        </p:nvGrpSpPr>
+        <p:grpSpPr>
+          <a:xfrm>
+            <a:off x="1295400" y="4114801"/>
+            <a:ext cx="6096000" cy="1066799"/>
+            <a:chOff x="1295400" y="1676401"/>
+            <a:chExt cx="6096000" cy="1066799"/>
+          </a:xfrm>
+        </p:grpSpPr>
+        <p:grpSp>
+          <p:nvGrpSpPr>
+            <p:cNvPr id="60" name="Group 36"/>
+            <p:cNvGrpSpPr/>
+            <p:nvPr/>
+          </p:nvGrpSpPr>
+          <p:grpSpPr>
+            <a:xfrm>
+              <a:off x="1295400" y="1752600"/>
+              <a:ext cx="6096000" cy="990600"/>
+              <a:chOff x="1295400" y="1752600"/>
+              <a:chExt cx="6096000" cy="1181100"/>
+            </a:xfrm>
+          </p:grpSpPr>
+          <p:sp>
+            <p:nvSpPr>
+              <p:cNvPr id="62" name="Rounded Rectangle 61"/>
+              <p:cNvSpPr/>
+              <p:nvPr/>
+            </p:nvSpPr>
+            <p:spPr>
+              <a:xfrm>
+                <a:off x="1295400" y="2171700"/>
+                <a:ext cx="1447800" cy="762000"/>
+              </a:xfrm>
+              <a:prstGeom prst="roundRect">
+                <a:avLst/>
+              </a:prstGeom>
+            </p:spPr>
+            <p:style>
+              <a:lnRef idx="2">
+                <a:schemeClr val="accent2"/>
+              </a:lnRef>
+              <a:fillRef idx="1">
+                <a:schemeClr val="lt1"/>
+              </a:fillRef>
+              <a:effectRef idx="0">
+                <a:schemeClr val="accent2"/>
+              </a:effectRef>
+              <a:fontRef idx="minor">
+                <a:schemeClr val="dk1"/>
+              </a:fontRef>
+            </p:style>
+            <p:txBody>
+              <a:bodyPr rtlCol="0" anchor="ctr"/>
+              <a:lstStyle/>
+              <a:p>
+                <a:pPr algn="ctr"/>
+                <a:r>
+                  <a:rPr lang="en-IN" dirty="0" smtClean="0"/>
+                  <a:t>PRODUCER</a:t>
+                </a:r>
+                <a:endParaRPr lang="en-US" dirty="0"/>
+              </a:p>
+            </p:txBody>
+          </p:sp>
+          <p:sp>
+            <p:nvSpPr>
+              <p:cNvPr id="63" name="Rounded Rectangle 62"/>
+              <p:cNvSpPr/>
+              <p:nvPr/>
+            </p:nvSpPr>
+            <p:spPr>
+              <a:xfrm>
+                <a:off x="5943600" y="2171700"/>
+                <a:ext cx="1447800" cy="762000"/>
+              </a:xfrm>
+              <a:prstGeom prst="roundRect">
+                <a:avLst/>
+              </a:prstGeom>
+            </p:spPr>
+            <p:style>
+              <a:lnRef idx="2">
+                <a:schemeClr val="accent2"/>
+              </a:lnRef>
+              <a:fillRef idx="1">
+                <a:schemeClr val="lt1"/>
+              </a:fillRef>
+              <a:effectRef idx="0">
+                <a:schemeClr val="accent2"/>
+              </a:effectRef>
+              <a:fontRef idx="minor">
+                <a:schemeClr val="dk1"/>
+              </a:fontRef>
+            </p:style>
+            <p:txBody>
+              <a:bodyPr rtlCol="0" anchor="ctr"/>
+              <a:lstStyle/>
+              <a:p>
+                <a:pPr algn="ctr"/>
+                <a:r>
+                  <a:rPr lang="en-IN" dirty="0" smtClean="0"/>
+                  <a:t>CONSUMER</a:t>
+                </a:r>
+                <a:endParaRPr lang="en-US" dirty="0"/>
+              </a:p>
+            </p:txBody>
+          </p:sp>
+          <p:sp>
+            <p:nvSpPr>
+              <p:cNvPr id="64" name="Rectangle 63"/>
+              <p:cNvSpPr/>
+              <p:nvPr/>
+            </p:nvSpPr>
+            <p:spPr>
+              <a:xfrm>
+                <a:off x="3200400" y="1752600"/>
+                <a:ext cx="533400" cy="381000"/>
+              </a:xfrm>
+              <a:prstGeom prst="rect">
+                <a:avLst/>
+              </a:prstGeom>
+            </p:spPr>
+            <p:style>
+              <a:lnRef idx="2">
+                <a:schemeClr val="accent3"/>
+              </a:lnRef>
+              <a:fillRef idx="1">
+                <a:schemeClr val="lt1"/>
+              </a:fillRef>
+              <a:effectRef idx="0">
+                <a:schemeClr val="accent3"/>
+              </a:effectRef>
+              <a:fontRef idx="minor">
+                <a:schemeClr val="dk1"/>
+              </a:fontRef>
+            </p:style>
+            <p:txBody>
+              <a:bodyPr rtlCol="0" anchor="ctr"/>
+              <a:lstStyle/>
+              <a:p>
+                <a:pPr algn="ctr"/>
+                <a:r>
+                  <a:rPr lang="en-IN" dirty="0" smtClean="0"/>
+                  <a:t>1</a:t>
+                </a:r>
+                <a:endParaRPr lang="en-US" dirty="0"/>
+              </a:p>
+            </p:txBody>
+          </p:sp>
+          <p:sp>
+            <p:nvSpPr>
+              <p:cNvPr id="65" name="Rectangle 64"/>
+              <p:cNvSpPr/>
+              <p:nvPr/>
+            </p:nvSpPr>
+            <p:spPr>
+              <a:xfrm>
+                <a:off x="3810000" y="1752600"/>
+                <a:ext cx="533400" cy="381000"/>
+              </a:xfrm>
+              <a:prstGeom prst="rect">
+                <a:avLst/>
+              </a:prstGeom>
+            </p:spPr>
+            <p:style>
+              <a:lnRef idx="2">
+                <a:schemeClr val="accent3"/>
+              </a:lnRef>
+              <a:fillRef idx="1">
+                <a:schemeClr val="lt1"/>
+              </a:fillRef>
+              <a:effectRef idx="0">
+                <a:schemeClr val="accent3"/>
+              </a:effectRef>
+              <a:fontRef idx="minor">
+                <a:schemeClr val="dk1"/>
+              </a:fontRef>
+            </p:style>
+            <p:txBody>
+              <a:bodyPr rtlCol="0" anchor="ctr"/>
+              <a:lstStyle/>
+              <a:p>
+                <a:pPr algn="ctr"/>
+                <a:r>
+                  <a:rPr lang="en-IN" dirty="0" smtClean="0"/>
+                  <a:t>2</a:t>
+                </a:r>
+                <a:endParaRPr lang="en-US" dirty="0"/>
+              </a:p>
+            </p:txBody>
+          </p:sp>
+          <p:sp>
+            <p:nvSpPr>
+              <p:cNvPr id="66" name="Rectangle 65"/>
+              <p:cNvSpPr/>
+              <p:nvPr/>
+            </p:nvSpPr>
+            <p:spPr>
+              <a:xfrm>
+                <a:off x="4419600" y="1752600"/>
+                <a:ext cx="533400" cy="381000"/>
+              </a:xfrm>
+              <a:prstGeom prst="rect">
+                <a:avLst/>
+              </a:prstGeom>
+            </p:spPr>
+            <p:style>
+              <a:lnRef idx="2">
+                <a:schemeClr val="accent3"/>
+              </a:lnRef>
+              <a:fillRef idx="1">
+                <a:schemeClr val="lt1"/>
+              </a:fillRef>
+              <a:effectRef idx="0">
+                <a:schemeClr val="accent3"/>
+              </a:effectRef>
+              <a:fontRef idx="minor">
+                <a:schemeClr val="dk1"/>
+              </a:fontRef>
+            </p:style>
+            <p:txBody>
+              <a:bodyPr rtlCol="0" anchor="ctr"/>
+              <a:lstStyle/>
+              <a:p>
+                <a:pPr algn="ctr"/>
+                <a:r>
+                  <a:rPr lang="en-IN" dirty="0" smtClean="0"/>
+                  <a:t>3</a:t>
+                </a:r>
+                <a:endParaRPr lang="en-US" dirty="0"/>
+              </a:p>
+            </p:txBody>
+          </p:sp>
+          <p:sp>
+            <p:nvSpPr>
+              <p:cNvPr id="67" name="Rectangle 66"/>
+              <p:cNvSpPr/>
+              <p:nvPr/>
+            </p:nvSpPr>
+            <p:spPr>
+              <a:xfrm>
+                <a:off x="5029200" y="1752600"/>
+                <a:ext cx="533400" cy="381000"/>
+              </a:xfrm>
+              <a:prstGeom prst="rect">
+                <a:avLst/>
+              </a:prstGeom>
+            </p:spPr>
+            <p:style>
+              <a:lnRef idx="2">
+                <a:schemeClr val="accent3"/>
+              </a:lnRef>
+              <a:fillRef idx="1">
+                <a:schemeClr val="lt1"/>
+              </a:fillRef>
+              <a:effectRef idx="0">
+                <a:schemeClr val="accent3"/>
+              </a:effectRef>
+              <a:fontRef idx="minor">
+                <a:schemeClr val="dk1"/>
+              </a:fontRef>
+            </p:style>
+            <p:txBody>
+              <a:bodyPr rtlCol="0" anchor="ctr"/>
+              <a:lstStyle/>
+              <a:p>
+                <a:pPr algn="ctr"/>
+                <a:endParaRPr lang="en-US" dirty="0"/>
+              </a:p>
+            </p:txBody>
+          </p:sp>
+          <p:cxnSp>
+            <p:nvCxnSpPr>
+              <p:cNvPr id="68" name="Shape 67"/>
+              <p:cNvCxnSpPr>
+                <a:stCxn id="62" idx="3"/>
+                <a:endCxn id="66" idx="2"/>
+              </p:cNvCxnSpPr>
+              <p:nvPr/>
+            </p:nvCxnSpPr>
+            <p:spPr>
+              <a:xfrm flipV="1">
+                <a:off x="2743200" y="2133600"/>
+                <a:ext cx="1943100" cy="419101"/>
+              </a:xfrm>
+              <a:prstGeom prst="bentConnector2">
+                <a:avLst/>
+              </a:prstGeom>
+              <a:ln>
+                <a:tailEnd type="arrow"/>
+              </a:ln>
+            </p:spPr>
+            <p:style>
+              <a:lnRef idx="2">
+                <a:schemeClr val="dk1"/>
+              </a:lnRef>
+              <a:fillRef idx="0">
+                <a:schemeClr val="dk1"/>
+              </a:fillRef>
+              <a:effectRef idx="1">
+                <a:schemeClr val="dk1"/>
+              </a:effectRef>
+              <a:fontRef idx="minor">
+                <a:schemeClr val="tx1"/>
+              </a:fontRef>
+            </p:style>
+          </p:cxnSp>
+        </p:grpSp>
+        <p:sp>
+          <p:nvSpPr>
+            <p:cNvPr id="61" name="Rounded Rectangle 60"/>
+            <p:cNvSpPr/>
+            <p:nvPr/>
+          </p:nvSpPr>
+          <p:spPr>
+            <a:xfrm>
+              <a:off x="6248400" y="1676401"/>
+              <a:ext cx="838200" cy="304799"/>
+            </a:xfrm>
+            <a:prstGeom prst="roundRect">
+              <a:avLst/>
+            </a:prstGeom>
+          </p:spPr>
+          <p:style>
+            <a:lnRef idx="1">
+              <a:schemeClr val="accent6"/>
+            </a:lnRef>
+            <a:fillRef idx="2">
+              <a:schemeClr val="accent6"/>
+            </a:fillRef>
+            <a:effectRef idx="1">
+              <a:schemeClr val="accent6"/>
+            </a:effectRef>
+            <a:fontRef idx="minor">
+              <a:schemeClr val="dk1"/>
+            </a:fontRef>
+          </p:style>
+          <p:txBody>
+            <a:bodyPr rtlCol="0" anchor="ctr"/>
+            <a:lstStyle/>
+            <a:p>
+              <a:pPr algn="ctr"/>
+              <a:r>
+                <a:rPr lang="en-IN" dirty="0" smtClean="0"/>
+                <a:t>Wait</a:t>
+              </a:r>
+              <a:endParaRPr lang="en-US" dirty="0"/>
+            </a:p>
+          </p:txBody>
+        </p:sp>
+      </p:grpSp>
+      <p:grpSp>
+        <p:nvGrpSpPr>
+          <p:cNvPr id="70" name="Group 69"/>
+          <p:cNvGrpSpPr/>
+          <p:nvPr/>
+        </p:nvGrpSpPr>
+        <p:grpSpPr>
+          <a:xfrm>
+            <a:off x="1295400" y="5334000"/>
+            <a:ext cx="6096000" cy="1066799"/>
+            <a:chOff x="1295400" y="1676401"/>
+            <a:chExt cx="6096000" cy="1066799"/>
+          </a:xfrm>
+        </p:grpSpPr>
+        <p:grpSp>
+          <p:nvGrpSpPr>
+            <p:cNvPr id="71" name="Group 36"/>
+            <p:cNvGrpSpPr/>
+            <p:nvPr/>
+          </p:nvGrpSpPr>
+          <p:grpSpPr>
+            <a:xfrm>
+              <a:off x="1295400" y="1752600"/>
+              <a:ext cx="6096000" cy="990600"/>
+              <a:chOff x="1295400" y="1752600"/>
+              <a:chExt cx="6096000" cy="1181100"/>
+            </a:xfrm>
+          </p:grpSpPr>
+          <p:sp>
+            <p:nvSpPr>
+              <p:cNvPr id="73" name="Rounded Rectangle 72"/>
+              <p:cNvSpPr/>
+              <p:nvPr/>
+            </p:nvSpPr>
+            <p:spPr>
+              <a:xfrm>
+                <a:off x="1295400" y="2171700"/>
+                <a:ext cx="1447800" cy="762000"/>
+              </a:xfrm>
+              <a:prstGeom prst="roundRect">
+                <a:avLst/>
+              </a:prstGeom>
+            </p:spPr>
+            <p:style>
+              <a:lnRef idx="2">
+                <a:schemeClr val="accent2"/>
+              </a:lnRef>
+              <a:fillRef idx="1">
+                <a:schemeClr val="lt1"/>
+              </a:fillRef>
+              <a:effectRef idx="0">
+                <a:schemeClr val="accent2"/>
+              </a:effectRef>
+              <a:fontRef idx="minor">
+                <a:schemeClr val="dk1"/>
+              </a:fontRef>
+            </p:style>
+            <p:txBody>
+              <a:bodyPr rtlCol="0" anchor="ctr"/>
+              <a:lstStyle/>
+              <a:p>
+                <a:pPr algn="ctr"/>
+                <a:r>
+                  <a:rPr lang="en-IN" dirty="0" smtClean="0"/>
+                  <a:t>PRODUCER</a:t>
+                </a:r>
+                <a:endParaRPr lang="en-US" dirty="0"/>
+              </a:p>
+            </p:txBody>
+          </p:sp>
+          <p:sp>
+            <p:nvSpPr>
+              <p:cNvPr id="74" name="Rounded Rectangle 73"/>
+              <p:cNvSpPr/>
+              <p:nvPr/>
+            </p:nvSpPr>
+            <p:spPr>
+              <a:xfrm>
+                <a:off x="5943600" y="2171700"/>
+                <a:ext cx="1447800" cy="762000"/>
+              </a:xfrm>
+              <a:prstGeom prst="roundRect">
+                <a:avLst/>
+              </a:prstGeom>
+            </p:spPr>
+            <p:style>
+              <a:lnRef idx="2">
+                <a:schemeClr val="accent2"/>
+              </a:lnRef>
+              <a:fillRef idx="1">
+                <a:schemeClr val="lt1"/>
+              </a:fillRef>
+              <a:effectRef idx="0">
+                <a:schemeClr val="accent2"/>
+              </a:effectRef>
+              <a:fontRef idx="minor">
+                <a:schemeClr val="dk1"/>
+              </a:fontRef>
+            </p:style>
+            <p:txBody>
+              <a:bodyPr rtlCol="0" anchor="ctr"/>
+              <a:lstStyle/>
+              <a:p>
+                <a:pPr algn="ctr"/>
+                <a:r>
+                  <a:rPr lang="en-IN" dirty="0" smtClean="0"/>
+                  <a:t>CONSUMER</a:t>
+                </a:r>
+                <a:endParaRPr lang="en-US" dirty="0"/>
+              </a:p>
+            </p:txBody>
+          </p:sp>
+          <p:sp>
+            <p:nvSpPr>
+              <p:cNvPr id="75" name="Rectangle 74"/>
+              <p:cNvSpPr/>
+              <p:nvPr/>
+            </p:nvSpPr>
+            <p:spPr>
+              <a:xfrm>
+                <a:off x="3200400" y="1752600"/>
+                <a:ext cx="533400" cy="381000"/>
+              </a:xfrm>
+              <a:prstGeom prst="rect">
+                <a:avLst/>
+              </a:prstGeom>
+            </p:spPr>
+            <p:style>
+              <a:lnRef idx="2">
+                <a:schemeClr val="accent3"/>
+              </a:lnRef>
+              <a:fillRef idx="1">
+                <a:schemeClr val="lt1"/>
+              </a:fillRef>
+              <a:effectRef idx="0">
+                <a:schemeClr val="accent3"/>
+              </a:effectRef>
+              <a:fontRef idx="minor">
+                <a:schemeClr val="dk1"/>
+              </a:fontRef>
+            </p:style>
+            <p:txBody>
+              <a:bodyPr rtlCol="0" anchor="ctr"/>
+              <a:lstStyle/>
+              <a:p>
+                <a:pPr algn="ctr"/>
+                <a:r>
+                  <a:rPr lang="en-IN" dirty="0" smtClean="0"/>
+                  <a:t>1</a:t>
+                </a:r>
+                <a:endParaRPr lang="en-US" dirty="0"/>
+              </a:p>
+            </p:txBody>
+          </p:sp>
+          <p:sp>
+            <p:nvSpPr>
+              <p:cNvPr id="76" name="Rectangle 75"/>
+              <p:cNvSpPr/>
+              <p:nvPr/>
+            </p:nvSpPr>
+            <p:spPr>
+              <a:xfrm>
+                <a:off x="3810000" y="1752600"/>
+                <a:ext cx="533400" cy="381000"/>
+              </a:xfrm>
+              <a:prstGeom prst="rect">
+                <a:avLst/>
+              </a:prstGeom>
+            </p:spPr>
+            <p:style>
+              <a:lnRef idx="2">
+                <a:schemeClr val="accent3"/>
+              </a:lnRef>
+              <a:fillRef idx="1">
+                <a:schemeClr val="lt1"/>
+              </a:fillRef>
+              <a:effectRef idx="0">
+                <a:schemeClr val="accent3"/>
+              </a:effectRef>
+              <a:fontRef idx="minor">
+                <a:schemeClr val="dk1"/>
+              </a:fontRef>
+            </p:style>
+            <p:txBody>
+              <a:bodyPr rtlCol="0" anchor="ctr"/>
+              <a:lstStyle/>
+              <a:p>
+                <a:pPr algn="ctr"/>
+                <a:r>
+                  <a:rPr lang="en-IN" dirty="0" smtClean="0"/>
+                  <a:t>2</a:t>
+                </a:r>
+                <a:endParaRPr lang="en-US" dirty="0"/>
+              </a:p>
+            </p:txBody>
+          </p:sp>
+          <p:sp>
+            <p:nvSpPr>
+              <p:cNvPr id="77" name="Rectangle 76"/>
+              <p:cNvSpPr/>
+              <p:nvPr/>
+            </p:nvSpPr>
+            <p:spPr>
+              <a:xfrm>
+                <a:off x="4419600" y="1752600"/>
+                <a:ext cx="533400" cy="381000"/>
+              </a:xfrm>
+              <a:prstGeom prst="rect">
+                <a:avLst/>
+              </a:prstGeom>
+            </p:spPr>
+            <p:style>
+              <a:lnRef idx="2">
+                <a:schemeClr val="accent3"/>
+              </a:lnRef>
+              <a:fillRef idx="1">
+                <a:schemeClr val="lt1"/>
+              </a:fillRef>
+              <a:effectRef idx="0">
+                <a:schemeClr val="accent3"/>
+              </a:effectRef>
+              <a:fontRef idx="minor">
+                <a:schemeClr val="dk1"/>
+              </a:fontRef>
+            </p:style>
+            <p:txBody>
+              <a:bodyPr rtlCol="0" anchor="ctr"/>
+              <a:lstStyle/>
+              <a:p>
+                <a:pPr algn="ctr"/>
+                <a:r>
+                  <a:rPr lang="en-IN" dirty="0" smtClean="0"/>
+                  <a:t>3</a:t>
+                </a:r>
+                <a:endParaRPr lang="en-US" dirty="0"/>
+              </a:p>
+            </p:txBody>
+          </p:sp>
+          <p:sp>
+            <p:nvSpPr>
+              <p:cNvPr id="78" name="Rectangle 77"/>
+              <p:cNvSpPr/>
+              <p:nvPr/>
+            </p:nvSpPr>
+            <p:spPr>
+              <a:xfrm>
+                <a:off x="5029200" y="1752600"/>
+                <a:ext cx="533400" cy="381000"/>
+              </a:xfrm>
+              <a:prstGeom prst="rect">
+                <a:avLst/>
+              </a:prstGeom>
+            </p:spPr>
+            <p:style>
+              <a:lnRef idx="2">
+                <a:schemeClr val="accent3"/>
+              </a:lnRef>
+              <a:fillRef idx="1">
+                <a:schemeClr val="lt1"/>
+              </a:fillRef>
+              <a:effectRef idx="0">
+                <a:schemeClr val="accent3"/>
+              </a:effectRef>
+              <a:fontRef idx="minor">
+                <a:schemeClr val="dk1"/>
+              </a:fontRef>
+            </p:style>
+            <p:txBody>
+              <a:bodyPr rtlCol="0" anchor="ctr"/>
+              <a:lstStyle/>
+              <a:p>
+                <a:pPr algn="ctr"/>
+                <a:r>
+                  <a:rPr lang="en-IN" dirty="0" smtClean="0"/>
+                  <a:t>4</a:t>
+                </a:r>
+                <a:endParaRPr lang="en-US" dirty="0"/>
+              </a:p>
+            </p:txBody>
+          </p:sp>
+          <p:cxnSp>
+            <p:nvCxnSpPr>
+              <p:cNvPr id="79" name="Shape 78"/>
+              <p:cNvCxnSpPr>
+                <a:stCxn id="73" idx="3"/>
+                <a:endCxn id="78" idx="2"/>
+              </p:cNvCxnSpPr>
+              <p:nvPr/>
+            </p:nvCxnSpPr>
+            <p:spPr>
+              <a:xfrm flipV="1">
+                <a:off x="2743200" y="2133600"/>
+                <a:ext cx="2552700" cy="419101"/>
+              </a:xfrm>
+              <a:prstGeom prst="bentConnector2">
+                <a:avLst/>
+              </a:prstGeom>
+              <a:ln>
+                <a:tailEnd type="arrow"/>
+              </a:ln>
+            </p:spPr>
+            <p:style>
+              <a:lnRef idx="2">
+                <a:schemeClr val="dk1"/>
+              </a:lnRef>
+              <a:fillRef idx="0">
+                <a:schemeClr val="dk1"/>
+              </a:fillRef>
+              <a:effectRef idx="1">
+                <a:schemeClr val="dk1"/>
+              </a:effectRef>
+              <a:fontRef idx="minor">
+                <a:schemeClr val="tx1"/>
+              </a:fontRef>
+            </p:style>
+          </p:cxnSp>
+        </p:grpSp>
+        <p:sp>
+          <p:nvSpPr>
+            <p:cNvPr id="72" name="Rounded Rectangle 71"/>
+            <p:cNvSpPr/>
+            <p:nvPr/>
+          </p:nvSpPr>
+          <p:spPr>
+            <a:xfrm>
+              <a:off x="6248400" y="1676401"/>
+              <a:ext cx="838200" cy="304799"/>
+            </a:xfrm>
+            <a:prstGeom prst="roundRect">
+              <a:avLst/>
+            </a:prstGeom>
+          </p:spPr>
+          <p:style>
+            <a:lnRef idx="1">
+              <a:schemeClr val="accent6"/>
+            </a:lnRef>
+            <a:fillRef idx="2">
+              <a:schemeClr val="accent6"/>
+            </a:fillRef>
+            <a:effectRef idx="1">
+              <a:schemeClr val="accent6"/>
+            </a:effectRef>
+            <a:fontRef idx="minor">
+              <a:schemeClr val="dk1"/>
+            </a:fontRef>
+          </p:style>
+          <p:txBody>
+            <a:bodyPr rtlCol="0" anchor="ctr"/>
+            <a:lstStyle/>
+            <a:p>
+              <a:pPr algn="ctr"/>
+              <a:r>
+                <a:rPr lang="en-IN" dirty="0" smtClean="0"/>
+                <a:t>Wait</a:t>
+              </a:r>
+              <a:endParaRPr lang="en-US" dirty="0"/>
+            </a:p>
+          </p:txBody>
+        </p:sp>
+      </p:grpSp>
+    </p:spTree>
+  </p:cSld>
+  <p:clrMapOvr>
+    <a:masterClrMapping/>
+  </p:clrMapOvr>
+  <p:timing>
+    <p:tnLst>
+      <p:par>
+        <p:cTn id="1" dur="indefinite" restart="never" nodeType="tmRoot"/>
+      </p:par>
+    </p:tnLst>
+  </p:timing>
+</p:sld>
+</file>
+
+<file path=ppt/slides/slide27.xml><?xml version="1.0" encoding="utf-8"?>
+<p:sld xmlns:a="http://schemas.openxmlformats.org/drawingml/2006/main" xmlns:r="http://schemas.openxmlformats.org/officeDocument/2006/relationships" xmlns:p="http://schemas.openxmlformats.org/presentationml/2006/main">
+  <p:cSld>
+    <p:spTree>
+      <p:nvGrpSpPr>
+        <p:cNvPr id="1" name=""/>
+        <p:cNvGrpSpPr/>
+        <p:nvPr/>
+      </p:nvGrpSpPr>
+      <p:grpSpPr>
+        <a:xfrm>
+          <a:off x="0" y="0"/>
+          <a:ext cx="0" cy="0"/>
+          <a:chOff x="0" y="0"/>
+          <a:chExt cx="0" cy="0"/>
+        </a:xfrm>
+      </p:grpSpPr>
+      <p:sp>
+        <p:nvSpPr>
+          <p:cNvPr id="2" name="Title 1"/>
+          <p:cNvSpPr>
+            <a:spLocks noGrp="1"/>
+          </p:cNvSpPr>
+          <p:nvPr>
+            <p:ph type="title"/>
+          </p:nvPr>
+        </p:nvSpPr>
+        <p:spPr/>
+        <p:txBody>
+          <a:bodyPr/>
+          <a:lstStyle/>
+          <a:p>
+            <a:r>
+              <a:rPr lang="en-IN" dirty="0" smtClean="0"/>
+              <a:t>Consumer Consumes</a:t>
+            </a:r>
+            <a:endParaRPr lang="en-US" dirty="0"/>
+          </a:p>
+        </p:txBody>
+      </p:sp>
+      <p:grpSp>
+        <p:nvGrpSpPr>
+          <p:cNvPr id="43" name="Group 42"/>
+          <p:cNvGrpSpPr/>
+          <p:nvPr/>
+        </p:nvGrpSpPr>
+        <p:grpSpPr>
+          <a:xfrm>
+            <a:off x="1295400" y="1676400"/>
+            <a:ext cx="6096000" cy="1066799"/>
+            <a:chOff x="1295400" y="1676401"/>
+            <a:chExt cx="6096000" cy="1066799"/>
+          </a:xfrm>
+        </p:grpSpPr>
+        <p:grpSp>
+          <p:nvGrpSpPr>
+            <p:cNvPr id="44" name="Group 36"/>
+            <p:cNvGrpSpPr/>
+            <p:nvPr/>
+          </p:nvGrpSpPr>
+          <p:grpSpPr>
+            <a:xfrm>
+              <a:off x="1295400" y="1752600"/>
+              <a:ext cx="6096000" cy="990600"/>
+              <a:chOff x="1295400" y="1752600"/>
+              <a:chExt cx="6096000" cy="1181100"/>
+            </a:xfrm>
+          </p:grpSpPr>
+          <p:sp>
+            <p:nvSpPr>
+              <p:cNvPr id="47" name="Rounded Rectangle 46"/>
+              <p:cNvSpPr/>
+              <p:nvPr/>
+            </p:nvSpPr>
+            <p:spPr>
+              <a:xfrm>
+                <a:off x="1295400" y="2171700"/>
+                <a:ext cx="1447800" cy="762000"/>
+              </a:xfrm>
+              <a:prstGeom prst="roundRect">
+                <a:avLst/>
+              </a:prstGeom>
+            </p:spPr>
+            <p:style>
+              <a:lnRef idx="2">
+                <a:schemeClr val="accent2"/>
+              </a:lnRef>
+              <a:fillRef idx="1">
+                <a:schemeClr val="lt1"/>
+              </a:fillRef>
+              <a:effectRef idx="0">
+                <a:schemeClr val="accent2"/>
+              </a:effectRef>
+              <a:fontRef idx="minor">
+                <a:schemeClr val="dk1"/>
+              </a:fontRef>
+            </p:style>
+            <p:txBody>
+              <a:bodyPr rtlCol="0" anchor="ctr"/>
+              <a:lstStyle/>
+              <a:p>
+                <a:pPr algn="ctr"/>
+                <a:r>
+                  <a:rPr lang="en-IN" dirty="0" smtClean="0"/>
+                  <a:t>PRODUCER</a:t>
+                </a:r>
+                <a:endParaRPr lang="en-US" dirty="0"/>
+              </a:p>
+            </p:txBody>
+          </p:sp>
+          <p:sp>
+            <p:nvSpPr>
+              <p:cNvPr id="48" name="Rounded Rectangle 47"/>
+              <p:cNvSpPr/>
+              <p:nvPr/>
+            </p:nvSpPr>
+            <p:spPr>
+              <a:xfrm>
+                <a:off x="5943600" y="2171700"/>
+                <a:ext cx="1447800" cy="762000"/>
+              </a:xfrm>
+              <a:prstGeom prst="roundRect">
+                <a:avLst/>
+              </a:prstGeom>
+            </p:spPr>
+            <p:style>
+              <a:lnRef idx="2">
+                <a:schemeClr val="accent2"/>
+              </a:lnRef>
+              <a:fillRef idx="1">
+                <a:schemeClr val="lt1"/>
+              </a:fillRef>
+              <a:effectRef idx="0">
+                <a:schemeClr val="accent2"/>
+              </a:effectRef>
+              <a:fontRef idx="minor">
+                <a:schemeClr val="dk1"/>
+              </a:fontRef>
+            </p:style>
+            <p:txBody>
+              <a:bodyPr rtlCol="0" anchor="ctr"/>
+              <a:lstStyle/>
+              <a:p>
+                <a:pPr algn="ctr"/>
+                <a:r>
+                  <a:rPr lang="en-IN" dirty="0" smtClean="0"/>
+                  <a:t>CONSUMER</a:t>
+                </a:r>
+                <a:endParaRPr lang="en-US" dirty="0"/>
+              </a:p>
+            </p:txBody>
+          </p:sp>
+          <p:sp>
+            <p:nvSpPr>
+              <p:cNvPr id="49" name="Rectangle 48"/>
+              <p:cNvSpPr/>
+              <p:nvPr/>
+            </p:nvSpPr>
+            <p:spPr>
+              <a:xfrm>
+                <a:off x="3200400" y="1752600"/>
+                <a:ext cx="533400" cy="381000"/>
+              </a:xfrm>
+              <a:prstGeom prst="rect">
+                <a:avLst/>
+              </a:prstGeom>
+            </p:spPr>
+            <p:style>
+              <a:lnRef idx="2">
+                <a:schemeClr val="accent3"/>
+              </a:lnRef>
+              <a:fillRef idx="1">
+                <a:schemeClr val="lt1"/>
+              </a:fillRef>
+              <a:effectRef idx="0">
+                <a:schemeClr val="accent3"/>
+              </a:effectRef>
+              <a:fontRef idx="minor">
+                <a:schemeClr val="dk1"/>
+              </a:fontRef>
+            </p:style>
+            <p:txBody>
+              <a:bodyPr rtlCol="0" anchor="ctr"/>
+              <a:lstStyle/>
+              <a:p>
+                <a:pPr algn="ctr"/>
+                <a:r>
+                  <a:rPr lang="en-IN" dirty="0" smtClean="0"/>
+                  <a:t>1</a:t>
+                </a:r>
+                <a:endParaRPr lang="en-US" dirty="0"/>
+              </a:p>
+            </p:txBody>
+          </p:sp>
+          <p:sp>
+            <p:nvSpPr>
+              <p:cNvPr id="58" name="Rectangle 57"/>
+              <p:cNvSpPr/>
+              <p:nvPr/>
+            </p:nvSpPr>
+            <p:spPr>
+              <a:xfrm>
+                <a:off x="3810000" y="1752600"/>
+                <a:ext cx="533400" cy="381000"/>
+              </a:xfrm>
+              <a:prstGeom prst="rect">
+                <a:avLst/>
+              </a:prstGeom>
+            </p:spPr>
+            <p:style>
+              <a:lnRef idx="2">
+                <a:schemeClr val="accent3"/>
+              </a:lnRef>
+              <a:fillRef idx="1">
+                <a:schemeClr val="lt1"/>
+              </a:fillRef>
+              <a:effectRef idx="0">
+                <a:schemeClr val="accent3"/>
+              </a:effectRef>
+              <a:fontRef idx="minor">
+                <a:schemeClr val="dk1"/>
+              </a:fontRef>
+            </p:style>
+            <p:txBody>
+              <a:bodyPr rtlCol="0" anchor="ctr"/>
+              <a:lstStyle/>
+              <a:p>
+                <a:pPr algn="ctr"/>
+                <a:r>
+                  <a:rPr lang="en-IN" dirty="0" smtClean="0"/>
+                  <a:t>2</a:t>
+                </a:r>
+                <a:endParaRPr lang="en-US" dirty="0"/>
+              </a:p>
+            </p:txBody>
+          </p:sp>
+          <p:sp>
+            <p:nvSpPr>
+              <p:cNvPr id="59" name="Rectangle 58"/>
+              <p:cNvSpPr/>
+              <p:nvPr/>
+            </p:nvSpPr>
+            <p:spPr>
+              <a:xfrm>
+                <a:off x="4419600" y="1752600"/>
+                <a:ext cx="533400" cy="381000"/>
+              </a:xfrm>
+              <a:prstGeom prst="rect">
+                <a:avLst/>
+              </a:prstGeom>
+            </p:spPr>
+            <p:style>
+              <a:lnRef idx="2">
+                <a:schemeClr val="accent3"/>
+              </a:lnRef>
+              <a:fillRef idx="1">
+                <a:schemeClr val="lt1"/>
+              </a:fillRef>
+              <a:effectRef idx="0">
+                <a:schemeClr val="accent3"/>
+              </a:effectRef>
+              <a:fontRef idx="minor">
+                <a:schemeClr val="dk1"/>
+              </a:fontRef>
+            </p:style>
+            <p:txBody>
+              <a:bodyPr rtlCol="0" anchor="ctr"/>
+              <a:lstStyle/>
+              <a:p>
+                <a:pPr algn="ctr"/>
+                <a:r>
+                  <a:rPr lang="en-IN" dirty="0" smtClean="0"/>
+                  <a:t>3</a:t>
+                </a:r>
+                <a:endParaRPr lang="en-US" dirty="0"/>
+              </a:p>
+            </p:txBody>
+          </p:sp>
+          <p:sp>
+            <p:nvSpPr>
+              <p:cNvPr id="60" name="Rectangle 59"/>
+              <p:cNvSpPr/>
+              <p:nvPr/>
+            </p:nvSpPr>
+            <p:spPr>
+              <a:xfrm>
+                <a:off x="5029200" y="1752600"/>
+                <a:ext cx="533400" cy="381000"/>
+              </a:xfrm>
+              <a:prstGeom prst="rect">
+                <a:avLst/>
+              </a:prstGeom>
+            </p:spPr>
+            <p:style>
+              <a:lnRef idx="2">
+                <a:schemeClr val="accent3"/>
+              </a:lnRef>
+              <a:fillRef idx="1">
+                <a:schemeClr val="lt1"/>
+              </a:fillRef>
+              <a:effectRef idx="0">
+                <a:schemeClr val="accent3"/>
+              </a:effectRef>
+              <a:fontRef idx="minor">
+                <a:schemeClr val="dk1"/>
+              </a:fontRef>
+            </p:style>
+            <p:txBody>
+              <a:bodyPr rtlCol="0" anchor="ctr"/>
+              <a:lstStyle/>
+              <a:p>
+                <a:pPr algn="ctr"/>
+                <a:r>
+                  <a:rPr lang="en-IN" dirty="0" smtClean="0"/>
+                  <a:t>4</a:t>
+                </a:r>
+                <a:endParaRPr lang="en-US" dirty="0"/>
+              </a:p>
+            </p:txBody>
+          </p:sp>
+        </p:grpSp>
+        <p:sp>
+          <p:nvSpPr>
+            <p:cNvPr id="45" name="Rounded Rectangle 44"/>
+            <p:cNvSpPr/>
+            <p:nvPr/>
+          </p:nvSpPr>
+          <p:spPr>
+            <a:xfrm>
+              <a:off x="1524000" y="1676401"/>
+              <a:ext cx="838200" cy="304799"/>
+            </a:xfrm>
+            <a:prstGeom prst="roundRect">
+              <a:avLst/>
+            </a:prstGeom>
+          </p:spPr>
+          <p:style>
+            <a:lnRef idx="1">
+              <a:schemeClr val="accent6"/>
+            </a:lnRef>
+            <a:fillRef idx="2">
+              <a:schemeClr val="accent6"/>
+            </a:fillRef>
+            <a:effectRef idx="1">
+              <a:schemeClr val="accent6"/>
+            </a:effectRef>
+            <a:fontRef idx="minor">
+              <a:schemeClr val="dk1"/>
+            </a:fontRef>
+          </p:style>
+          <p:txBody>
+            <a:bodyPr rtlCol="0" anchor="ctr"/>
+            <a:lstStyle/>
+            <a:p>
+              <a:pPr algn="ctr"/>
+              <a:r>
+                <a:rPr lang="en-IN" dirty="0" smtClean="0"/>
+                <a:t>Wait</a:t>
+              </a:r>
+              <a:endParaRPr lang="en-US" dirty="0"/>
+            </a:p>
+          </p:txBody>
+        </p:sp>
+      </p:grpSp>
+      <p:cxnSp>
+        <p:nvCxnSpPr>
+          <p:cNvPr id="83" name="Shape 82"/>
+          <p:cNvCxnSpPr>
+            <a:stCxn id="49" idx="2"/>
+            <a:endCxn id="48" idx="1"/>
+          </p:cNvCxnSpPr>
+          <p:nvPr/>
+        </p:nvCxnSpPr>
+        <p:spPr>
+          <a:xfrm rot="16200000" flipH="1">
+            <a:off x="4529598" y="1009649"/>
+            <a:ext cx="351504" cy="2476500"/>
+          </a:xfrm>
+          <a:prstGeom prst="bentConnector2">
+            <a:avLst/>
+          </a:prstGeom>
+          <a:ln>
+            <a:tailEnd type="arrow"/>
+          </a:ln>
+        </p:spPr>
+        <p:style>
+          <a:lnRef idx="2">
+            <a:schemeClr val="dk1"/>
+          </a:lnRef>
+          <a:fillRef idx="0">
+            <a:schemeClr val="dk1"/>
+          </a:fillRef>
+          <a:effectRef idx="1">
+            <a:schemeClr val="dk1"/>
+          </a:effectRef>
+          <a:fontRef idx="minor">
+            <a:schemeClr val="tx1"/>
+          </a:fontRef>
+        </p:style>
+      </p:cxnSp>
+      <p:grpSp>
+        <p:nvGrpSpPr>
+          <p:cNvPr id="84" name="Group 83"/>
+          <p:cNvGrpSpPr/>
+          <p:nvPr/>
+        </p:nvGrpSpPr>
+        <p:grpSpPr>
+          <a:xfrm>
+            <a:off x="1295400" y="2895601"/>
+            <a:ext cx="6096000" cy="1066799"/>
+            <a:chOff x="1295400" y="1676401"/>
+            <a:chExt cx="6096000" cy="1066799"/>
+          </a:xfrm>
+        </p:grpSpPr>
+        <p:grpSp>
+          <p:nvGrpSpPr>
+            <p:cNvPr id="85" name="Group 36"/>
+            <p:cNvGrpSpPr/>
+            <p:nvPr/>
+          </p:nvGrpSpPr>
+          <p:grpSpPr>
+            <a:xfrm>
+              <a:off x="1295400" y="1752600"/>
+              <a:ext cx="6096000" cy="990600"/>
+              <a:chOff x="1295400" y="1752600"/>
+              <a:chExt cx="6096000" cy="1181100"/>
+            </a:xfrm>
+          </p:grpSpPr>
+          <p:sp>
+            <p:nvSpPr>
+              <p:cNvPr id="87" name="Rounded Rectangle 86"/>
+              <p:cNvSpPr/>
+              <p:nvPr/>
+            </p:nvSpPr>
+            <p:spPr>
+              <a:xfrm>
+                <a:off x="1295400" y="2171700"/>
+                <a:ext cx="1447800" cy="762000"/>
+              </a:xfrm>
+              <a:prstGeom prst="roundRect">
+                <a:avLst/>
+              </a:prstGeom>
+            </p:spPr>
+            <p:style>
+              <a:lnRef idx="2">
+                <a:schemeClr val="accent2"/>
+              </a:lnRef>
+              <a:fillRef idx="1">
+                <a:schemeClr val="lt1"/>
+              </a:fillRef>
+              <a:effectRef idx="0">
+                <a:schemeClr val="accent2"/>
+              </a:effectRef>
+              <a:fontRef idx="minor">
+                <a:schemeClr val="dk1"/>
+              </a:fontRef>
+            </p:style>
+            <p:txBody>
+              <a:bodyPr rtlCol="0" anchor="ctr"/>
+              <a:lstStyle/>
+              <a:p>
+                <a:pPr algn="ctr"/>
+                <a:r>
+                  <a:rPr lang="en-IN" dirty="0" smtClean="0"/>
+                  <a:t>PRODUCER</a:t>
+                </a:r>
+                <a:endParaRPr lang="en-US" dirty="0"/>
+              </a:p>
+            </p:txBody>
+          </p:sp>
+          <p:sp>
+            <p:nvSpPr>
+              <p:cNvPr id="88" name="Rounded Rectangle 87"/>
+              <p:cNvSpPr/>
+              <p:nvPr/>
+            </p:nvSpPr>
+            <p:spPr>
+              <a:xfrm>
+                <a:off x="5943600" y="2171700"/>
+                <a:ext cx="1447800" cy="762000"/>
+              </a:xfrm>
+              <a:prstGeom prst="roundRect">
+                <a:avLst/>
+              </a:prstGeom>
+            </p:spPr>
+            <p:style>
+              <a:lnRef idx="2">
+                <a:schemeClr val="accent2"/>
+              </a:lnRef>
+              <a:fillRef idx="1">
+                <a:schemeClr val="lt1"/>
+              </a:fillRef>
+              <a:effectRef idx="0">
+                <a:schemeClr val="accent2"/>
+              </a:effectRef>
+              <a:fontRef idx="minor">
+                <a:schemeClr val="dk1"/>
+              </a:fontRef>
+            </p:style>
+            <p:txBody>
+              <a:bodyPr rtlCol="0" anchor="ctr"/>
+              <a:lstStyle/>
+              <a:p>
+                <a:pPr algn="ctr"/>
+                <a:r>
+                  <a:rPr lang="en-IN" dirty="0" smtClean="0"/>
+                  <a:t>CONSUMER</a:t>
+                </a:r>
+                <a:endParaRPr lang="en-US" dirty="0"/>
+              </a:p>
+            </p:txBody>
+          </p:sp>
+          <p:sp>
+            <p:nvSpPr>
+              <p:cNvPr id="89" name="Rectangle 88"/>
+              <p:cNvSpPr/>
+              <p:nvPr/>
+            </p:nvSpPr>
+            <p:spPr>
+              <a:xfrm>
+                <a:off x="3200400" y="1752600"/>
+                <a:ext cx="533400" cy="381000"/>
+              </a:xfrm>
+              <a:prstGeom prst="rect">
+                <a:avLst/>
+              </a:prstGeom>
+            </p:spPr>
+            <p:style>
+              <a:lnRef idx="2">
+                <a:schemeClr val="accent3"/>
+              </a:lnRef>
+              <a:fillRef idx="1">
+                <a:schemeClr val="lt1"/>
+              </a:fillRef>
+              <a:effectRef idx="0">
+                <a:schemeClr val="accent3"/>
+              </a:effectRef>
+              <a:fontRef idx="minor">
+                <a:schemeClr val="dk1"/>
+              </a:fontRef>
+            </p:style>
+            <p:txBody>
+              <a:bodyPr rtlCol="0" anchor="ctr"/>
+              <a:lstStyle/>
+              <a:p>
+                <a:pPr algn="ctr"/>
+                <a:endParaRPr lang="en-US" dirty="0"/>
+              </a:p>
+            </p:txBody>
+          </p:sp>
+          <p:sp>
+            <p:nvSpPr>
+              <p:cNvPr id="90" name="Rectangle 89"/>
+              <p:cNvSpPr/>
+              <p:nvPr/>
+            </p:nvSpPr>
+            <p:spPr>
+              <a:xfrm>
+                <a:off x="3810000" y="1752600"/>
+                <a:ext cx="533400" cy="381000"/>
+              </a:xfrm>
+              <a:prstGeom prst="rect">
+                <a:avLst/>
+              </a:prstGeom>
+            </p:spPr>
+            <p:style>
+              <a:lnRef idx="2">
+                <a:schemeClr val="accent3"/>
+              </a:lnRef>
+              <a:fillRef idx="1">
+                <a:schemeClr val="lt1"/>
+              </a:fillRef>
+              <a:effectRef idx="0">
+                <a:schemeClr val="accent3"/>
+              </a:effectRef>
+              <a:fontRef idx="minor">
+                <a:schemeClr val="dk1"/>
+              </a:fontRef>
+            </p:style>
+            <p:txBody>
+              <a:bodyPr rtlCol="0" anchor="ctr"/>
+              <a:lstStyle/>
+              <a:p>
+                <a:pPr algn="ctr"/>
+                <a:r>
+                  <a:rPr lang="en-IN" dirty="0" smtClean="0"/>
+                  <a:t>2</a:t>
+                </a:r>
+                <a:endParaRPr lang="en-US" dirty="0"/>
+              </a:p>
+            </p:txBody>
+          </p:sp>
+          <p:sp>
+            <p:nvSpPr>
+              <p:cNvPr id="91" name="Rectangle 90"/>
+              <p:cNvSpPr/>
+              <p:nvPr/>
+            </p:nvSpPr>
+            <p:spPr>
+              <a:xfrm>
+                <a:off x="4419600" y="1752600"/>
+                <a:ext cx="533400" cy="381000"/>
+              </a:xfrm>
+              <a:prstGeom prst="rect">
+                <a:avLst/>
+              </a:prstGeom>
+            </p:spPr>
+            <p:style>
+              <a:lnRef idx="2">
+                <a:schemeClr val="accent3"/>
+              </a:lnRef>
+              <a:fillRef idx="1">
+                <a:schemeClr val="lt1"/>
+              </a:fillRef>
+              <a:effectRef idx="0">
+                <a:schemeClr val="accent3"/>
+              </a:effectRef>
+              <a:fontRef idx="minor">
+                <a:schemeClr val="dk1"/>
+              </a:fontRef>
+            </p:style>
+            <p:txBody>
+              <a:bodyPr rtlCol="0" anchor="ctr"/>
+              <a:lstStyle/>
+              <a:p>
+                <a:pPr algn="ctr"/>
+                <a:r>
+                  <a:rPr lang="en-IN" dirty="0" smtClean="0"/>
+                  <a:t>3</a:t>
+                </a:r>
+                <a:endParaRPr lang="en-US" dirty="0"/>
+              </a:p>
+            </p:txBody>
+          </p:sp>
+          <p:sp>
+            <p:nvSpPr>
+              <p:cNvPr id="92" name="Rectangle 91"/>
+              <p:cNvSpPr/>
+              <p:nvPr/>
+            </p:nvSpPr>
+            <p:spPr>
+              <a:xfrm>
+                <a:off x="5029200" y="1752600"/>
+                <a:ext cx="533400" cy="381000"/>
+              </a:xfrm>
+              <a:prstGeom prst="rect">
+                <a:avLst/>
+              </a:prstGeom>
+            </p:spPr>
+            <p:style>
+              <a:lnRef idx="2">
+                <a:schemeClr val="accent3"/>
+              </a:lnRef>
+              <a:fillRef idx="1">
+                <a:schemeClr val="lt1"/>
+              </a:fillRef>
+              <a:effectRef idx="0">
+                <a:schemeClr val="accent3"/>
+              </a:effectRef>
+              <a:fontRef idx="minor">
+                <a:schemeClr val="dk1"/>
+              </a:fontRef>
+            </p:style>
+            <p:txBody>
+              <a:bodyPr rtlCol="0" anchor="ctr"/>
+              <a:lstStyle/>
+              <a:p>
+                <a:pPr algn="ctr"/>
+                <a:r>
+                  <a:rPr lang="en-IN" dirty="0" smtClean="0"/>
+                  <a:t>4</a:t>
+                </a:r>
+                <a:endParaRPr lang="en-US" dirty="0"/>
+              </a:p>
+            </p:txBody>
+          </p:sp>
+        </p:grpSp>
+        <p:sp>
+          <p:nvSpPr>
+            <p:cNvPr id="86" name="Rounded Rectangle 85"/>
+            <p:cNvSpPr/>
+            <p:nvPr/>
+          </p:nvSpPr>
+          <p:spPr>
+            <a:xfrm>
+              <a:off x="1524000" y="1676401"/>
+              <a:ext cx="838200" cy="304799"/>
+            </a:xfrm>
+            <a:prstGeom prst="roundRect">
+              <a:avLst/>
+            </a:prstGeom>
+          </p:spPr>
+          <p:style>
+            <a:lnRef idx="1">
+              <a:schemeClr val="accent6"/>
+            </a:lnRef>
+            <a:fillRef idx="2">
+              <a:schemeClr val="accent6"/>
+            </a:fillRef>
+            <a:effectRef idx="1">
+              <a:schemeClr val="accent6"/>
+            </a:effectRef>
+            <a:fontRef idx="minor">
+              <a:schemeClr val="dk1"/>
+            </a:fontRef>
+          </p:style>
+          <p:txBody>
+            <a:bodyPr rtlCol="0" anchor="ctr"/>
+            <a:lstStyle/>
+            <a:p>
+              <a:pPr algn="ctr"/>
+              <a:r>
+                <a:rPr lang="en-IN" dirty="0" smtClean="0"/>
+                <a:t>Wait</a:t>
+              </a:r>
+              <a:endParaRPr lang="en-US" dirty="0"/>
+            </a:p>
+          </p:txBody>
+        </p:sp>
+      </p:grpSp>
+      <p:cxnSp>
+        <p:nvCxnSpPr>
+          <p:cNvPr id="93" name="Shape 92"/>
+          <p:cNvCxnSpPr>
+            <a:stCxn id="90" idx="2"/>
+          </p:cNvCxnSpPr>
+          <p:nvPr/>
+        </p:nvCxnSpPr>
+        <p:spPr>
+          <a:xfrm rot="16200000" flipH="1">
+            <a:off x="4834398" y="2533650"/>
+            <a:ext cx="351504" cy="1866900"/>
+          </a:xfrm>
+          <a:prstGeom prst="bentConnector2">
+            <a:avLst/>
+          </a:prstGeom>
+          <a:ln>
+            <a:tailEnd type="arrow"/>
+          </a:ln>
+        </p:spPr>
+        <p:style>
+          <a:lnRef idx="2">
+            <a:schemeClr val="dk1"/>
+          </a:lnRef>
+          <a:fillRef idx="0">
+            <a:schemeClr val="dk1"/>
+          </a:fillRef>
+          <a:effectRef idx="1">
+            <a:schemeClr val="dk1"/>
+          </a:effectRef>
+          <a:fontRef idx="minor">
+            <a:schemeClr val="tx1"/>
+          </a:fontRef>
+        </p:style>
+      </p:cxnSp>
+      <p:grpSp>
+        <p:nvGrpSpPr>
+          <p:cNvPr id="109" name="Group 108"/>
+          <p:cNvGrpSpPr/>
+          <p:nvPr/>
+        </p:nvGrpSpPr>
+        <p:grpSpPr>
+          <a:xfrm>
+            <a:off x="1295400" y="4114801"/>
+            <a:ext cx="6096000" cy="1066799"/>
+            <a:chOff x="1295400" y="4114801"/>
+            <a:chExt cx="6096000" cy="1066799"/>
+          </a:xfrm>
+        </p:grpSpPr>
+        <p:grpSp>
+          <p:nvGrpSpPr>
+            <p:cNvPr id="95" name="Group 94"/>
+            <p:cNvGrpSpPr/>
+            <p:nvPr/>
+          </p:nvGrpSpPr>
+          <p:grpSpPr>
+            <a:xfrm>
+              <a:off x="1295400" y="4114801"/>
+              <a:ext cx="6096000" cy="1066799"/>
+              <a:chOff x="1295400" y="1676401"/>
+              <a:chExt cx="6096000" cy="1066799"/>
+            </a:xfrm>
+          </p:grpSpPr>
+          <p:grpSp>
+            <p:nvGrpSpPr>
+              <p:cNvPr id="96" name="Group 36"/>
+              <p:cNvGrpSpPr/>
+              <p:nvPr/>
+            </p:nvGrpSpPr>
+            <p:grpSpPr>
+              <a:xfrm>
+                <a:off x="1295400" y="1752600"/>
+                <a:ext cx="6096000" cy="990600"/>
+                <a:chOff x="1295400" y="1752600"/>
+                <a:chExt cx="6096000" cy="1181100"/>
+              </a:xfrm>
+            </p:grpSpPr>
+            <p:sp>
+              <p:nvSpPr>
+                <p:cNvPr id="98" name="Rounded Rectangle 97"/>
+                <p:cNvSpPr/>
+                <p:nvPr/>
+              </p:nvSpPr>
+              <p:spPr>
+                <a:xfrm>
+                  <a:off x="1295400" y="2171700"/>
+                  <a:ext cx="1447800" cy="762000"/>
+                </a:xfrm>
+                <a:prstGeom prst="roundRect">
+                  <a:avLst/>
+                </a:prstGeom>
+              </p:spPr>
+              <p:style>
+                <a:lnRef idx="2">
+                  <a:schemeClr val="accent2"/>
+                </a:lnRef>
+                <a:fillRef idx="1">
+                  <a:schemeClr val="lt1"/>
+                </a:fillRef>
+                <a:effectRef idx="0">
+                  <a:schemeClr val="accent2"/>
+                </a:effectRef>
+                <a:fontRef idx="minor">
+                  <a:schemeClr val="dk1"/>
+                </a:fontRef>
+              </p:style>
+              <p:txBody>
+                <a:bodyPr rtlCol="0" anchor="ctr"/>
+                <a:lstStyle/>
+                <a:p>
+                  <a:pPr algn="ctr"/>
+                  <a:r>
+                    <a:rPr lang="en-IN" dirty="0" smtClean="0"/>
+                    <a:t>PRODUCER</a:t>
+                  </a:r>
+                  <a:endParaRPr lang="en-US" dirty="0"/>
+                </a:p>
+              </p:txBody>
+            </p:sp>
+            <p:sp>
+              <p:nvSpPr>
+                <p:cNvPr id="99" name="Rounded Rectangle 98"/>
+                <p:cNvSpPr/>
+                <p:nvPr/>
+              </p:nvSpPr>
+              <p:spPr>
+                <a:xfrm>
+                  <a:off x="5943600" y="2171700"/>
+                  <a:ext cx="1447800" cy="762000"/>
+                </a:xfrm>
+                <a:prstGeom prst="roundRect">
+                  <a:avLst/>
+                </a:prstGeom>
+              </p:spPr>
+              <p:style>
+                <a:lnRef idx="2">
+                  <a:schemeClr val="accent2"/>
+                </a:lnRef>
+                <a:fillRef idx="1">
+                  <a:schemeClr val="lt1"/>
+                </a:fillRef>
+                <a:effectRef idx="0">
+                  <a:schemeClr val="accent2"/>
+                </a:effectRef>
+                <a:fontRef idx="minor">
+                  <a:schemeClr val="dk1"/>
+                </a:fontRef>
+              </p:style>
+              <p:txBody>
+                <a:bodyPr rtlCol="0" anchor="ctr"/>
+                <a:lstStyle/>
+                <a:p>
+                  <a:pPr algn="ctr"/>
+                  <a:r>
+                    <a:rPr lang="en-IN" dirty="0" smtClean="0"/>
+                    <a:t>CONSUMER</a:t>
+                  </a:r>
+                  <a:endParaRPr lang="en-US" dirty="0"/>
+                </a:p>
+              </p:txBody>
+            </p:sp>
+            <p:sp>
+              <p:nvSpPr>
+                <p:cNvPr id="100" name="Rectangle 99"/>
+                <p:cNvSpPr/>
+                <p:nvPr/>
+              </p:nvSpPr>
+              <p:spPr>
+                <a:xfrm>
+                  <a:off x="3200400" y="1752600"/>
+                  <a:ext cx="533400" cy="381000"/>
+                </a:xfrm>
+                <a:prstGeom prst="rect">
+                  <a:avLst/>
+                </a:prstGeom>
+              </p:spPr>
+              <p:style>
+                <a:lnRef idx="2">
+                  <a:schemeClr val="accent3"/>
+                </a:lnRef>
+                <a:fillRef idx="1">
+                  <a:schemeClr val="lt1"/>
+                </a:fillRef>
+                <a:effectRef idx="0">
+                  <a:schemeClr val="accent3"/>
+                </a:effectRef>
+                <a:fontRef idx="minor">
+                  <a:schemeClr val="dk1"/>
+                </a:fontRef>
+              </p:style>
+              <p:txBody>
+                <a:bodyPr rtlCol="0" anchor="ctr"/>
+                <a:lstStyle/>
+                <a:p>
+                  <a:pPr algn="ctr"/>
+                  <a:endParaRPr lang="en-US" dirty="0"/>
+                </a:p>
+              </p:txBody>
+            </p:sp>
+            <p:sp>
+              <p:nvSpPr>
+                <p:cNvPr id="101" name="Rectangle 100"/>
+                <p:cNvSpPr/>
+                <p:nvPr/>
+              </p:nvSpPr>
+              <p:spPr>
+                <a:xfrm>
+                  <a:off x="3810000" y="1752600"/>
+                  <a:ext cx="533400" cy="381000"/>
+                </a:xfrm>
+                <a:prstGeom prst="rect">
+                  <a:avLst/>
+                </a:prstGeom>
+              </p:spPr>
+              <p:style>
+                <a:lnRef idx="2">
+                  <a:schemeClr val="accent3"/>
+                </a:lnRef>
+                <a:fillRef idx="1">
+                  <a:schemeClr val="lt1"/>
+                </a:fillRef>
+                <a:effectRef idx="0">
+                  <a:schemeClr val="accent3"/>
+                </a:effectRef>
+                <a:fontRef idx="minor">
+                  <a:schemeClr val="dk1"/>
+                </a:fontRef>
+              </p:style>
+              <p:txBody>
+                <a:bodyPr rtlCol="0" anchor="ctr"/>
+                <a:lstStyle/>
+                <a:p>
+                  <a:pPr algn="ctr"/>
+                  <a:endParaRPr lang="en-US" dirty="0"/>
+                </a:p>
+              </p:txBody>
+            </p:sp>
+            <p:sp>
+              <p:nvSpPr>
+                <p:cNvPr id="102" name="Rectangle 101"/>
+                <p:cNvSpPr/>
+                <p:nvPr/>
+              </p:nvSpPr>
+              <p:spPr>
+                <a:xfrm>
+                  <a:off x="4419600" y="1752600"/>
+                  <a:ext cx="533400" cy="381000"/>
+                </a:xfrm>
+                <a:prstGeom prst="rect">
+                  <a:avLst/>
+                </a:prstGeom>
+              </p:spPr>
+              <p:style>
+                <a:lnRef idx="2">
+                  <a:schemeClr val="accent3"/>
+                </a:lnRef>
+                <a:fillRef idx="1">
+                  <a:schemeClr val="lt1"/>
+                </a:fillRef>
+                <a:effectRef idx="0">
+                  <a:schemeClr val="accent3"/>
+                </a:effectRef>
+                <a:fontRef idx="minor">
+                  <a:schemeClr val="dk1"/>
+                </a:fontRef>
+              </p:style>
+              <p:txBody>
+                <a:bodyPr rtlCol="0" anchor="ctr"/>
+                <a:lstStyle/>
+                <a:p>
+                  <a:pPr algn="ctr"/>
+                  <a:r>
+                    <a:rPr lang="en-IN" dirty="0" smtClean="0"/>
+                    <a:t>3</a:t>
+                  </a:r>
+                  <a:endParaRPr lang="en-US" dirty="0"/>
+                </a:p>
+              </p:txBody>
+            </p:sp>
+            <p:sp>
+              <p:nvSpPr>
+                <p:cNvPr id="103" name="Rectangle 102"/>
+                <p:cNvSpPr/>
+                <p:nvPr/>
+              </p:nvSpPr>
+              <p:spPr>
+                <a:xfrm>
+                  <a:off x="5029200" y="1752600"/>
+                  <a:ext cx="533400" cy="381000"/>
+                </a:xfrm>
+                <a:prstGeom prst="rect">
+                  <a:avLst/>
+                </a:prstGeom>
+              </p:spPr>
+              <p:style>
+                <a:lnRef idx="2">
+                  <a:schemeClr val="accent3"/>
+                </a:lnRef>
+                <a:fillRef idx="1">
+                  <a:schemeClr val="lt1"/>
+                </a:fillRef>
+                <a:effectRef idx="0">
+                  <a:schemeClr val="accent3"/>
+                </a:effectRef>
+                <a:fontRef idx="minor">
+                  <a:schemeClr val="dk1"/>
+                </a:fontRef>
+              </p:style>
+              <p:txBody>
+                <a:bodyPr rtlCol="0" anchor="ctr"/>
+                <a:lstStyle/>
+                <a:p>
+                  <a:pPr algn="ctr"/>
+                  <a:r>
+                    <a:rPr lang="en-IN" dirty="0" smtClean="0"/>
+                    <a:t>4</a:t>
+                  </a:r>
+                  <a:endParaRPr lang="en-US" dirty="0"/>
+                </a:p>
+              </p:txBody>
+            </p:sp>
+          </p:grpSp>
+          <p:sp>
+            <p:nvSpPr>
+              <p:cNvPr id="97" name="Rounded Rectangle 96"/>
+              <p:cNvSpPr/>
+              <p:nvPr/>
+            </p:nvSpPr>
+            <p:spPr>
+              <a:xfrm>
+                <a:off x="1524000" y="1676401"/>
+                <a:ext cx="838200" cy="304799"/>
+              </a:xfrm>
+              <a:prstGeom prst="roundRect">
+                <a:avLst/>
+              </a:prstGeom>
+            </p:spPr>
+            <p:style>
+              <a:lnRef idx="1">
+                <a:schemeClr val="accent6"/>
+              </a:lnRef>
+              <a:fillRef idx="2">
+                <a:schemeClr val="accent6"/>
+              </a:fillRef>
+              <a:effectRef idx="1">
+                <a:schemeClr val="accent6"/>
+              </a:effectRef>
+              <a:fontRef idx="minor">
+                <a:schemeClr val="dk1"/>
+              </a:fontRef>
+            </p:style>
+            <p:txBody>
+              <a:bodyPr rtlCol="0" anchor="ctr"/>
+              <a:lstStyle/>
+              <a:p>
+                <a:pPr algn="ctr"/>
+                <a:r>
+                  <a:rPr lang="en-IN" dirty="0" smtClean="0"/>
+                  <a:t>Wait</a:t>
+                </a:r>
+                <a:endParaRPr lang="en-US" dirty="0"/>
+              </a:p>
+            </p:txBody>
+          </p:sp>
+        </p:grpSp>
+        <p:cxnSp>
+          <p:nvCxnSpPr>
+            <p:cNvPr id="104" name="Shape 103"/>
+            <p:cNvCxnSpPr>
+              <a:stCxn id="102" idx="2"/>
+              <a:endCxn id="99" idx="1"/>
+            </p:cNvCxnSpPr>
+            <p:nvPr/>
+          </p:nvCxnSpPr>
+          <p:spPr>
+            <a:xfrm rot="16200000" flipH="1">
+              <a:off x="5139198" y="4057650"/>
+              <a:ext cx="351504" cy="1257300"/>
+            </a:xfrm>
+            <a:prstGeom prst="bentConnector2">
+              <a:avLst/>
+            </a:prstGeom>
+            <a:ln>
+              <a:tailEnd type="arrow"/>
+            </a:ln>
+          </p:spPr>
+          <p:style>
+            <a:lnRef idx="2">
+              <a:schemeClr val="dk1"/>
+            </a:lnRef>
+            <a:fillRef idx="0">
+              <a:schemeClr val="dk1"/>
+            </a:fillRef>
+            <a:effectRef idx="1">
+              <a:schemeClr val="dk1"/>
+            </a:effectRef>
+            <a:fontRef idx="minor">
+              <a:schemeClr val="tx1"/>
+            </a:fontRef>
+          </p:style>
+        </p:cxnSp>
+      </p:grpSp>
+      <p:grpSp>
+        <p:nvGrpSpPr>
+          <p:cNvPr id="110" name="Group 109"/>
+          <p:cNvGrpSpPr/>
+          <p:nvPr/>
+        </p:nvGrpSpPr>
+        <p:grpSpPr>
+          <a:xfrm>
+            <a:off x="1295400" y="5257800"/>
+            <a:ext cx="6096000" cy="1066799"/>
+            <a:chOff x="1295400" y="4114801"/>
+            <a:chExt cx="6096000" cy="1066799"/>
+          </a:xfrm>
+        </p:grpSpPr>
+        <p:grpSp>
+          <p:nvGrpSpPr>
+            <p:cNvPr id="111" name="Group 94"/>
+            <p:cNvGrpSpPr/>
+            <p:nvPr/>
+          </p:nvGrpSpPr>
+          <p:grpSpPr>
+            <a:xfrm>
+              <a:off x="1295400" y="4114801"/>
+              <a:ext cx="6096000" cy="1066799"/>
+              <a:chOff x="1295400" y="1676401"/>
+              <a:chExt cx="6096000" cy="1066799"/>
+            </a:xfrm>
+          </p:grpSpPr>
+          <p:grpSp>
+            <p:nvGrpSpPr>
+              <p:cNvPr id="113" name="Group 36"/>
+              <p:cNvGrpSpPr/>
+              <p:nvPr/>
+            </p:nvGrpSpPr>
+            <p:grpSpPr>
+              <a:xfrm>
+                <a:off x="1295400" y="1752600"/>
+                <a:ext cx="6096000" cy="990600"/>
+                <a:chOff x="1295400" y="1752600"/>
+                <a:chExt cx="6096000" cy="1181100"/>
+              </a:xfrm>
+            </p:grpSpPr>
+            <p:sp>
+              <p:nvSpPr>
+                <p:cNvPr id="115" name="Rounded Rectangle 114"/>
+                <p:cNvSpPr/>
+                <p:nvPr/>
+              </p:nvSpPr>
+              <p:spPr>
+                <a:xfrm>
+                  <a:off x="1295400" y="2171700"/>
+                  <a:ext cx="1447800" cy="762000"/>
+                </a:xfrm>
+                <a:prstGeom prst="roundRect">
+                  <a:avLst/>
+                </a:prstGeom>
+              </p:spPr>
+              <p:style>
+                <a:lnRef idx="2">
+                  <a:schemeClr val="accent2"/>
+                </a:lnRef>
+                <a:fillRef idx="1">
+                  <a:schemeClr val="lt1"/>
+                </a:fillRef>
+                <a:effectRef idx="0">
+                  <a:schemeClr val="accent2"/>
+                </a:effectRef>
+                <a:fontRef idx="minor">
+                  <a:schemeClr val="dk1"/>
+                </a:fontRef>
+              </p:style>
+              <p:txBody>
+                <a:bodyPr rtlCol="0" anchor="ctr"/>
+                <a:lstStyle/>
+                <a:p>
+                  <a:pPr algn="ctr"/>
+                  <a:r>
+                    <a:rPr lang="en-IN" dirty="0" smtClean="0"/>
+                    <a:t>PRODUCER</a:t>
+                  </a:r>
+                  <a:endParaRPr lang="en-US" dirty="0"/>
+                </a:p>
+              </p:txBody>
+            </p:sp>
+            <p:sp>
+              <p:nvSpPr>
+                <p:cNvPr id="116" name="Rounded Rectangle 115"/>
+                <p:cNvSpPr/>
+                <p:nvPr/>
+              </p:nvSpPr>
+              <p:spPr>
+                <a:xfrm>
+                  <a:off x="5943600" y="2171700"/>
+                  <a:ext cx="1447800" cy="762000"/>
+                </a:xfrm>
+                <a:prstGeom prst="roundRect">
+                  <a:avLst/>
+                </a:prstGeom>
+              </p:spPr>
+              <p:style>
+                <a:lnRef idx="2">
+                  <a:schemeClr val="accent2"/>
+                </a:lnRef>
+                <a:fillRef idx="1">
+                  <a:schemeClr val="lt1"/>
+                </a:fillRef>
+                <a:effectRef idx="0">
+                  <a:schemeClr val="accent2"/>
+                </a:effectRef>
+                <a:fontRef idx="minor">
+                  <a:schemeClr val="dk1"/>
+                </a:fontRef>
+              </p:style>
+              <p:txBody>
+                <a:bodyPr rtlCol="0" anchor="ctr"/>
+                <a:lstStyle/>
+                <a:p>
+                  <a:pPr algn="ctr"/>
+                  <a:r>
+                    <a:rPr lang="en-IN" dirty="0" smtClean="0"/>
+                    <a:t>CONSUMER</a:t>
+                  </a:r>
+                  <a:endParaRPr lang="en-US" dirty="0"/>
+                </a:p>
+              </p:txBody>
+            </p:sp>
+            <p:sp>
+              <p:nvSpPr>
+                <p:cNvPr id="117" name="Rectangle 116"/>
+                <p:cNvSpPr/>
+                <p:nvPr/>
+              </p:nvSpPr>
+              <p:spPr>
+                <a:xfrm>
+                  <a:off x="3200400" y="1752600"/>
+                  <a:ext cx="533400" cy="381000"/>
+                </a:xfrm>
+                <a:prstGeom prst="rect">
+                  <a:avLst/>
+                </a:prstGeom>
+              </p:spPr>
+              <p:style>
+                <a:lnRef idx="2">
+                  <a:schemeClr val="accent3"/>
+                </a:lnRef>
+                <a:fillRef idx="1">
+                  <a:schemeClr val="lt1"/>
+                </a:fillRef>
+                <a:effectRef idx="0">
+                  <a:schemeClr val="accent3"/>
+                </a:effectRef>
+                <a:fontRef idx="minor">
+                  <a:schemeClr val="dk1"/>
+                </a:fontRef>
+              </p:style>
+              <p:txBody>
+                <a:bodyPr rtlCol="0" anchor="ctr"/>
+                <a:lstStyle/>
+                <a:p>
+                  <a:pPr algn="ctr"/>
+                  <a:endParaRPr lang="en-US" dirty="0"/>
+                </a:p>
+              </p:txBody>
+            </p:sp>
+            <p:sp>
+              <p:nvSpPr>
+                <p:cNvPr id="118" name="Rectangle 117"/>
+                <p:cNvSpPr/>
+                <p:nvPr/>
+              </p:nvSpPr>
+              <p:spPr>
+                <a:xfrm>
+                  <a:off x="3810000" y="1752600"/>
+                  <a:ext cx="533400" cy="381000"/>
+                </a:xfrm>
+                <a:prstGeom prst="rect">
+                  <a:avLst/>
+                </a:prstGeom>
+              </p:spPr>
+              <p:style>
+                <a:lnRef idx="2">
+                  <a:schemeClr val="accent3"/>
+                </a:lnRef>
+                <a:fillRef idx="1">
+                  <a:schemeClr val="lt1"/>
+                </a:fillRef>
+                <a:effectRef idx="0">
+                  <a:schemeClr val="accent3"/>
+                </a:effectRef>
+                <a:fontRef idx="minor">
+                  <a:schemeClr val="dk1"/>
+                </a:fontRef>
+              </p:style>
+              <p:txBody>
+                <a:bodyPr rtlCol="0" anchor="ctr"/>
+                <a:lstStyle/>
+                <a:p>
+                  <a:pPr algn="ctr"/>
+                  <a:endParaRPr lang="en-US" dirty="0"/>
+                </a:p>
+              </p:txBody>
+            </p:sp>
+            <p:sp>
+              <p:nvSpPr>
+                <p:cNvPr id="119" name="Rectangle 118"/>
+                <p:cNvSpPr/>
+                <p:nvPr/>
+              </p:nvSpPr>
+              <p:spPr>
+                <a:xfrm>
+                  <a:off x="4419600" y="1752600"/>
+                  <a:ext cx="533400" cy="381000"/>
+                </a:xfrm>
+                <a:prstGeom prst="rect">
+                  <a:avLst/>
+                </a:prstGeom>
+              </p:spPr>
+              <p:style>
+                <a:lnRef idx="2">
+                  <a:schemeClr val="accent3"/>
+                </a:lnRef>
+                <a:fillRef idx="1">
+                  <a:schemeClr val="lt1"/>
+                </a:fillRef>
+                <a:effectRef idx="0">
+                  <a:schemeClr val="accent3"/>
+                </a:effectRef>
+                <a:fontRef idx="minor">
+                  <a:schemeClr val="dk1"/>
+                </a:fontRef>
+              </p:style>
+              <p:txBody>
+                <a:bodyPr rtlCol="0" anchor="ctr"/>
+                <a:lstStyle/>
+                <a:p>
+                  <a:pPr algn="ctr"/>
+                  <a:endParaRPr lang="en-US" dirty="0"/>
+                </a:p>
+              </p:txBody>
+            </p:sp>
+            <p:sp>
+              <p:nvSpPr>
+                <p:cNvPr id="120" name="Rectangle 119"/>
+                <p:cNvSpPr/>
+                <p:nvPr/>
+              </p:nvSpPr>
+              <p:spPr>
+                <a:xfrm>
+                  <a:off x="5029200" y="1752600"/>
+                  <a:ext cx="533400" cy="381000"/>
+                </a:xfrm>
+                <a:prstGeom prst="rect">
+                  <a:avLst/>
+                </a:prstGeom>
+              </p:spPr>
+              <p:style>
+                <a:lnRef idx="2">
+                  <a:schemeClr val="accent3"/>
+                </a:lnRef>
+                <a:fillRef idx="1">
+                  <a:schemeClr val="lt1"/>
+                </a:fillRef>
+                <a:effectRef idx="0">
+                  <a:schemeClr val="accent3"/>
+                </a:effectRef>
+                <a:fontRef idx="minor">
+                  <a:schemeClr val="dk1"/>
+                </a:fontRef>
+              </p:style>
+              <p:txBody>
+                <a:bodyPr rtlCol="0" anchor="ctr"/>
+                <a:lstStyle/>
+                <a:p>
+                  <a:pPr algn="ctr"/>
+                  <a:r>
+                    <a:rPr lang="en-IN" dirty="0" smtClean="0"/>
+                    <a:t>4</a:t>
+                  </a:r>
+                  <a:endParaRPr lang="en-US" dirty="0"/>
+                </a:p>
+              </p:txBody>
+            </p:sp>
+          </p:grpSp>
+          <p:sp>
+            <p:nvSpPr>
+              <p:cNvPr id="114" name="Rounded Rectangle 113"/>
+              <p:cNvSpPr/>
+              <p:nvPr/>
+            </p:nvSpPr>
+            <p:spPr>
+              <a:xfrm>
+                <a:off x="1524000" y="1676401"/>
+                <a:ext cx="838200" cy="304799"/>
+              </a:xfrm>
+              <a:prstGeom prst="roundRect">
+                <a:avLst/>
+              </a:prstGeom>
+            </p:spPr>
+            <p:style>
+              <a:lnRef idx="1">
+                <a:schemeClr val="accent6"/>
+              </a:lnRef>
+              <a:fillRef idx="2">
+                <a:schemeClr val="accent6"/>
+              </a:fillRef>
+              <a:effectRef idx="1">
+                <a:schemeClr val="accent6"/>
+              </a:effectRef>
+              <a:fontRef idx="minor">
+                <a:schemeClr val="dk1"/>
+              </a:fontRef>
+            </p:style>
+            <p:txBody>
+              <a:bodyPr rtlCol="0" anchor="ctr"/>
+              <a:lstStyle/>
+              <a:p>
+                <a:pPr algn="ctr"/>
+                <a:r>
+                  <a:rPr lang="en-IN" dirty="0" smtClean="0"/>
+                  <a:t>Wait</a:t>
+                </a:r>
+                <a:endParaRPr lang="en-US" dirty="0"/>
+              </a:p>
+            </p:txBody>
+          </p:sp>
+        </p:grpSp>
+        <p:cxnSp>
+          <p:nvCxnSpPr>
+            <p:cNvPr id="112" name="Shape 111"/>
+            <p:cNvCxnSpPr>
+              <a:stCxn id="120" idx="2"/>
+              <a:endCxn id="116" idx="1"/>
+            </p:cNvCxnSpPr>
+            <p:nvPr/>
+          </p:nvCxnSpPr>
+          <p:spPr>
+            <a:xfrm rot="16200000" flipH="1">
+              <a:off x="5443998" y="4362450"/>
+              <a:ext cx="351504" cy="647700"/>
+            </a:xfrm>
+            <a:prstGeom prst="bentConnector2">
+              <a:avLst/>
+            </a:prstGeom>
+            <a:ln>
+              <a:tailEnd type="arrow"/>
+            </a:ln>
+          </p:spPr>
+          <p:style>
+            <a:lnRef idx="2">
+              <a:schemeClr val="dk1"/>
+            </a:lnRef>
+            <a:fillRef idx="0">
+              <a:schemeClr val="dk1"/>
+            </a:fillRef>
+            <a:effectRef idx="1">
+              <a:schemeClr val="dk1"/>
+            </a:effectRef>
+            <a:fontRef idx="minor">
+              <a:schemeClr val="tx1"/>
+            </a:fontRef>
+          </p:style>
+        </p:cxnSp>
+      </p:grpSp>
+    </p:spTree>
+  </p:cSld>
+  <p:clrMapOvr>
+    <a:masterClrMapping/>
+  </p:clrMapOvr>
+  <p:timing>
+    <p:tnLst>
+      <p:par>
+        <p:cTn id="1" dur="indefinite" restart="never" nodeType="tmRoot"/>
+      </p:par>
+    </p:tnLst>
+  </p:timing>
+</p:sld>
+</file>
+
+<file path=ppt/slides/slide28.xml><?xml version="1.0" encoding="utf-8"?>
+<p:sld xmlns:a="http://schemas.openxmlformats.org/drawingml/2006/main" xmlns:r="http://schemas.openxmlformats.org/officeDocument/2006/relationships" xmlns:p="http://schemas.openxmlformats.org/presentationml/2006/main">
+  <p:cSld>
+    <p:spTree>
+      <p:nvGrpSpPr>
+        <p:cNvPr id="1" name=""/>
+        <p:cNvGrpSpPr/>
+        <p:nvPr/>
+      </p:nvGrpSpPr>
+      <p:grpSpPr>
+        <a:xfrm>
+          <a:off x="0" y="0"/>
+          <a:ext cx="0" cy="0"/>
+          <a:chOff x="0" y="0"/>
+          <a:chExt cx="0" cy="0"/>
+        </a:xfrm>
+      </p:grpSpPr>
+      <p:sp>
+        <p:nvSpPr>
+          <p:cNvPr id="2" name="Title 1"/>
+          <p:cNvSpPr>
+            <a:spLocks noGrp="1"/>
+          </p:cNvSpPr>
+          <p:nvPr>
+            <p:ph type="title"/>
+          </p:nvPr>
+        </p:nvSpPr>
+        <p:spPr/>
+        <p:txBody>
+          <a:bodyPr/>
+          <a:lstStyle/>
+          <a:p>
+            <a:r>
+              <a:rPr lang="en-IN" dirty="0" smtClean="0"/>
+              <a:t>Examples</a:t>
+            </a:r>
+            <a:endParaRPr lang="en-US" dirty="0"/>
+          </a:p>
+        </p:txBody>
+      </p:sp>
+      <p:sp>
+        <p:nvSpPr>
+          <p:cNvPr id="3" name="Content Placeholder 2"/>
+          <p:cNvSpPr>
+            <a:spLocks noGrp="1"/>
+          </p:cNvSpPr>
+          <p:nvPr>
+            <p:ph idx="1"/>
+          </p:nvPr>
+        </p:nvSpPr>
+        <p:spPr/>
+        <p:txBody>
+          <a:bodyPr/>
+          <a:lstStyle/>
+          <a:p>
+            <a:endParaRPr lang="en-US"/>
+          </a:p>
+        </p:txBody>
+      </p:sp>
+    </p:spTree>
+  </p:cSld>
+  <p:clrMapOvr>
+    <a:masterClrMapping/>
+  </p:clrMapOvr>
+  <p:timing>
+    <p:tnLst>
+      <p:par>
+        <p:cTn id="1" dur="indefinite" restart="never" nodeType="tmRoot"/>
+      </p:par>
+    </p:tnLst>
+  </p:timing>
+</p:sld>
+</file>
+
+<file path=ppt/slides/slide29.xml><?xml version="1.0" encoding="utf-8"?>
+<p:sld xmlns:a="http://schemas.openxmlformats.org/drawingml/2006/main" xmlns:r="http://schemas.openxmlformats.org/officeDocument/2006/relationships" xmlns:p="http://schemas.openxmlformats.org/presentationml/2006/main">
+  <p:cSld>
+    <p:spTree>
+      <p:nvGrpSpPr>
+        <p:cNvPr id="1" name=""/>
+        <p:cNvGrpSpPr/>
+        <p:nvPr/>
+      </p:nvGrpSpPr>
+      <p:grpSpPr>
+        <a:xfrm>
+          <a:off x="0" y="0"/>
+          <a:ext cx="0" cy="0"/>
+          <a:chOff x="0" y="0"/>
+          <a:chExt cx="0" cy="0"/>
+        </a:xfrm>
+      </p:grpSpPr>
+      <p:sp>
+        <p:nvSpPr>
+          <p:cNvPr id="2" name="Title 1"/>
+          <p:cNvSpPr>
+            <a:spLocks noGrp="1"/>
+          </p:cNvSpPr>
+          <p:nvPr>
+            <p:ph type="title"/>
+          </p:nvPr>
+        </p:nvSpPr>
+        <p:spPr/>
+        <p:txBody>
+          <a:bodyPr/>
+          <a:lstStyle/>
+          <a:p>
+            <a:r>
+              <a:rPr lang="en-IN" dirty="0" smtClean="0"/>
+              <a:t>Demon Thread</a:t>
+            </a:r>
+            <a:endParaRPr lang="en-US" dirty="0"/>
+          </a:p>
+        </p:txBody>
+      </p:sp>
+      <p:sp>
+        <p:nvSpPr>
+          <p:cNvPr id="3" name="Content Placeholder 2"/>
+          <p:cNvSpPr>
+            <a:spLocks noGrp="1"/>
+          </p:cNvSpPr>
+          <p:nvPr>
+            <p:ph idx="1"/>
+          </p:nvPr>
+        </p:nvSpPr>
+        <p:spPr/>
+        <p:txBody>
+          <a:bodyPr/>
+          <a:lstStyle/>
+          <a:p>
+            <a:r>
+              <a:rPr lang="en-US" b="1" dirty="0" smtClean="0"/>
+              <a:t>Daemon thread in java</a:t>
+            </a:r>
+            <a:r>
+              <a:rPr lang="en-US" dirty="0" smtClean="0"/>
+              <a:t> is a service provider thread that provides services to the user thread. </a:t>
+            </a:r>
+            <a:endParaRPr lang="en-US" dirty="0" smtClean="0"/>
+          </a:p>
+          <a:p>
+            <a:r>
+              <a:rPr lang="en-US" dirty="0" smtClean="0"/>
+              <a:t>It </a:t>
+            </a:r>
+            <a:r>
+              <a:rPr lang="en-US" dirty="0" smtClean="0"/>
+              <a:t>provides services to user threads for background supporting tasks. It has no role in life than to serve user threads.</a:t>
+            </a:r>
+          </a:p>
+          <a:p>
+            <a:r>
+              <a:rPr lang="en-US" dirty="0" smtClean="0"/>
+              <a:t>Its life depends on user threads.</a:t>
+            </a:r>
+          </a:p>
+          <a:p>
+            <a:r>
+              <a:rPr lang="en-US" dirty="0" smtClean="0"/>
+              <a:t>It is a low priority thread</a:t>
+            </a:r>
+            <a:r>
+              <a:rPr lang="en-US" dirty="0" smtClean="0"/>
+              <a:t>.</a:t>
+            </a:r>
+            <a:endParaRPr lang="en-US" dirty="0" smtClean="0"/>
+          </a:p>
+        </p:txBody>
+      </p:sp>
+    </p:spTree>
+  </p:cSld>
+  <p:clrMapOvr>
+    <a:masterClrMapping/>
+  </p:clrMapOvr>
+</p:sld>
+</file>
+
 <file path=ppt/slides/slide3.xml><?xml version="1.0" encoding="utf-8"?>
 <p:sld xmlns:a="http://schemas.openxmlformats.org/drawingml/2006/main" xmlns:r="http://schemas.openxmlformats.org/officeDocument/2006/relationships" xmlns:p="http://schemas.openxmlformats.org/presentationml/2006/main">
   <p:cSld>
@@ -4886,6 +9742,382 @@
               <a:rPr lang="en-IN" dirty="0" smtClean="0"/>
               <a:t>If one process waits for I/O then context switch is performed and other process is executed.</a:t>
             </a:r>
+          </a:p>
+        </p:txBody>
+      </p:sp>
+    </p:spTree>
+  </p:cSld>
+  <p:clrMapOvr>
+    <a:masterClrMapping/>
+  </p:clrMapOvr>
+  <p:timing>
+    <p:tnLst>
+      <p:par>
+        <p:cTn id="1" dur="indefinite" restart="never" nodeType="tmRoot"/>
+      </p:par>
+    </p:tnLst>
+  </p:timing>
+</p:sld>
+</file>
+
+<file path=ppt/slides/slide30.xml><?xml version="1.0" encoding="utf-8"?>
+<p:sld xmlns:a="http://schemas.openxmlformats.org/drawingml/2006/main" xmlns:r="http://schemas.openxmlformats.org/officeDocument/2006/relationships" xmlns:p="http://schemas.openxmlformats.org/presentationml/2006/main">
+  <p:cSld>
+    <p:spTree>
+      <p:nvGrpSpPr>
+        <p:cNvPr id="1" name=""/>
+        <p:cNvGrpSpPr/>
+        <p:nvPr/>
+      </p:nvGrpSpPr>
+      <p:grpSpPr>
+        <a:xfrm>
+          <a:off x="0" y="0"/>
+          <a:ext cx="0" cy="0"/>
+          <a:chOff x="0" y="0"/>
+          <a:chExt cx="0" cy="0"/>
+        </a:xfrm>
+      </p:grpSpPr>
+      <p:sp>
+        <p:nvSpPr>
+          <p:cNvPr id="2" name="Title 1"/>
+          <p:cNvSpPr>
+            <a:spLocks noGrp="1"/>
+          </p:cNvSpPr>
+          <p:nvPr>
+            <p:ph type="title"/>
+          </p:nvPr>
+        </p:nvSpPr>
+        <p:spPr>
+          <a:xfrm>
+            <a:off x="457200" y="1981200"/>
+            <a:ext cx="8229600" cy="1143000"/>
+          </a:xfrm>
+        </p:spPr>
+        <p:txBody>
+          <a:bodyPr/>
+          <a:lstStyle/>
+          <a:p>
+            <a:r>
+              <a:rPr lang="en-US" dirty="0" smtClean="0"/>
+              <a:t>Thank You</a:t>
+            </a:r>
+            <a:endParaRPr lang="en-US" dirty="0"/>
+          </a:p>
+        </p:txBody>
+      </p:sp>
+      <p:sp>
+        <p:nvSpPr>
+          <p:cNvPr id="4" name="Subtitle 2"/>
+          <p:cNvSpPr txBox="1">
+            <a:spLocks/>
+          </p:cNvSpPr>
+          <p:nvPr/>
+        </p:nvSpPr>
+        <p:spPr>
+          <a:xfrm>
+            <a:off x="4038600" y="4191000"/>
+            <a:ext cx="4191000" cy="1752600"/>
+          </a:xfrm>
+          <a:prstGeom prst="rect">
+            <a:avLst/>
+          </a:prstGeom>
+        </p:spPr>
+        <p:txBody>
+          <a:bodyPr vert="horz" lIns="91440" tIns="45720" rIns="91440" bIns="45720" rtlCol="0">
+            <a:normAutofit fontScale="92500" lnSpcReduction="10000"/>
+          </a:bodyPr>
+          <a:lstStyle/>
+          <a:p>
+            <a:pPr marL="342900" marR="0" lvl="0" indent="-342900" algn="r" defTabSz="914400" rtl="0" eaLnBrk="1" fontAlgn="auto" latinLnBrk="0" hangingPunct="1">
+              <a:lnSpc>
+                <a:spcPct val="100000"/>
+              </a:lnSpc>
+              <a:spcBef>
+                <a:spcPct val="20000"/>
+              </a:spcBef>
+              <a:spcAft>
+                <a:spcPts val="0"/>
+              </a:spcAft>
+              <a:buClrTx/>
+              <a:buSzTx/>
+              <a:tabLst/>
+              <a:defRPr/>
+            </a:pPr>
+            <a:r>
+              <a:rPr kumimoji="0" lang="en-US" sz="2200" b="0" i="0" u="none" strike="noStrike" kern="1200" cap="none" spc="0" normalizeH="0" baseline="0" noProof="0" dirty="0" err="1" smtClean="0">
+                <a:ln>
+                  <a:noFill/>
+                </a:ln>
+                <a:solidFill>
+                  <a:schemeClr val="tx1"/>
+                </a:solidFill>
+                <a:effectLst/>
+                <a:uLnTx/>
+                <a:uFillTx/>
+                <a:latin typeface="Cambria" pitchFamily="18" charset="0"/>
+                <a:ea typeface="+mn-ea"/>
+                <a:cs typeface="+mn-cs"/>
+              </a:rPr>
+              <a:t>Rajasekaran</a:t>
+            </a:r>
+            <a:r>
+              <a:rPr kumimoji="0" lang="en-US" sz="2200" b="0" i="0" u="none" strike="noStrike" kern="1200" cap="none" spc="0" normalizeH="0" baseline="0" noProof="0" dirty="0" smtClean="0">
+                <a:ln>
+                  <a:noFill/>
+                </a:ln>
+                <a:solidFill>
+                  <a:schemeClr val="tx1"/>
+                </a:solidFill>
+                <a:effectLst/>
+                <a:uLnTx/>
+                <a:uFillTx/>
+                <a:latin typeface="Cambria" pitchFamily="18" charset="0"/>
+                <a:ea typeface="+mn-ea"/>
+                <a:cs typeface="+mn-cs"/>
+              </a:rPr>
+              <a:t> S</a:t>
+            </a:r>
+          </a:p>
+          <a:p>
+            <a:pPr marL="342900" marR="0" lvl="0" indent="-342900" algn="r" defTabSz="914400" rtl="0" eaLnBrk="1" fontAlgn="auto" latinLnBrk="0" hangingPunct="1">
+              <a:lnSpc>
+                <a:spcPct val="100000"/>
+              </a:lnSpc>
+              <a:spcBef>
+                <a:spcPct val="20000"/>
+              </a:spcBef>
+              <a:spcAft>
+                <a:spcPts val="0"/>
+              </a:spcAft>
+              <a:buClrTx/>
+              <a:buSzTx/>
+              <a:tabLst/>
+              <a:defRPr/>
+            </a:pPr>
+            <a:r>
+              <a:rPr kumimoji="0" lang="en-US" sz="1600" b="0" i="0" u="none" strike="noStrike" kern="1200" cap="none" spc="0" normalizeH="0" baseline="0" noProof="0" dirty="0" smtClean="0">
+                <a:ln>
+                  <a:noFill/>
+                </a:ln>
+                <a:solidFill>
+                  <a:schemeClr val="tx1"/>
+                </a:solidFill>
+                <a:effectLst/>
+                <a:uLnTx/>
+                <a:uFillTx/>
+                <a:latin typeface="Cambria" pitchFamily="18" charset="0"/>
+                <a:ea typeface="+mn-ea"/>
+                <a:cs typeface="+mn-cs"/>
+              </a:rPr>
+              <a:t>Assistant Professor,</a:t>
+            </a:r>
+          </a:p>
+          <a:p>
+            <a:pPr marL="342900" marR="0" lvl="0" indent="-342900" algn="r" defTabSz="914400" rtl="0" eaLnBrk="1" fontAlgn="auto" latinLnBrk="0" hangingPunct="1">
+              <a:lnSpc>
+                <a:spcPct val="100000"/>
+              </a:lnSpc>
+              <a:spcBef>
+                <a:spcPct val="20000"/>
+              </a:spcBef>
+              <a:spcAft>
+                <a:spcPts val="0"/>
+              </a:spcAft>
+              <a:buClrTx/>
+              <a:buSzTx/>
+              <a:tabLst/>
+              <a:defRPr/>
+            </a:pPr>
+            <a:r>
+              <a:rPr kumimoji="0" lang="en-US" sz="1600" b="0" i="0" u="none" strike="noStrike" kern="1200" cap="none" spc="0" normalizeH="0" baseline="0" noProof="0" dirty="0" smtClean="0">
+                <a:ln>
+                  <a:noFill/>
+                </a:ln>
+                <a:solidFill>
+                  <a:schemeClr val="tx1"/>
+                </a:solidFill>
+                <a:effectLst/>
+                <a:uLnTx/>
+                <a:uFillTx/>
+                <a:latin typeface="Cambria" pitchFamily="18" charset="0"/>
+                <a:ea typeface="+mn-ea"/>
+                <a:cs typeface="+mn-cs"/>
+              </a:rPr>
+              <a:t>Department of Information Technology,</a:t>
+            </a:r>
+          </a:p>
+          <a:p>
+            <a:pPr marL="342900" marR="0" lvl="0" indent="-342900" algn="r" defTabSz="914400" rtl="0" eaLnBrk="1" fontAlgn="auto" latinLnBrk="0" hangingPunct="1">
+              <a:lnSpc>
+                <a:spcPct val="100000"/>
+              </a:lnSpc>
+              <a:spcBef>
+                <a:spcPct val="20000"/>
+              </a:spcBef>
+              <a:spcAft>
+                <a:spcPts val="0"/>
+              </a:spcAft>
+              <a:buClrTx/>
+              <a:buSzTx/>
+              <a:tabLst/>
+              <a:defRPr/>
+            </a:pPr>
+            <a:r>
+              <a:rPr kumimoji="0" lang="en-US" sz="1600" b="0" i="0" u="none" strike="noStrike" kern="1200" cap="none" spc="0" normalizeH="0" baseline="0" noProof="0" dirty="0" err="1" smtClean="0">
+                <a:ln>
+                  <a:noFill/>
+                </a:ln>
+                <a:solidFill>
+                  <a:schemeClr val="tx1"/>
+                </a:solidFill>
+                <a:effectLst/>
+                <a:uLnTx/>
+                <a:uFillTx/>
+                <a:latin typeface="Cambria" pitchFamily="18" charset="0"/>
+                <a:ea typeface="+mn-ea"/>
+                <a:cs typeface="+mn-cs"/>
+              </a:rPr>
+              <a:t>KGiSL</a:t>
+            </a:r>
+            <a:r>
+              <a:rPr kumimoji="0" lang="en-US" sz="1600" b="0" i="0" u="none" strike="noStrike" kern="1200" cap="none" spc="0" normalizeH="0" baseline="0" noProof="0" dirty="0" smtClean="0">
+                <a:ln>
+                  <a:noFill/>
+                </a:ln>
+                <a:solidFill>
+                  <a:schemeClr val="tx1"/>
+                </a:solidFill>
+                <a:effectLst/>
+                <a:uLnTx/>
+                <a:uFillTx/>
+                <a:latin typeface="Cambria" pitchFamily="18" charset="0"/>
+                <a:ea typeface="+mn-ea"/>
+                <a:cs typeface="+mn-cs"/>
+              </a:rPr>
+              <a:t> Institute of Technology,</a:t>
+            </a:r>
+          </a:p>
+          <a:p>
+            <a:pPr marL="342900" marR="0" lvl="0" indent="-342900" algn="r" defTabSz="914400" rtl="0" eaLnBrk="1" fontAlgn="auto" latinLnBrk="0" hangingPunct="1">
+              <a:lnSpc>
+                <a:spcPct val="100000"/>
+              </a:lnSpc>
+              <a:spcBef>
+                <a:spcPct val="20000"/>
+              </a:spcBef>
+              <a:spcAft>
+                <a:spcPts val="0"/>
+              </a:spcAft>
+              <a:buClrTx/>
+              <a:buSzTx/>
+              <a:tabLst/>
+              <a:defRPr/>
+            </a:pPr>
+            <a:r>
+              <a:rPr kumimoji="0" lang="en-US" sz="1600" b="0" i="0" u="none" strike="noStrike" kern="1200" cap="none" spc="0" normalizeH="0" baseline="0" noProof="0" dirty="0" smtClean="0">
+                <a:ln>
+                  <a:noFill/>
+                </a:ln>
+                <a:solidFill>
+                  <a:schemeClr val="tx1"/>
+                </a:solidFill>
+                <a:effectLst/>
+                <a:uLnTx/>
+                <a:uFillTx/>
+                <a:latin typeface="Cambria" pitchFamily="18" charset="0"/>
+                <a:ea typeface="+mn-ea"/>
+                <a:cs typeface="+mn-cs"/>
+              </a:rPr>
+              <a:t>email: </a:t>
+            </a:r>
+            <a:r>
+              <a:rPr kumimoji="0" lang="en-US" sz="1600" b="0" i="0" u="none" strike="noStrike" kern="1200" cap="none" spc="0" normalizeH="0" baseline="0" noProof="0" dirty="0" smtClean="0">
+                <a:ln>
+                  <a:noFill/>
+                </a:ln>
+                <a:solidFill>
+                  <a:schemeClr val="tx1"/>
+                </a:solidFill>
+                <a:effectLst/>
+                <a:uLnTx/>
+                <a:uFillTx/>
+                <a:latin typeface="Cambria" pitchFamily="18" charset="0"/>
+                <a:ea typeface="+mn-ea"/>
+                <a:cs typeface="+mn-cs"/>
+                <a:hlinkClick r:id="rId2"/>
+              </a:rPr>
+              <a:t>proffraja@gmail.com</a:t>
+            </a:r>
+            <a:endParaRPr lang="en-US" sz="1600" dirty="0" smtClean="0">
+              <a:latin typeface="Cambria" pitchFamily="18" charset="0"/>
+            </a:endParaRPr>
+          </a:p>
+          <a:p>
+            <a:pPr marL="342900" marR="0" lvl="0" indent="-342900" algn="r" defTabSz="914400" rtl="0" eaLnBrk="1" fontAlgn="auto" latinLnBrk="0" hangingPunct="1">
+              <a:lnSpc>
+                <a:spcPct val="100000"/>
+              </a:lnSpc>
+              <a:spcBef>
+                <a:spcPct val="20000"/>
+              </a:spcBef>
+              <a:spcAft>
+                <a:spcPts val="0"/>
+              </a:spcAft>
+              <a:buClrTx/>
+              <a:buSzTx/>
+              <a:tabLst/>
+              <a:defRPr/>
+            </a:pPr>
+            <a:r>
+              <a:rPr lang="en-US" sz="1600" dirty="0" err="1" smtClean="0">
+                <a:latin typeface="Cambria" pitchFamily="18" charset="0"/>
+              </a:rPr>
+              <a:t>Github:</a:t>
+            </a:r>
+            <a:r>
+              <a:rPr lang="en-US" sz="1600" dirty="0" err="1" smtClean="0">
+                <a:latin typeface="Cambria" pitchFamily="18" charset="0"/>
+                <a:hlinkClick r:id="rId3"/>
+              </a:rPr>
+              <a:t>www.github.com</a:t>
+            </a:r>
+            <a:r>
+              <a:rPr lang="en-US" sz="1600" dirty="0" smtClean="0">
+                <a:latin typeface="Cambria" pitchFamily="18" charset="0"/>
+                <a:hlinkClick r:id="rId3"/>
+              </a:rPr>
+              <a:t>/</a:t>
+            </a:r>
+            <a:r>
+              <a:rPr lang="en-US" sz="1600" dirty="0" err="1" smtClean="0">
+                <a:latin typeface="Cambria" pitchFamily="18" charset="0"/>
+                <a:hlinkClick r:id="rId3"/>
+              </a:rPr>
+              <a:t>rajasekaranap</a:t>
+            </a:r>
+            <a:endParaRPr lang="en-US" sz="1600" dirty="0" smtClean="0">
+              <a:latin typeface="Cambria" pitchFamily="18" charset="0"/>
+            </a:endParaRPr>
+          </a:p>
+          <a:p>
+            <a:pPr marL="342900" marR="0" lvl="0" indent="-342900" algn="r" defTabSz="914400" rtl="0" eaLnBrk="1" fontAlgn="auto" latinLnBrk="0" hangingPunct="1">
+              <a:lnSpc>
+                <a:spcPct val="100000"/>
+              </a:lnSpc>
+              <a:spcBef>
+                <a:spcPct val="20000"/>
+              </a:spcBef>
+              <a:spcAft>
+                <a:spcPts val="0"/>
+              </a:spcAft>
+              <a:buClrTx/>
+              <a:buSzTx/>
+              <a:tabLst/>
+              <a:defRPr/>
+            </a:pPr>
+            <a:endParaRPr lang="en-US" sz="1600" dirty="0" smtClean="0">
+              <a:latin typeface="Cambria" pitchFamily="18" charset="0"/>
+            </a:endParaRPr>
           </a:p>
         </p:txBody>
       </p:sp>

--- a/Slides/Unit 4/CS8392-U4-Multithreading.pptx
+++ b/Slides/Unit 4/CS8392-U4-Multithreading.pptx
@@ -5,7 +5,7 @@
     <p:sldMasterId id="2147483648" r:id="rId1"/>
   </p:sldMasterIdLst>
   <p:notesMasterIdLst>
-    <p:notesMasterId r:id="rId32"/>
+    <p:notesMasterId r:id="rId34"/>
   </p:notesMasterIdLst>
   <p:sldIdLst>
     <p:sldId id="256" r:id="rId2"/>
@@ -37,7 +37,9 @@
     <p:sldId id="292" r:id="rId28"/>
     <p:sldId id="301" r:id="rId29"/>
     <p:sldId id="300" r:id="rId30"/>
-    <p:sldId id="272" r:id="rId31"/>
+    <p:sldId id="302" r:id="rId31"/>
+    <p:sldId id="303" r:id="rId32"/>
+    <p:sldId id="272" r:id="rId33"/>
   </p:sldIdLst>
   <p:sldSz cx="9144000" cy="6858000" type="screen4x3"/>
   <p:notesSz cx="6858000" cy="9144000"/>
@@ -222,7 +224,7 @@
             <a:fld id="{9515075B-F3F0-4441-A1BD-B7B515B708FF}" type="datetimeFigureOut">
               <a:rPr lang="en-US" smtClean="0"/>
               <a:pPr/>
-              <a:t>8/31/2018</a:t>
+              <a:t>9/4/2018</a:t>
             </a:fld>
             <a:endParaRPr lang="en-US"/>
           </a:p>
@@ -677,7 +679,7 @@
             <a:fld id="{6E658DF8-B8C0-4C7F-85EB-B53A2DDD44A9}" type="datetimeFigureOut">
               <a:rPr lang="en-US" smtClean="0"/>
               <a:pPr/>
-              <a:t>8/31/2018</a:t>
+              <a:t>9/4/2018</a:t>
             </a:fld>
             <a:endParaRPr lang="en-US"/>
           </a:p>
@@ -844,7 +846,7 @@
             <a:fld id="{6E658DF8-B8C0-4C7F-85EB-B53A2DDD44A9}" type="datetimeFigureOut">
               <a:rPr lang="en-US" smtClean="0"/>
               <a:pPr/>
-              <a:t>8/31/2018</a:t>
+              <a:t>9/4/2018</a:t>
             </a:fld>
             <a:endParaRPr lang="en-US"/>
           </a:p>
@@ -1021,7 +1023,7 @@
             <a:fld id="{6E658DF8-B8C0-4C7F-85EB-B53A2DDD44A9}" type="datetimeFigureOut">
               <a:rPr lang="en-US" smtClean="0"/>
               <a:pPr/>
-              <a:t>8/31/2018</a:t>
+              <a:t>9/4/2018</a:t>
             </a:fld>
             <a:endParaRPr lang="en-US"/>
           </a:p>
@@ -1220,7 +1222,7 @@
             <a:fld id="{6E658DF8-B8C0-4C7F-85EB-B53A2DDD44A9}" type="datetimeFigureOut">
               <a:rPr lang="en-US" smtClean="0"/>
               <a:pPr/>
-              <a:t>8/31/2018</a:t>
+              <a:t>9/4/2018</a:t>
             </a:fld>
             <a:endParaRPr lang="en-US"/>
           </a:p>
@@ -1463,7 +1465,7 @@
             <a:fld id="{6E658DF8-B8C0-4C7F-85EB-B53A2DDD44A9}" type="datetimeFigureOut">
               <a:rPr lang="en-US" smtClean="0"/>
               <a:pPr/>
-              <a:t>8/31/2018</a:t>
+              <a:t>9/4/2018</a:t>
             </a:fld>
             <a:endParaRPr lang="en-US"/>
           </a:p>
@@ -1748,7 +1750,7 @@
             <a:fld id="{6E658DF8-B8C0-4C7F-85EB-B53A2DDD44A9}" type="datetimeFigureOut">
               <a:rPr lang="en-US" smtClean="0"/>
               <a:pPr/>
-              <a:t>8/31/2018</a:t>
+              <a:t>9/4/2018</a:t>
             </a:fld>
             <a:endParaRPr lang="en-US"/>
           </a:p>
@@ -2167,7 +2169,7 @@
             <a:fld id="{6E658DF8-B8C0-4C7F-85EB-B53A2DDD44A9}" type="datetimeFigureOut">
               <a:rPr lang="en-US" smtClean="0"/>
               <a:pPr/>
-              <a:t>8/31/2018</a:t>
+              <a:t>9/4/2018</a:t>
             </a:fld>
             <a:endParaRPr lang="en-US"/>
           </a:p>
@@ -2282,7 +2284,7 @@
             <a:fld id="{6E658DF8-B8C0-4C7F-85EB-B53A2DDD44A9}" type="datetimeFigureOut">
               <a:rPr lang="en-US" smtClean="0"/>
               <a:pPr/>
-              <a:t>8/31/2018</a:t>
+              <a:t>9/4/2018</a:t>
             </a:fld>
             <a:endParaRPr lang="en-US"/>
           </a:p>
@@ -2374,7 +2376,7 @@
             <a:fld id="{6E658DF8-B8C0-4C7F-85EB-B53A2DDD44A9}" type="datetimeFigureOut">
               <a:rPr lang="en-US" smtClean="0"/>
               <a:pPr/>
-              <a:t>8/31/2018</a:t>
+              <a:t>9/4/2018</a:t>
             </a:fld>
             <a:endParaRPr lang="en-US"/>
           </a:p>
@@ -2648,7 +2650,7 @@
             <a:fld id="{6E658DF8-B8C0-4C7F-85EB-B53A2DDD44A9}" type="datetimeFigureOut">
               <a:rPr lang="en-US" smtClean="0"/>
               <a:pPr/>
-              <a:t>8/31/2018</a:t>
+              <a:t>9/4/2018</a:t>
             </a:fld>
             <a:endParaRPr lang="en-US"/>
           </a:p>
@@ -2898,7 +2900,7 @@
             <a:fld id="{6E658DF8-B8C0-4C7F-85EB-B53A2DDD44A9}" type="datetimeFigureOut">
               <a:rPr lang="en-US" smtClean="0"/>
               <a:pPr/>
-              <a:t>8/31/2018</a:t>
+              <a:t>9/4/2018</a:t>
             </a:fld>
             <a:endParaRPr lang="en-US"/>
           </a:p>
@@ -3114,7 +3116,7 @@
             <a:fld id="{6E658DF8-B8C0-4C7F-85EB-B53A2DDD44A9}" type="datetimeFigureOut">
               <a:rPr lang="en-US" smtClean="0"/>
               <a:pPr/>
-              <a:t>8/31/2018</a:t>
+              <a:t>9/4/2018</a:t>
             </a:fld>
             <a:endParaRPr lang="en-US"/>
           </a:p>
@@ -9507,7 +9509,7 @@
           <a:p>
             <a:r>
               <a:rPr lang="en-IN" dirty="0" smtClean="0"/>
-              <a:t>Examples</a:t>
+              <a:t>Demo</a:t>
             </a:r>
             <a:endParaRPr lang="en-US" dirty="0"/>
           </a:p>
@@ -9515,20 +9517,41 @@
       </p:sp>
       <p:sp>
         <p:nvSpPr>
-          <p:cNvPr id="3" name="Content Placeholder 2"/>
-          <p:cNvSpPr>
-            <a:spLocks noGrp="1"/>
-          </p:cNvSpPr>
-          <p:nvPr>
-            <p:ph idx="1"/>
-          </p:nvPr>
-        </p:nvSpPr>
-        <p:spPr/>
-        <p:txBody>
-          <a:bodyPr/>
+          <p:cNvPr id="4" name="Rectangle 3"/>
+          <p:cNvSpPr/>
+          <p:nvPr/>
+        </p:nvSpPr>
+        <p:spPr>
+          <a:xfrm>
+            <a:off x="533400" y="1905000"/>
+            <a:ext cx="6172200" cy="646331"/>
+          </a:xfrm>
+          <a:prstGeom prst="rect">
+            <a:avLst/>
+          </a:prstGeom>
+        </p:spPr>
+        <p:txBody>
+          <a:bodyPr wrap="square">
+            <a:spAutoFit/>
+          </a:bodyPr>
           <a:lstStyle/>
           <a:p>
-            <a:endParaRPr lang="en-US"/>
+            <a:pPr>
+              <a:buNone/>
+            </a:pPr>
+            <a:r>
+              <a:rPr lang="en-US" dirty="0" smtClean="0">
+                <a:hlinkClick r:id="rId2"/>
+              </a:rPr>
+              <a:t>https</a:t>
+            </a:r>
+            <a:r>
+              <a:rPr lang="en-US" dirty="0" smtClean="0">
+                <a:hlinkClick r:id="rId2"/>
+              </a:rPr>
+              <a:t>://github.com/rajasekaranap/CS8392-Workspace/tree/master/U4-ProduserConsumerWithSync</a:t>
+            </a:r>
+            <a:endParaRPr lang="en-US" dirty="0" smtClean="0"/>
           </a:p>
         </p:txBody>
       </p:sp>
@@ -9537,13 +9560,6 @@
   <p:clrMapOvr>
     <a:masterClrMapping/>
   </p:clrMapOvr>
-  <p:timing>
-    <p:tnLst>
-      <p:par>
-        <p:cTn id="1" dur="indefinite" restart="never" nodeType="tmRoot"/>
-      </p:par>
-    </p:tnLst>
-  </p:timing>
 </p:sld>
 </file>
 
@@ -9610,16 +9626,11 @@
               <a:rPr lang="en-US" dirty="0" smtClean="0"/>
               <a:t> is a service provider thread that provides services to the user thread. </a:t>
             </a:r>
-            <a:endParaRPr lang="en-US" dirty="0" smtClean="0"/>
           </a:p>
           <a:p>
             <a:r>
               <a:rPr lang="en-US" dirty="0" smtClean="0"/>
-              <a:t>It </a:t>
-            </a:r>
-            <a:r>
-              <a:rPr lang="en-US" dirty="0" smtClean="0"/>
-              <a:t>provides services to user threads for background supporting tasks. It has no role in life than to serve user threads.</a:t>
+              <a:t>It provides services to user threads for background supporting tasks. It has no role in life than to serve user threads.</a:t>
             </a:r>
           </a:p>
           <a:p>
@@ -9631,13 +9642,8 @@
           <a:p>
             <a:r>
               <a:rPr lang="en-US" dirty="0" smtClean="0"/>
-              <a:t>It is a low priority thread</a:t>
-            </a:r>
-            <a:r>
-              <a:rPr lang="en-US" dirty="0" smtClean="0"/>
-              <a:t>.</a:t>
-            </a:r>
-            <a:endParaRPr lang="en-US" dirty="0" smtClean="0"/>
+              <a:t>It is a low priority thread.</a:t>
+            </a:r>
           </a:p>
         </p:txBody>
       </p:sp>
@@ -9761,6 +9767,168 @@
 </file>
 
 <file path=ppt/slides/slide30.xml><?xml version="1.0" encoding="utf-8"?>
+<p:sld xmlns:a="http://schemas.openxmlformats.org/drawingml/2006/main" xmlns:r="http://schemas.openxmlformats.org/officeDocument/2006/relationships" xmlns:p="http://schemas.openxmlformats.org/presentationml/2006/main">
+  <p:cSld>
+    <p:spTree>
+      <p:nvGrpSpPr>
+        <p:cNvPr id="1" name=""/>
+        <p:cNvGrpSpPr/>
+        <p:nvPr/>
+      </p:nvGrpSpPr>
+      <p:grpSpPr>
+        <a:xfrm>
+          <a:off x="0" y="0"/>
+          <a:ext cx="0" cy="0"/>
+          <a:chOff x="0" y="0"/>
+          <a:chExt cx="0" cy="0"/>
+        </a:xfrm>
+      </p:grpSpPr>
+      <p:sp>
+        <p:nvSpPr>
+          <p:cNvPr id="2" name="Title 1"/>
+          <p:cNvSpPr>
+            <a:spLocks noGrp="1"/>
+          </p:cNvSpPr>
+          <p:nvPr>
+            <p:ph type="title"/>
+          </p:nvPr>
+        </p:nvSpPr>
+        <p:spPr/>
+        <p:txBody>
+          <a:bodyPr/>
+          <a:lstStyle/>
+          <a:p>
+            <a:r>
+              <a:rPr lang="en-IN" dirty="0" smtClean="0"/>
+              <a:t>Demon Thread Demo</a:t>
+            </a:r>
+            <a:endParaRPr lang="en-US" dirty="0"/>
+          </a:p>
+        </p:txBody>
+      </p:sp>
+      <p:pic>
+        <p:nvPicPr>
+          <p:cNvPr id="1026" name="Picture 2"/>
+          <p:cNvPicPr>
+            <a:picLocks noChangeAspect="1" noChangeArrowheads="1"/>
+          </p:cNvPicPr>
+          <p:nvPr/>
+        </p:nvPicPr>
+        <p:blipFill>
+          <a:blip r:embed="rId2"/>
+          <a:srcRect/>
+          <a:stretch>
+            <a:fillRect/>
+          </a:stretch>
+        </p:blipFill>
+        <p:spPr bwMode="auto">
+          <a:xfrm>
+            <a:off x="1600200" y="1600200"/>
+            <a:ext cx="5900274" cy="4514850"/>
+          </a:xfrm>
+          <a:prstGeom prst="rect">
+            <a:avLst/>
+          </a:prstGeom>
+          <a:noFill/>
+          <a:ln w="9525">
+            <a:noFill/>
+            <a:miter lim="800000"/>
+            <a:headEnd/>
+            <a:tailEnd/>
+          </a:ln>
+          <a:effectLst/>
+        </p:spPr>
+      </p:pic>
+    </p:spTree>
+  </p:cSld>
+  <p:clrMapOvr>
+    <a:masterClrMapping/>
+  </p:clrMapOvr>
+</p:sld>
+</file>
+
+<file path=ppt/slides/slide31.xml><?xml version="1.0" encoding="utf-8"?>
+<p:sld xmlns:a="http://schemas.openxmlformats.org/drawingml/2006/main" xmlns:r="http://schemas.openxmlformats.org/officeDocument/2006/relationships" xmlns:p="http://schemas.openxmlformats.org/presentationml/2006/main">
+  <p:cSld>
+    <p:spTree>
+      <p:nvGrpSpPr>
+        <p:cNvPr id="1" name=""/>
+        <p:cNvGrpSpPr/>
+        <p:nvPr/>
+      </p:nvGrpSpPr>
+      <p:grpSpPr>
+        <a:xfrm>
+          <a:off x="0" y="0"/>
+          <a:ext cx="0" cy="0"/>
+          <a:chOff x="0" y="0"/>
+          <a:chExt cx="0" cy="0"/>
+        </a:xfrm>
+      </p:grpSpPr>
+      <p:sp>
+        <p:nvSpPr>
+          <p:cNvPr id="2" name="Title 1"/>
+          <p:cNvSpPr>
+            <a:spLocks noGrp="1"/>
+          </p:cNvSpPr>
+          <p:nvPr>
+            <p:ph type="title"/>
+          </p:nvPr>
+        </p:nvSpPr>
+        <p:spPr/>
+        <p:txBody>
+          <a:bodyPr/>
+          <a:lstStyle/>
+          <a:p>
+            <a:r>
+              <a:rPr lang="en-IN" dirty="0" smtClean="0"/>
+              <a:t>Output</a:t>
+            </a:r>
+            <a:endParaRPr lang="en-US" dirty="0"/>
+          </a:p>
+        </p:txBody>
+      </p:sp>
+      <p:pic>
+        <p:nvPicPr>
+          <p:cNvPr id="2050" name="Picture 2"/>
+          <p:cNvPicPr>
+            <a:picLocks noChangeAspect="1" noChangeArrowheads="1"/>
+          </p:cNvPicPr>
+          <p:nvPr/>
+        </p:nvPicPr>
+        <p:blipFill>
+          <a:blip r:embed="rId2"/>
+          <a:srcRect/>
+          <a:stretch>
+            <a:fillRect/>
+          </a:stretch>
+        </p:blipFill>
+        <p:spPr bwMode="auto">
+          <a:xfrm>
+            <a:off x="685800" y="1600200"/>
+            <a:ext cx="6324600" cy="4107030"/>
+          </a:xfrm>
+          <a:prstGeom prst="rect">
+            <a:avLst/>
+          </a:prstGeom>
+          <a:noFill/>
+          <a:ln w="9525">
+            <a:noFill/>
+            <a:miter lim="800000"/>
+            <a:headEnd/>
+            <a:tailEnd/>
+          </a:ln>
+          <a:effectLst/>
+        </p:spPr>
+      </p:pic>
+    </p:spTree>
+  </p:cSld>
+  <p:clrMapOvr>
+    <a:masterClrMapping/>
+  </p:clrMapOvr>
+</p:sld>
+</file>
+
+<file path=ppt/slides/slide32.xml><?xml version="1.0" encoding="utf-8"?>
 <p:sld xmlns:a="http://schemas.openxmlformats.org/drawingml/2006/main" xmlns:r="http://schemas.openxmlformats.org/officeDocument/2006/relationships" xmlns:p="http://schemas.openxmlformats.org/presentationml/2006/main">
   <p:cSld>
     <p:spTree>
